--- a/InfoSec/PPTs/CH05-Database and Cloud Security NEW.pptx
+++ b/InfoSec/PPTs/CH05-Database and Cloud Security NEW.pptx
@@ -5,10 +5,10 @@
     <p:sldMasterId id="2147483878" r:id="rId1"/>
   </p:sldMasterIdLst>
   <p:notesMasterIdLst>
-    <p:notesMasterId r:id="rId50"/>
+    <p:notesMasterId r:id="rId51"/>
   </p:notesMasterIdLst>
   <p:handoutMasterIdLst>
-    <p:handoutMasterId r:id="rId51"/>
+    <p:handoutMasterId r:id="rId52"/>
   </p:handoutMasterIdLst>
   <p:sldIdLst>
     <p:sldId id="384" r:id="rId2"/>
@@ -27,38 +27,39 @@
     <p:sldId id="415" r:id="rId15"/>
     <p:sldId id="512" r:id="rId16"/>
     <p:sldId id="369" r:id="rId17"/>
-    <p:sldId id="370" r:id="rId18"/>
-    <p:sldId id="435" r:id="rId19"/>
-    <p:sldId id="371" r:id="rId20"/>
-    <p:sldId id="513" r:id="rId21"/>
-    <p:sldId id="372" r:id="rId22"/>
-    <p:sldId id="434" r:id="rId23"/>
-    <p:sldId id="373" r:id="rId24"/>
-    <p:sldId id="424" r:id="rId25"/>
-    <p:sldId id="505" r:id="rId26"/>
-    <p:sldId id="514" r:id="rId27"/>
-    <p:sldId id="515" r:id="rId28"/>
-    <p:sldId id="383" r:id="rId29"/>
-    <p:sldId id="516" r:id="rId30"/>
-    <p:sldId id="517" r:id="rId31"/>
-    <p:sldId id="518" r:id="rId32"/>
-    <p:sldId id="416" r:id="rId33"/>
-    <p:sldId id="417" r:id="rId34"/>
-    <p:sldId id="418" r:id="rId35"/>
-    <p:sldId id="501" r:id="rId36"/>
-    <p:sldId id="503" r:id="rId37"/>
-    <p:sldId id="428" r:id="rId38"/>
-    <p:sldId id="429" r:id="rId39"/>
-    <p:sldId id="431" r:id="rId40"/>
-    <p:sldId id="432" r:id="rId41"/>
-    <p:sldId id="472" r:id="rId42"/>
-    <p:sldId id="474" r:id="rId43"/>
-    <p:sldId id="478" r:id="rId44"/>
-    <p:sldId id="479" r:id="rId45"/>
-    <p:sldId id="475" r:id="rId46"/>
-    <p:sldId id="484" r:id="rId47"/>
-    <p:sldId id="480" r:id="rId48"/>
-    <p:sldId id="481" r:id="rId49"/>
+    <p:sldId id="520" r:id="rId18"/>
+    <p:sldId id="519" r:id="rId19"/>
+    <p:sldId id="435" r:id="rId20"/>
+    <p:sldId id="371" r:id="rId21"/>
+    <p:sldId id="513" r:id="rId22"/>
+    <p:sldId id="372" r:id="rId23"/>
+    <p:sldId id="434" r:id="rId24"/>
+    <p:sldId id="373" r:id="rId25"/>
+    <p:sldId id="424" r:id="rId26"/>
+    <p:sldId id="505" r:id="rId27"/>
+    <p:sldId id="514" r:id="rId28"/>
+    <p:sldId id="515" r:id="rId29"/>
+    <p:sldId id="383" r:id="rId30"/>
+    <p:sldId id="516" r:id="rId31"/>
+    <p:sldId id="517" r:id="rId32"/>
+    <p:sldId id="518" r:id="rId33"/>
+    <p:sldId id="416" r:id="rId34"/>
+    <p:sldId id="417" r:id="rId35"/>
+    <p:sldId id="418" r:id="rId36"/>
+    <p:sldId id="501" r:id="rId37"/>
+    <p:sldId id="503" r:id="rId38"/>
+    <p:sldId id="428" r:id="rId39"/>
+    <p:sldId id="429" r:id="rId40"/>
+    <p:sldId id="431" r:id="rId41"/>
+    <p:sldId id="432" r:id="rId42"/>
+    <p:sldId id="472" r:id="rId43"/>
+    <p:sldId id="474" r:id="rId44"/>
+    <p:sldId id="478" r:id="rId45"/>
+    <p:sldId id="479" r:id="rId46"/>
+    <p:sldId id="475" r:id="rId47"/>
+    <p:sldId id="484" r:id="rId48"/>
+    <p:sldId id="480" r:id="rId49"/>
+    <p:sldId id="481" r:id="rId50"/>
   </p:sldIdLst>
   <p:sldSz cx="9144000" cy="6858000" type="screen4x3"/>
   <p:notesSz cx="6858000" cy="9144000"/>
@@ -208,7 +209,8 @@
             <p14:sldId id="415"/>
             <p14:sldId id="512"/>
             <p14:sldId id="369"/>
-            <p14:sldId id="370"/>
+            <p14:sldId id="520"/>
+            <p14:sldId id="519"/>
             <p14:sldId id="435"/>
             <p14:sldId id="371"/>
             <p14:sldId id="513"/>
@@ -9725,7 +9727,7 @@
             <a:fld id="{999DDEF9-8F79-3F4A-8C1A-CB2E900DCD92}" type="datetimeFigureOut">
               <a:rPr lang="en-US" smtClean="0"/>
               <a:pPr/>
-              <a:t>4/19/2020</a:t>
+              <a:t>4/21/2020</a:t>
             </a:fld>
             <a:endParaRPr lang="en-US"/>
           </a:p>
@@ -11553,513 +11555,505 @@
       </p:grpSpPr>
       <p:sp>
         <p:nvSpPr>
-          <p:cNvPr id="38914" name="Rectangle 7"/>
+          <p:cNvPr id="2" name="Slide Image Placeholder 1"/>
           <p:cNvSpPr>
-            <a:spLocks noGrp="1" noChangeArrowheads="1"/>
+            <a:spLocks noGrp="1" noRot="1" noChangeAspect="1"/>
+          </p:cNvSpPr>
+          <p:nvPr>
+            <p:ph type="sldImg"/>
+          </p:nvPr>
+        </p:nvSpPr>
+        <p:spPr/>
+      </p:sp>
+      <p:sp>
+        <p:nvSpPr>
+          <p:cNvPr id="3" name="Notes Placeholder 2"/>
+          <p:cNvSpPr>
+            <a:spLocks noGrp="1"/>
+          </p:cNvSpPr>
+          <p:nvPr>
+            <p:ph type="body" idx="1"/>
+          </p:nvPr>
+        </p:nvSpPr>
+        <p:spPr/>
+        <p:txBody>
+          <a:bodyPr/>
+          <a:lstStyle/>
+          <a:p>
+            <a:r>
+              <a:rPr lang="en-US" dirty="0">
+                <a:latin typeface="Arial" pitchFamily="-109" charset="0"/>
+                <a:ea typeface="ＭＳ Ｐゴシック" pitchFamily="-109" charset="-128"/>
+                <a:cs typeface="ＭＳ Ｐゴシック" pitchFamily="-109" charset="-128"/>
+              </a:rPr>
+              <a:t>The grant option enables an access right to cascade through a number of </a:t>
+            </a:r>
+            <a:r>
+              <a:rPr lang="en-US" dirty="0" err="1">
+                <a:latin typeface="Arial" pitchFamily="-109" charset="0"/>
+                <a:ea typeface="ＭＳ Ｐゴシック" pitchFamily="-109" charset="-128"/>
+                <a:cs typeface="ＭＳ Ｐゴシック" pitchFamily="-109" charset="-128"/>
+              </a:rPr>
+              <a:t>users.We</a:t>
+            </a:r>
+            <a:endParaRPr lang="en-US" dirty="0">
+              <a:latin typeface="Arial" pitchFamily="-109" charset="0"/>
+              <a:ea typeface="ＭＳ Ｐゴシック" pitchFamily="-109" charset="-128"/>
+              <a:cs typeface="ＭＳ Ｐゴシック" pitchFamily="-109" charset="-128"/>
+            </a:endParaRPr>
+          </a:p>
+          <a:p>
+            <a:r>
+              <a:rPr lang="en-US" dirty="0">
+                <a:latin typeface="Arial" pitchFamily="-109" charset="0"/>
+                <a:ea typeface="ＭＳ Ｐゴシック" pitchFamily="-109" charset="-128"/>
+                <a:cs typeface="ＭＳ Ｐゴシック" pitchFamily="-109" charset="-128"/>
+              </a:rPr>
+              <a:t>consider a specific access right and illustrate the cascade phenomenon in Figure 5.4 .</a:t>
+            </a:r>
+          </a:p>
+          <a:p>
+            <a:r>
+              <a:rPr lang="en-US" dirty="0">
+                <a:latin typeface="Arial" pitchFamily="-109" charset="0"/>
+                <a:ea typeface="ＭＳ Ｐゴシック" pitchFamily="-109" charset="-128"/>
+                <a:cs typeface="ＭＳ Ｐゴシック" pitchFamily="-109" charset="-128"/>
+              </a:rPr>
+              <a:t>The figure indicates that Ann grants the access right to Bob at time </a:t>
+            </a:r>
+            <a:r>
+              <a:rPr lang="en-US" i="1" dirty="0">
+                <a:latin typeface="Arial" pitchFamily="-109" charset="0"/>
+                <a:ea typeface="ＭＳ Ｐゴシック" pitchFamily="-109" charset="-128"/>
+                <a:cs typeface="ＭＳ Ｐゴシック" pitchFamily="-109" charset="-128"/>
+              </a:rPr>
+              <a:t>t =</a:t>
+            </a:r>
+            <a:r>
+              <a:rPr lang="en-US" i="1" baseline="0" dirty="0">
+                <a:latin typeface="Arial" pitchFamily="-109" charset="0"/>
+                <a:ea typeface="ＭＳ Ｐゴシック" pitchFamily="-109" charset="-128"/>
+                <a:cs typeface="ＭＳ Ｐゴシック" pitchFamily="-109" charset="-128"/>
+              </a:rPr>
+              <a:t> </a:t>
+            </a:r>
+            <a:r>
+              <a:rPr lang="en-US" i="1" dirty="0">
+                <a:latin typeface="Arial" pitchFamily="-109" charset="0"/>
+                <a:ea typeface="ＭＳ Ｐゴシック" pitchFamily="-109" charset="-128"/>
+                <a:cs typeface="ＭＳ Ｐゴシック" pitchFamily="-109" charset="-128"/>
+              </a:rPr>
+              <a:t>10 and to</a:t>
+            </a:r>
+          </a:p>
+          <a:p>
+            <a:r>
+              <a:rPr lang="en-US" dirty="0">
+                <a:latin typeface="Arial" pitchFamily="-109" charset="0"/>
+                <a:ea typeface="ＭＳ Ｐゴシック" pitchFamily="-109" charset="-128"/>
+                <a:cs typeface="ＭＳ Ｐゴシック" pitchFamily="-109" charset="-128"/>
+              </a:rPr>
+              <a:t>Chris at time </a:t>
+            </a:r>
+            <a:r>
+              <a:rPr lang="en-US" i="1" dirty="0">
+                <a:latin typeface="Arial" pitchFamily="-109" charset="0"/>
+                <a:ea typeface="ＭＳ Ｐゴシック" pitchFamily="-109" charset="-128"/>
+                <a:cs typeface="ＭＳ Ｐゴシック" pitchFamily="-109" charset="-128"/>
+              </a:rPr>
+              <a:t>t =</a:t>
+            </a:r>
+            <a:r>
+              <a:rPr lang="en-US" i="1" baseline="0" dirty="0">
+                <a:latin typeface="Arial" pitchFamily="-109" charset="0"/>
+                <a:ea typeface="ＭＳ Ｐゴシック" pitchFamily="-109" charset="-128"/>
+                <a:cs typeface="ＭＳ Ｐゴシック" pitchFamily="-109" charset="-128"/>
+              </a:rPr>
+              <a:t> </a:t>
+            </a:r>
+            <a:r>
+              <a:rPr lang="en-US" i="1" dirty="0">
+                <a:latin typeface="Arial" pitchFamily="-109" charset="0"/>
+                <a:ea typeface="ＭＳ Ｐゴシック" pitchFamily="-109" charset="-128"/>
+                <a:cs typeface="ＭＳ Ｐゴシック" pitchFamily="-109" charset="-128"/>
+              </a:rPr>
+              <a:t>20. Assume that the grant option is always used. Thus, Bob is able</a:t>
+            </a:r>
+          </a:p>
+          <a:p>
+            <a:r>
+              <a:rPr lang="en-US" dirty="0">
+                <a:latin typeface="Arial" pitchFamily="-109" charset="0"/>
+                <a:ea typeface="ＭＳ Ｐゴシック" pitchFamily="-109" charset="-128"/>
+                <a:cs typeface="ＭＳ Ｐゴシック" pitchFamily="-109" charset="-128"/>
+              </a:rPr>
+              <a:t>to grant the access right to David at </a:t>
+            </a:r>
+            <a:r>
+              <a:rPr lang="en-US" i="1" dirty="0">
+                <a:latin typeface="Arial" pitchFamily="-109" charset="0"/>
+                <a:ea typeface="ＭＳ Ｐゴシック" pitchFamily="-109" charset="-128"/>
+                <a:cs typeface="ＭＳ Ｐゴシック" pitchFamily="-109" charset="-128"/>
+              </a:rPr>
+              <a:t>t =</a:t>
+            </a:r>
+            <a:r>
+              <a:rPr lang="en-US" i="1" baseline="0" dirty="0">
+                <a:latin typeface="Arial" pitchFamily="-109" charset="0"/>
+                <a:ea typeface="ＭＳ Ｐゴシック" pitchFamily="-109" charset="-128"/>
+                <a:cs typeface="ＭＳ Ｐゴシック" pitchFamily="-109" charset="-128"/>
+              </a:rPr>
+              <a:t> </a:t>
+            </a:r>
+            <a:r>
+              <a:rPr lang="en-US" i="1" dirty="0">
+                <a:latin typeface="Arial" pitchFamily="-109" charset="0"/>
+                <a:ea typeface="ＭＳ Ｐゴシック" pitchFamily="-109" charset="-128"/>
+                <a:cs typeface="ＭＳ Ｐゴシック" pitchFamily="-109" charset="-128"/>
+              </a:rPr>
+              <a:t>30. Chris redundantly grants the access right</a:t>
+            </a:r>
+          </a:p>
+          <a:p>
+            <a:r>
+              <a:rPr lang="en-US" dirty="0">
+                <a:latin typeface="Arial" pitchFamily="-109" charset="0"/>
+                <a:ea typeface="ＭＳ Ｐゴシック" pitchFamily="-109" charset="-128"/>
+                <a:cs typeface="ＭＳ Ｐゴシック" pitchFamily="-109" charset="-128"/>
+              </a:rPr>
+              <a:t>to David at </a:t>
+            </a:r>
+            <a:r>
+              <a:rPr lang="en-US" i="1" dirty="0">
+                <a:latin typeface="Arial" pitchFamily="-109" charset="0"/>
+                <a:ea typeface="ＭＳ Ｐゴシック" pitchFamily="-109" charset="-128"/>
+                <a:cs typeface="ＭＳ Ｐゴシック" pitchFamily="-109" charset="-128"/>
+              </a:rPr>
+              <a:t>t =</a:t>
+            </a:r>
+            <a:r>
+              <a:rPr lang="en-US" i="1" baseline="0" dirty="0">
+                <a:latin typeface="Arial" pitchFamily="-109" charset="0"/>
+                <a:ea typeface="ＭＳ Ｐゴシック" pitchFamily="-109" charset="-128"/>
+                <a:cs typeface="ＭＳ Ｐゴシック" pitchFamily="-109" charset="-128"/>
+              </a:rPr>
+              <a:t> </a:t>
+            </a:r>
+            <a:r>
+              <a:rPr lang="en-US" i="1" dirty="0">
+                <a:latin typeface="Arial" pitchFamily="-109" charset="0"/>
+                <a:ea typeface="ＭＳ Ｐゴシック" pitchFamily="-109" charset="-128"/>
+                <a:cs typeface="ＭＳ Ｐゴシック" pitchFamily="-109" charset="-128"/>
+              </a:rPr>
+              <a:t>50. Meanwhile, David grants the right to Ellen, who in turn grants it</a:t>
+            </a:r>
+          </a:p>
+          <a:p>
+            <a:r>
+              <a:rPr lang="en-US" dirty="0">
+                <a:latin typeface="Arial" pitchFamily="-109" charset="0"/>
+                <a:ea typeface="ＭＳ Ｐゴシック" pitchFamily="-109" charset="-128"/>
+                <a:cs typeface="ＭＳ Ｐゴシック" pitchFamily="-109" charset="-128"/>
+              </a:rPr>
+              <a:t>to Jim; and subsequently David grants the right to Frank.</a:t>
+            </a:r>
+          </a:p>
+          <a:p>
+            <a:endParaRPr lang="en-US" dirty="0">
+              <a:latin typeface="Arial" pitchFamily="-109" charset="0"/>
+              <a:ea typeface="ＭＳ Ｐゴシック" pitchFamily="-109" charset="-128"/>
+              <a:cs typeface="ＭＳ Ｐゴシック" pitchFamily="-109" charset="-128"/>
+            </a:endParaRPr>
+          </a:p>
+          <a:p>
+            <a:r>
+              <a:rPr lang="en-US" dirty="0">
+                <a:latin typeface="Arial" pitchFamily="-109" charset="0"/>
+                <a:ea typeface="ＭＳ Ｐゴシック" pitchFamily="-109" charset="-128"/>
+                <a:cs typeface="ＭＳ Ｐゴシック" pitchFamily="-109" charset="-128"/>
+              </a:rPr>
+              <a:t>Just as the granting of privileges cascades from one user to another using</a:t>
+            </a:r>
+          </a:p>
+          <a:p>
+            <a:r>
+              <a:rPr lang="en-US" dirty="0">
+                <a:latin typeface="Arial" pitchFamily="-109" charset="0"/>
+                <a:ea typeface="ＭＳ Ｐゴシック" pitchFamily="-109" charset="-128"/>
+                <a:cs typeface="ＭＳ Ｐゴシック" pitchFamily="-109" charset="-128"/>
+              </a:rPr>
+              <a:t>the grant option, the revocation of privileges also cascaded. Thus, if Ann</a:t>
+            </a:r>
+          </a:p>
+          <a:p>
+            <a:r>
+              <a:rPr lang="en-US" dirty="0">
+                <a:latin typeface="Arial" pitchFamily="-109" charset="0"/>
+                <a:ea typeface="ＭＳ Ｐゴシック" pitchFamily="-109" charset="-128"/>
+                <a:cs typeface="ＭＳ Ｐゴシック" pitchFamily="-109" charset="-128"/>
+              </a:rPr>
+              <a:t>revokes the access right to Bob and Chris, then the access right is also revoked</a:t>
+            </a:r>
+          </a:p>
+          <a:p>
+            <a:r>
+              <a:rPr lang="en-US" dirty="0">
+                <a:latin typeface="Arial" pitchFamily="-109" charset="0"/>
+                <a:ea typeface="ＭＳ Ｐゴシック" pitchFamily="-109" charset="-128"/>
+                <a:cs typeface="ＭＳ Ｐゴシック" pitchFamily="-109" charset="-128"/>
+              </a:rPr>
+              <a:t>to David, Ellen, Jim, and Frank. A complication arises when a user receives the</a:t>
+            </a:r>
+          </a:p>
+          <a:p>
+            <a:r>
+              <a:rPr lang="en-US" dirty="0">
+                <a:latin typeface="Arial" pitchFamily="-109" charset="0"/>
+                <a:ea typeface="ＭＳ Ｐゴシック" pitchFamily="-109" charset="-128"/>
+                <a:cs typeface="ＭＳ Ｐゴシック" pitchFamily="-109" charset="-128"/>
+              </a:rPr>
+              <a:t>same access right multiple times, as happens in the case of David. Suppose that</a:t>
+            </a:r>
+          </a:p>
+          <a:p>
+            <a:r>
+              <a:rPr lang="en-US" dirty="0">
+                <a:latin typeface="Arial" pitchFamily="-109" charset="0"/>
+                <a:ea typeface="ＭＳ Ｐゴシック" pitchFamily="-109" charset="-128"/>
+                <a:cs typeface="ＭＳ Ｐゴシック" pitchFamily="-109" charset="-128"/>
+              </a:rPr>
+              <a:t>Bob revokes the privilege from David. David still has the access right because</a:t>
+            </a:r>
+          </a:p>
+          <a:p>
+            <a:r>
+              <a:rPr lang="en-US" dirty="0">
+                <a:latin typeface="Arial" pitchFamily="-109" charset="0"/>
+                <a:ea typeface="ＭＳ Ｐゴシック" pitchFamily="-109" charset="-128"/>
+                <a:cs typeface="ＭＳ Ｐゴシック" pitchFamily="-109" charset="-128"/>
+              </a:rPr>
+              <a:t>it was granted by Chris at </a:t>
+            </a:r>
+            <a:r>
+              <a:rPr lang="en-US" i="1" dirty="0">
+                <a:latin typeface="Arial" pitchFamily="-109" charset="0"/>
+                <a:ea typeface="ＭＳ Ｐゴシック" pitchFamily="-109" charset="-128"/>
+                <a:cs typeface="ＭＳ Ｐゴシック" pitchFamily="-109" charset="-128"/>
+              </a:rPr>
+              <a:t>t   = 50. However, David granted the access right to</a:t>
+            </a:r>
+          </a:p>
+          <a:p>
+            <a:r>
+              <a:rPr lang="en-US" dirty="0">
+                <a:latin typeface="Arial" pitchFamily="-109" charset="0"/>
+                <a:ea typeface="ＭＳ Ｐゴシック" pitchFamily="-109" charset="-128"/>
+                <a:cs typeface="ＭＳ Ｐゴシック" pitchFamily="-109" charset="-128"/>
+              </a:rPr>
+              <a:t>Ellen after receiving the right, with grant option, from Bob but prior to receiving</a:t>
+            </a:r>
+          </a:p>
+          <a:p>
+            <a:r>
+              <a:rPr lang="en-US" dirty="0">
+                <a:latin typeface="Arial" pitchFamily="-109" charset="0"/>
+                <a:ea typeface="ＭＳ Ｐゴシック" pitchFamily="-109" charset="-128"/>
+                <a:cs typeface="ＭＳ Ｐゴシック" pitchFamily="-109" charset="-128"/>
+              </a:rPr>
+              <a:t>it from Chris. Most implementations dictate that in this circumstance, the access</a:t>
+            </a:r>
+          </a:p>
+          <a:p>
+            <a:r>
+              <a:rPr lang="en-US" dirty="0">
+                <a:latin typeface="Arial" pitchFamily="-109" charset="0"/>
+                <a:ea typeface="ＭＳ Ｐゴシック" pitchFamily="-109" charset="-128"/>
+                <a:cs typeface="ＭＳ Ｐゴシック" pitchFamily="-109" charset="-128"/>
+              </a:rPr>
+              <a:t>right to Ellen and therefore Jim is revoked when Bob revokes the access right</a:t>
+            </a:r>
+          </a:p>
+          <a:p>
+            <a:r>
+              <a:rPr lang="en-US" dirty="0">
+                <a:latin typeface="Arial" pitchFamily="-109" charset="0"/>
+                <a:ea typeface="ＭＳ Ｐゴシック" pitchFamily="-109" charset="-128"/>
+                <a:cs typeface="ＭＳ Ｐゴシック" pitchFamily="-109" charset="-128"/>
+              </a:rPr>
+              <a:t>to David. This is because at </a:t>
+            </a:r>
+            <a:r>
+              <a:rPr lang="en-US" i="1" dirty="0">
+                <a:latin typeface="Arial" pitchFamily="-109" charset="0"/>
+                <a:ea typeface="ＭＳ Ｐゴシック" pitchFamily="-109" charset="-128"/>
+                <a:cs typeface="ＭＳ Ｐゴシック" pitchFamily="-109" charset="-128"/>
+              </a:rPr>
+              <a:t>t =</a:t>
+            </a:r>
+            <a:r>
+              <a:rPr lang="en-US" i="1" baseline="0" dirty="0">
+                <a:latin typeface="Arial" pitchFamily="-109" charset="0"/>
+                <a:ea typeface="ＭＳ Ｐゴシック" pitchFamily="-109" charset="-128"/>
+                <a:cs typeface="ＭＳ Ｐゴシック" pitchFamily="-109" charset="-128"/>
+              </a:rPr>
+              <a:t> </a:t>
+            </a:r>
+            <a:r>
+              <a:rPr lang="en-US" i="1" dirty="0">
+                <a:latin typeface="Arial" pitchFamily="-109" charset="0"/>
+                <a:ea typeface="ＭＳ Ｐゴシック" pitchFamily="-109" charset="-128"/>
+                <a:cs typeface="ＭＳ Ｐゴシック" pitchFamily="-109" charset="-128"/>
+              </a:rPr>
+              <a:t>40, when David granted the access right to</a:t>
+            </a:r>
+          </a:p>
+          <a:p>
+            <a:r>
+              <a:rPr lang="en-US" dirty="0">
+                <a:latin typeface="Arial" pitchFamily="-109" charset="0"/>
+                <a:ea typeface="ＭＳ Ｐゴシック" pitchFamily="-109" charset="-128"/>
+                <a:cs typeface="ＭＳ Ｐゴシック" pitchFamily="-109" charset="-128"/>
+              </a:rPr>
+              <a:t>Ellen, David only had the grant option to do this from Bob. When Bob revokes</a:t>
+            </a:r>
+          </a:p>
+          <a:p>
+            <a:r>
+              <a:rPr lang="en-US" dirty="0">
+                <a:latin typeface="Arial" pitchFamily="-109" charset="0"/>
+                <a:ea typeface="ＭＳ Ｐゴシック" pitchFamily="-109" charset="-128"/>
+                <a:cs typeface="ＭＳ Ｐゴシック" pitchFamily="-109" charset="-128"/>
+              </a:rPr>
+              <a:t>the right, this causes all subsequent cascaded grants that are traceable solely</a:t>
+            </a:r>
+          </a:p>
+          <a:p>
+            <a:r>
+              <a:rPr lang="en-US" dirty="0">
+                <a:latin typeface="Arial" pitchFamily="-109" charset="0"/>
+                <a:ea typeface="ＭＳ Ｐゴシック" pitchFamily="-109" charset="-128"/>
+                <a:cs typeface="ＭＳ Ｐゴシック" pitchFamily="-109" charset="-128"/>
+              </a:rPr>
+              <a:t>to Bob via David to be revoked. Because David granted the access right</a:t>
+            </a:r>
+          </a:p>
+          <a:p>
+            <a:r>
+              <a:rPr lang="en-US" dirty="0">
+                <a:latin typeface="Arial" pitchFamily="-109" charset="0"/>
+                <a:ea typeface="ＭＳ Ｐゴシック" pitchFamily="-109" charset="-128"/>
+                <a:cs typeface="ＭＳ Ｐゴシック" pitchFamily="-109" charset="-128"/>
+              </a:rPr>
+              <a:t>to Frank after David was granted the access right with grant option from Chris,</a:t>
+            </a:r>
+          </a:p>
+          <a:p>
+            <a:r>
+              <a:rPr lang="en-US" dirty="0">
+                <a:latin typeface="Arial" pitchFamily="-109" charset="0"/>
+                <a:ea typeface="ＭＳ Ｐゴシック" pitchFamily="-109" charset="-128"/>
+                <a:cs typeface="ＭＳ Ｐゴシック" pitchFamily="-109" charset="-128"/>
+              </a:rPr>
+              <a:t>the access right to Frank remains. These effects are shown in the lower portion of</a:t>
+            </a:r>
+          </a:p>
+          <a:p>
+            <a:r>
+              <a:rPr lang="en-US" dirty="0">
+                <a:latin typeface="Arial" pitchFamily="-109" charset="0"/>
+                <a:ea typeface="ＭＳ Ｐゴシック" pitchFamily="-109" charset="-128"/>
+                <a:cs typeface="ＭＳ Ｐゴシック" pitchFamily="-109" charset="-128"/>
+              </a:rPr>
+              <a:t>Figure 5.6 .</a:t>
+            </a:r>
+          </a:p>
+          <a:p>
+            <a:endParaRPr lang="en-US" dirty="0">
+              <a:latin typeface="Arial" pitchFamily="-109" charset="0"/>
+              <a:ea typeface="ＭＳ Ｐゴシック" pitchFamily="-109" charset="-128"/>
+              <a:cs typeface="ＭＳ Ｐゴシック" pitchFamily="-109" charset="-128"/>
+            </a:endParaRPr>
+          </a:p>
+          <a:p>
+            <a:r>
+              <a:rPr lang="en-US" dirty="0">
+                <a:latin typeface="Arial" pitchFamily="-109" charset="0"/>
+                <a:ea typeface="ＭＳ Ｐゴシック" pitchFamily="-109" charset="-128"/>
+                <a:cs typeface="ＭＳ Ｐゴシック" pitchFamily="-109" charset="-128"/>
+              </a:rPr>
+              <a:t>To generalize, the convention followed by most implementations is as follows.</a:t>
+            </a:r>
+          </a:p>
+          <a:p>
+            <a:r>
+              <a:rPr lang="en-US" dirty="0">
+                <a:latin typeface="Arial" pitchFamily="-109" charset="0"/>
+                <a:ea typeface="ＭＳ Ｐゴシック" pitchFamily="-109" charset="-128"/>
+                <a:cs typeface="ＭＳ Ｐゴシック" pitchFamily="-109" charset="-128"/>
+              </a:rPr>
+              <a:t>When user A revokes an access right, any cascaded access right is also revoked,</a:t>
+            </a:r>
+          </a:p>
+          <a:p>
+            <a:r>
+              <a:rPr lang="en-US" dirty="0">
+                <a:latin typeface="Arial" pitchFamily="-109" charset="0"/>
+                <a:ea typeface="ＭＳ Ｐゴシック" pitchFamily="-109" charset="-128"/>
+                <a:cs typeface="ＭＳ Ｐゴシック" pitchFamily="-109" charset="-128"/>
+              </a:rPr>
+              <a:t>unless that access right would exist even if the original grant from A had never</a:t>
+            </a:r>
+          </a:p>
+          <a:p>
+            <a:r>
+              <a:rPr lang="en-US" dirty="0">
+                <a:latin typeface="Arial" pitchFamily="-109" charset="0"/>
+                <a:ea typeface="ＭＳ Ｐゴシック" pitchFamily="-109" charset="-128"/>
+                <a:cs typeface="ＭＳ Ｐゴシック" pitchFamily="-109" charset="-128"/>
+              </a:rPr>
+              <a:t>occurred. This convention was first proposed in [GRIF76].</a:t>
+            </a:r>
+          </a:p>
+          <a:p>
+            <a:endParaRPr lang="en-US" dirty="0">
+              <a:latin typeface="Times New Roman" pitchFamily="-109" charset="0"/>
+              <a:ea typeface="ＭＳ Ｐゴシック" pitchFamily="-109" charset="-128"/>
+              <a:cs typeface="ＭＳ Ｐゴシック" pitchFamily="-109" charset="-128"/>
+            </a:endParaRPr>
+          </a:p>
+          <a:p>
+            <a:endParaRPr lang="en-SE" dirty="0"/>
+          </a:p>
+        </p:txBody>
+      </p:sp>
+      <p:sp>
+        <p:nvSpPr>
+          <p:cNvPr id="4" name="Slide Number Placeholder 3"/>
+          <p:cNvSpPr>
+            <a:spLocks noGrp="1"/>
           </p:cNvSpPr>
           <p:nvPr>
             <p:ph type="sldNum" sz="quarter" idx="5"/>
           </p:nvPr>
         </p:nvSpPr>
-        <p:spPr>
-          <a:noFill/>
-        </p:spPr>
+        <p:spPr/>
         <p:txBody>
           <a:bodyPr/>
           <a:lstStyle/>
           <a:p>
-            <a:fld id="{B65EA6F3-B750-4B4B-BEC3-76BE26787FE0}" type="slidenum">
-              <a:rPr lang="en-AU">
-                <a:latin typeface="Arial" pitchFamily="-109" charset="0"/>
-              </a:rPr>
+            <a:fld id="{F8560DBF-F109-8946-ADF0-EE66B221E988}" type="slidenum">
+              <a:rPr lang="en-AU" smtClean="0"/>
               <a:pPr/>
-              <a:t>17</a:t>
+              <a:t>18</a:t>
             </a:fld>
-            <a:endParaRPr lang="en-AU">
-              <a:latin typeface="Arial" pitchFamily="-109" charset="0"/>
-            </a:endParaRPr>
-          </a:p>
-        </p:txBody>
-      </p:sp>
-      <p:sp>
-        <p:nvSpPr>
-          <p:cNvPr id="38915" name="Rectangle 2"/>
-          <p:cNvSpPr>
-            <a:spLocks noGrp="1" noRot="1" noChangeAspect="1" noChangeArrowheads="1" noTextEdit="1"/>
-          </p:cNvSpPr>
-          <p:nvPr>
-            <p:ph type="sldImg"/>
-          </p:nvPr>
-        </p:nvSpPr>
-        <p:spPr>
-          <a:ln/>
-        </p:spPr>
-      </p:sp>
-      <p:sp>
-        <p:nvSpPr>
-          <p:cNvPr id="38916" name="Rectangle 3"/>
-          <p:cNvSpPr>
-            <a:spLocks noGrp="1" noChangeArrowheads="1"/>
-          </p:cNvSpPr>
-          <p:nvPr>
-            <p:ph type="body" idx="1"/>
-          </p:nvPr>
-        </p:nvSpPr>
-        <p:spPr>
-          <a:noFill/>
-          <a:ln/>
-        </p:spPr>
-        <p:txBody>
-          <a:bodyPr/>
-          <a:lstStyle/>
-          <a:p>
-            <a:r>
-              <a:rPr lang="en-US" dirty="0">
-                <a:latin typeface="Arial" pitchFamily="-109" charset="0"/>
-                <a:ea typeface="ＭＳ Ｐゴシック" pitchFamily="-109" charset="-128"/>
-                <a:cs typeface="ＭＳ Ｐゴシック" pitchFamily="-109" charset="-128"/>
-              </a:rPr>
-              <a:t>The grant option enables an access right to cascade through a number of </a:t>
-            </a:r>
-            <a:r>
-              <a:rPr lang="en-US" dirty="0" err="1">
-                <a:latin typeface="Arial" pitchFamily="-109" charset="0"/>
-                <a:ea typeface="ＭＳ Ｐゴシック" pitchFamily="-109" charset="-128"/>
-                <a:cs typeface="ＭＳ Ｐゴシック" pitchFamily="-109" charset="-128"/>
-              </a:rPr>
-              <a:t>users.We</a:t>
-            </a:r>
-            <a:endParaRPr lang="en-US" dirty="0">
-              <a:latin typeface="Arial" pitchFamily="-109" charset="0"/>
-              <a:ea typeface="ＭＳ Ｐゴシック" pitchFamily="-109" charset="-128"/>
-              <a:cs typeface="ＭＳ Ｐゴシック" pitchFamily="-109" charset="-128"/>
-            </a:endParaRPr>
-          </a:p>
-          <a:p>
-            <a:r>
-              <a:rPr lang="en-US" dirty="0">
-                <a:latin typeface="Arial" pitchFamily="-109" charset="0"/>
-                <a:ea typeface="ＭＳ Ｐゴシック" pitchFamily="-109" charset="-128"/>
-                <a:cs typeface="ＭＳ Ｐゴシック" pitchFamily="-109" charset="-128"/>
-              </a:rPr>
-              <a:t>consider a specific access right and illustrate the cascade phenomenon in Figure 5.4 .</a:t>
-            </a:r>
-          </a:p>
-          <a:p>
-            <a:r>
-              <a:rPr lang="en-US" dirty="0">
-                <a:latin typeface="Arial" pitchFamily="-109" charset="0"/>
-                <a:ea typeface="ＭＳ Ｐゴシック" pitchFamily="-109" charset="-128"/>
-                <a:cs typeface="ＭＳ Ｐゴシック" pitchFamily="-109" charset="-128"/>
-              </a:rPr>
-              <a:t>The figure indicates that Ann grants the access right to Bob at time </a:t>
-            </a:r>
-            <a:r>
-              <a:rPr lang="en-US" i="1" dirty="0">
-                <a:latin typeface="Arial" pitchFamily="-109" charset="0"/>
-                <a:ea typeface="ＭＳ Ｐゴシック" pitchFamily="-109" charset="-128"/>
-                <a:cs typeface="ＭＳ Ｐゴシック" pitchFamily="-109" charset="-128"/>
-              </a:rPr>
-              <a:t>t =</a:t>
-            </a:r>
-            <a:r>
-              <a:rPr lang="en-US" i="1" baseline="0" dirty="0">
-                <a:latin typeface="Arial" pitchFamily="-109" charset="0"/>
-                <a:ea typeface="ＭＳ Ｐゴシック" pitchFamily="-109" charset="-128"/>
-                <a:cs typeface="ＭＳ Ｐゴシック" pitchFamily="-109" charset="-128"/>
-              </a:rPr>
-              <a:t> </a:t>
-            </a:r>
-            <a:r>
-              <a:rPr lang="en-US" i="1" dirty="0">
-                <a:latin typeface="Arial" pitchFamily="-109" charset="0"/>
-                <a:ea typeface="ＭＳ Ｐゴシック" pitchFamily="-109" charset="-128"/>
-                <a:cs typeface="ＭＳ Ｐゴシック" pitchFamily="-109" charset="-128"/>
-              </a:rPr>
-              <a:t>10 and to</a:t>
-            </a:r>
-          </a:p>
-          <a:p>
-            <a:r>
-              <a:rPr lang="en-US" dirty="0">
-                <a:latin typeface="Arial" pitchFamily="-109" charset="0"/>
-                <a:ea typeface="ＭＳ Ｐゴシック" pitchFamily="-109" charset="-128"/>
-                <a:cs typeface="ＭＳ Ｐゴシック" pitchFamily="-109" charset="-128"/>
-              </a:rPr>
-              <a:t>Chris at time </a:t>
-            </a:r>
-            <a:r>
-              <a:rPr lang="en-US" i="1" dirty="0">
-                <a:latin typeface="Arial" pitchFamily="-109" charset="0"/>
-                <a:ea typeface="ＭＳ Ｐゴシック" pitchFamily="-109" charset="-128"/>
-                <a:cs typeface="ＭＳ Ｐゴシック" pitchFamily="-109" charset="-128"/>
-              </a:rPr>
-              <a:t>t =</a:t>
-            </a:r>
-            <a:r>
-              <a:rPr lang="en-US" i="1" baseline="0" dirty="0">
-                <a:latin typeface="Arial" pitchFamily="-109" charset="0"/>
-                <a:ea typeface="ＭＳ Ｐゴシック" pitchFamily="-109" charset="-128"/>
-                <a:cs typeface="ＭＳ Ｐゴシック" pitchFamily="-109" charset="-128"/>
-              </a:rPr>
-              <a:t> </a:t>
-            </a:r>
-            <a:r>
-              <a:rPr lang="en-US" i="1" dirty="0">
-                <a:latin typeface="Arial" pitchFamily="-109" charset="0"/>
-                <a:ea typeface="ＭＳ Ｐゴシック" pitchFamily="-109" charset="-128"/>
-                <a:cs typeface="ＭＳ Ｐゴシック" pitchFamily="-109" charset="-128"/>
-              </a:rPr>
-              <a:t>20. Assume that the grant option is always used. Thus, Bob is able</a:t>
-            </a:r>
-          </a:p>
-          <a:p>
-            <a:r>
-              <a:rPr lang="en-US" dirty="0">
-                <a:latin typeface="Arial" pitchFamily="-109" charset="0"/>
-                <a:ea typeface="ＭＳ Ｐゴシック" pitchFamily="-109" charset="-128"/>
-                <a:cs typeface="ＭＳ Ｐゴシック" pitchFamily="-109" charset="-128"/>
-              </a:rPr>
-              <a:t>to grant the access right to David at </a:t>
-            </a:r>
-            <a:r>
-              <a:rPr lang="en-US" i="1" dirty="0">
-                <a:latin typeface="Arial" pitchFamily="-109" charset="0"/>
-                <a:ea typeface="ＭＳ Ｐゴシック" pitchFamily="-109" charset="-128"/>
-                <a:cs typeface="ＭＳ Ｐゴシック" pitchFamily="-109" charset="-128"/>
-              </a:rPr>
-              <a:t>t =</a:t>
-            </a:r>
-            <a:r>
-              <a:rPr lang="en-US" i="1" baseline="0" dirty="0">
-                <a:latin typeface="Arial" pitchFamily="-109" charset="0"/>
-                <a:ea typeface="ＭＳ Ｐゴシック" pitchFamily="-109" charset="-128"/>
-                <a:cs typeface="ＭＳ Ｐゴシック" pitchFamily="-109" charset="-128"/>
-              </a:rPr>
-              <a:t> </a:t>
-            </a:r>
-            <a:r>
-              <a:rPr lang="en-US" i="1" dirty="0">
-                <a:latin typeface="Arial" pitchFamily="-109" charset="0"/>
-                <a:ea typeface="ＭＳ Ｐゴシック" pitchFamily="-109" charset="-128"/>
-                <a:cs typeface="ＭＳ Ｐゴシック" pitchFamily="-109" charset="-128"/>
-              </a:rPr>
-              <a:t>30. Chris redundantly grants the access right</a:t>
-            </a:r>
-          </a:p>
-          <a:p>
-            <a:r>
-              <a:rPr lang="en-US" dirty="0">
-                <a:latin typeface="Arial" pitchFamily="-109" charset="0"/>
-                <a:ea typeface="ＭＳ Ｐゴシック" pitchFamily="-109" charset="-128"/>
-                <a:cs typeface="ＭＳ Ｐゴシック" pitchFamily="-109" charset="-128"/>
-              </a:rPr>
-              <a:t>to David at </a:t>
-            </a:r>
-            <a:r>
-              <a:rPr lang="en-US" i="1" dirty="0">
-                <a:latin typeface="Arial" pitchFamily="-109" charset="0"/>
-                <a:ea typeface="ＭＳ Ｐゴシック" pitchFamily="-109" charset="-128"/>
-                <a:cs typeface="ＭＳ Ｐゴシック" pitchFamily="-109" charset="-128"/>
-              </a:rPr>
-              <a:t>t =</a:t>
-            </a:r>
-            <a:r>
-              <a:rPr lang="en-US" i="1" baseline="0" dirty="0">
-                <a:latin typeface="Arial" pitchFamily="-109" charset="0"/>
-                <a:ea typeface="ＭＳ Ｐゴシック" pitchFamily="-109" charset="-128"/>
-                <a:cs typeface="ＭＳ Ｐゴシック" pitchFamily="-109" charset="-128"/>
-              </a:rPr>
-              <a:t> </a:t>
-            </a:r>
-            <a:r>
-              <a:rPr lang="en-US" i="1" dirty="0">
-                <a:latin typeface="Arial" pitchFamily="-109" charset="0"/>
-                <a:ea typeface="ＭＳ Ｐゴシック" pitchFamily="-109" charset="-128"/>
-                <a:cs typeface="ＭＳ Ｐゴシック" pitchFamily="-109" charset="-128"/>
-              </a:rPr>
-              <a:t>50. Meanwhile, David grants the right to Ellen, who in turn grants it</a:t>
-            </a:r>
-          </a:p>
-          <a:p>
-            <a:r>
-              <a:rPr lang="en-US" dirty="0">
-                <a:latin typeface="Arial" pitchFamily="-109" charset="0"/>
-                <a:ea typeface="ＭＳ Ｐゴシック" pitchFamily="-109" charset="-128"/>
-                <a:cs typeface="ＭＳ Ｐゴシック" pitchFamily="-109" charset="-128"/>
-              </a:rPr>
-              <a:t>to Jim; and subsequently David grants the right to Frank.</a:t>
-            </a:r>
-          </a:p>
-          <a:p>
-            <a:endParaRPr lang="en-US" dirty="0">
-              <a:latin typeface="Arial" pitchFamily="-109" charset="0"/>
-              <a:ea typeface="ＭＳ Ｐゴシック" pitchFamily="-109" charset="-128"/>
-              <a:cs typeface="ＭＳ Ｐゴシック" pitchFamily="-109" charset="-128"/>
-            </a:endParaRPr>
-          </a:p>
-          <a:p>
-            <a:r>
-              <a:rPr lang="en-US" dirty="0">
-                <a:latin typeface="Arial" pitchFamily="-109" charset="0"/>
-                <a:ea typeface="ＭＳ Ｐゴシック" pitchFamily="-109" charset="-128"/>
-                <a:cs typeface="ＭＳ Ｐゴシック" pitchFamily="-109" charset="-128"/>
-              </a:rPr>
-              <a:t>Just as the granting of privileges cascades from one user to another using</a:t>
-            </a:r>
-          </a:p>
-          <a:p>
-            <a:r>
-              <a:rPr lang="en-US" dirty="0">
-                <a:latin typeface="Arial" pitchFamily="-109" charset="0"/>
-                <a:ea typeface="ＭＳ Ｐゴシック" pitchFamily="-109" charset="-128"/>
-                <a:cs typeface="ＭＳ Ｐゴシック" pitchFamily="-109" charset="-128"/>
-              </a:rPr>
-              <a:t>the grant option, the revocation of privileges also cascaded. Thus, if Ann</a:t>
-            </a:r>
-          </a:p>
-          <a:p>
-            <a:r>
-              <a:rPr lang="en-US" dirty="0">
-                <a:latin typeface="Arial" pitchFamily="-109" charset="0"/>
-                <a:ea typeface="ＭＳ Ｐゴシック" pitchFamily="-109" charset="-128"/>
-                <a:cs typeface="ＭＳ Ｐゴシック" pitchFamily="-109" charset="-128"/>
-              </a:rPr>
-              <a:t>revokes the access right to Bob and Chris, then the access right is also revoked</a:t>
-            </a:r>
-          </a:p>
-          <a:p>
-            <a:r>
-              <a:rPr lang="en-US" dirty="0">
-                <a:latin typeface="Arial" pitchFamily="-109" charset="0"/>
-                <a:ea typeface="ＭＳ Ｐゴシック" pitchFamily="-109" charset="-128"/>
-                <a:cs typeface="ＭＳ Ｐゴシック" pitchFamily="-109" charset="-128"/>
-              </a:rPr>
-              <a:t>to David, Ellen, Jim, and Frank. A complication arises when a user receives the</a:t>
-            </a:r>
-          </a:p>
-          <a:p>
-            <a:r>
-              <a:rPr lang="en-US" dirty="0">
-                <a:latin typeface="Arial" pitchFamily="-109" charset="0"/>
-                <a:ea typeface="ＭＳ Ｐゴシック" pitchFamily="-109" charset="-128"/>
-                <a:cs typeface="ＭＳ Ｐゴシック" pitchFamily="-109" charset="-128"/>
-              </a:rPr>
-              <a:t>same access right multiple times, as happens in the case of David. Suppose that</a:t>
-            </a:r>
-          </a:p>
-          <a:p>
-            <a:r>
-              <a:rPr lang="en-US" dirty="0">
-                <a:latin typeface="Arial" pitchFamily="-109" charset="0"/>
-                <a:ea typeface="ＭＳ Ｐゴシック" pitchFamily="-109" charset="-128"/>
-                <a:cs typeface="ＭＳ Ｐゴシック" pitchFamily="-109" charset="-128"/>
-              </a:rPr>
-              <a:t>Bob revokes the privilege from David. David still has the access right because</a:t>
-            </a:r>
-          </a:p>
-          <a:p>
-            <a:r>
-              <a:rPr lang="en-US" dirty="0">
-                <a:latin typeface="Arial" pitchFamily="-109" charset="0"/>
-                <a:ea typeface="ＭＳ Ｐゴシック" pitchFamily="-109" charset="-128"/>
-                <a:cs typeface="ＭＳ Ｐゴシック" pitchFamily="-109" charset="-128"/>
-              </a:rPr>
-              <a:t>it was granted by Chris at </a:t>
-            </a:r>
-            <a:r>
-              <a:rPr lang="en-US" i="1" dirty="0">
-                <a:latin typeface="Arial" pitchFamily="-109" charset="0"/>
-                <a:ea typeface="ＭＳ Ｐゴシック" pitchFamily="-109" charset="-128"/>
-                <a:cs typeface="ＭＳ Ｐゴシック" pitchFamily="-109" charset="-128"/>
-              </a:rPr>
-              <a:t>t   = 50. However, David granted the access right to</a:t>
-            </a:r>
-          </a:p>
-          <a:p>
-            <a:r>
-              <a:rPr lang="en-US" dirty="0">
-                <a:latin typeface="Arial" pitchFamily="-109" charset="0"/>
-                <a:ea typeface="ＭＳ Ｐゴシック" pitchFamily="-109" charset="-128"/>
-                <a:cs typeface="ＭＳ Ｐゴシック" pitchFamily="-109" charset="-128"/>
-              </a:rPr>
-              <a:t>Ellen after receiving the right, with grant option, from Bob but prior to receiving</a:t>
-            </a:r>
-          </a:p>
-          <a:p>
-            <a:r>
-              <a:rPr lang="en-US" dirty="0">
-                <a:latin typeface="Arial" pitchFamily="-109" charset="0"/>
-                <a:ea typeface="ＭＳ Ｐゴシック" pitchFamily="-109" charset="-128"/>
-                <a:cs typeface="ＭＳ Ｐゴシック" pitchFamily="-109" charset="-128"/>
-              </a:rPr>
-              <a:t>it from Chris. Most implementations dictate that in this circumstance, the access</a:t>
-            </a:r>
-          </a:p>
-          <a:p>
-            <a:r>
-              <a:rPr lang="en-US" dirty="0">
-                <a:latin typeface="Arial" pitchFamily="-109" charset="0"/>
-                <a:ea typeface="ＭＳ Ｐゴシック" pitchFamily="-109" charset="-128"/>
-                <a:cs typeface="ＭＳ Ｐゴシック" pitchFamily="-109" charset="-128"/>
-              </a:rPr>
-              <a:t>right to Ellen and therefore Jim is revoked when Bob revokes the access right</a:t>
-            </a:r>
-          </a:p>
-          <a:p>
-            <a:r>
-              <a:rPr lang="en-US" dirty="0">
-                <a:latin typeface="Arial" pitchFamily="-109" charset="0"/>
-                <a:ea typeface="ＭＳ Ｐゴシック" pitchFamily="-109" charset="-128"/>
-                <a:cs typeface="ＭＳ Ｐゴシック" pitchFamily="-109" charset="-128"/>
-              </a:rPr>
-              <a:t>to David. This is because at </a:t>
-            </a:r>
-            <a:r>
-              <a:rPr lang="en-US" i="1" dirty="0">
-                <a:latin typeface="Arial" pitchFamily="-109" charset="0"/>
-                <a:ea typeface="ＭＳ Ｐゴシック" pitchFamily="-109" charset="-128"/>
-                <a:cs typeface="ＭＳ Ｐゴシック" pitchFamily="-109" charset="-128"/>
-              </a:rPr>
-              <a:t>t =</a:t>
-            </a:r>
-            <a:r>
-              <a:rPr lang="en-US" i="1" baseline="0" dirty="0">
-                <a:latin typeface="Arial" pitchFamily="-109" charset="0"/>
-                <a:ea typeface="ＭＳ Ｐゴシック" pitchFamily="-109" charset="-128"/>
-                <a:cs typeface="ＭＳ Ｐゴシック" pitchFamily="-109" charset="-128"/>
-              </a:rPr>
-              <a:t> </a:t>
-            </a:r>
-            <a:r>
-              <a:rPr lang="en-US" i="1" dirty="0">
-                <a:latin typeface="Arial" pitchFamily="-109" charset="0"/>
-                <a:ea typeface="ＭＳ Ｐゴシック" pitchFamily="-109" charset="-128"/>
-                <a:cs typeface="ＭＳ Ｐゴシック" pitchFamily="-109" charset="-128"/>
-              </a:rPr>
-              <a:t>40, when David granted the access right to</a:t>
-            </a:r>
-          </a:p>
-          <a:p>
-            <a:r>
-              <a:rPr lang="en-US" dirty="0">
-                <a:latin typeface="Arial" pitchFamily="-109" charset="0"/>
-                <a:ea typeface="ＭＳ Ｐゴシック" pitchFamily="-109" charset="-128"/>
-                <a:cs typeface="ＭＳ Ｐゴシック" pitchFamily="-109" charset="-128"/>
-              </a:rPr>
-              <a:t>Ellen, David only had the grant option to do this from Bob. When Bob revokes</a:t>
-            </a:r>
-          </a:p>
-          <a:p>
-            <a:r>
-              <a:rPr lang="en-US" dirty="0">
-                <a:latin typeface="Arial" pitchFamily="-109" charset="0"/>
-                <a:ea typeface="ＭＳ Ｐゴシック" pitchFamily="-109" charset="-128"/>
-                <a:cs typeface="ＭＳ Ｐゴシック" pitchFamily="-109" charset="-128"/>
-              </a:rPr>
-              <a:t>the right, this causes all subsequent cascaded grants that are traceable solely</a:t>
-            </a:r>
-          </a:p>
-          <a:p>
-            <a:r>
-              <a:rPr lang="en-US" dirty="0">
-                <a:latin typeface="Arial" pitchFamily="-109" charset="0"/>
-                <a:ea typeface="ＭＳ Ｐゴシック" pitchFamily="-109" charset="-128"/>
-                <a:cs typeface="ＭＳ Ｐゴシック" pitchFamily="-109" charset="-128"/>
-              </a:rPr>
-              <a:t>to Bob via David to be revoked. Because David granted the access right</a:t>
-            </a:r>
-          </a:p>
-          <a:p>
-            <a:r>
-              <a:rPr lang="en-US" dirty="0">
-                <a:latin typeface="Arial" pitchFamily="-109" charset="0"/>
-                <a:ea typeface="ＭＳ Ｐゴシック" pitchFamily="-109" charset="-128"/>
-                <a:cs typeface="ＭＳ Ｐゴシック" pitchFamily="-109" charset="-128"/>
-              </a:rPr>
-              <a:t>to Frank after David was granted the access right with grant option from Chris,</a:t>
-            </a:r>
-          </a:p>
-          <a:p>
-            <a:r>
-              <a:rPr lang="en-US" dirty="0">
-                <a:latin typeface="Arial" pitchFamily="-109" charset="0"/>
-                <a:ea typeface="ＭＳ Ｐゴシック" pitchFamily="-109" charset="-128"/>
-                <a:cs typeface="ＭＳ Ｐゴシック" pitchFamily="-109" charset="-128"/>
-              </a:rPr>
-              <a:t>the access right to Frank remains. These effects are shown in the lower portion of</a:t>
-            </a:r>
-          </a:p>
-          <a:p>
-            <a:r>
-              <a:rPr lang="en-US" dirty="0">
-                <a:latin typeface="Arial" pitchFamily="-109" charset="0"/>
-                <a:ea typeface="ＭＳ Ｐゴシック" pitchFamily="-109" charset="-128"/>
-                <a:cs typeface="ＭＳ Ｐゴシック" pitchFamily="-109" charset="-128"/>
-              </a:rPr>
-              <a:t>Figure 5.6 .</a:t>
-            </a:r>
-          </a:p>
-          <a:p>
-            <a:endParaRPr lang="en-US" dirty="0">
-              <a:latin typeface="Arial" pitchFamily="-109" charset="0"/>
-              <a:ea typeface="ＭＳ Ｐゴシック" pitchFamily="-109" charset="-128"/>
-              <a:cs typeface="ＭＳ Ｐゴシック" pitchFamily="-109" charset="-128"/>
-            </a:endParaRPr>
-          </a:p>
-          <a:p>
-            <a:r>
-              <a:rPr lang="en-US" dirty="0">
-                <a:latin typeface="Arial" pitchFamily="-109" charset="0"/>
-                <a:ea typeface="ＭＳ Ｐゴシック" pitchFamily="-109" charset="-128"/>
-                <a:cs typeface="ＭＳ Ｐゴシック" pitchFamily="-109" charset="-128"/>
-              </a:rPr>
-              <a:t>To generalize, the convention followed by most implementations is as follows.</a:t>
-            </a:r>
-          </a:p>
-          <a:p>
-            <a:r>
-              <a:rPr lang="en-US" dirty="0">
-                <a:latin typeface="Arial" pitchFamily="-109" charset="0"/>
-                <a:ea typeface="ＭＳ Ｐゴシック" pitchFamily="-109" charset="-128"/>
-                <a:cs typeface="ＭＳ Ｐゴシック" pitchFamily="-109" charset="-128"/>
-              </a:rPr>
-              <a:t>When user A revokes an access right, any cascaded access right is also revoked,</a:t>
-            </a:r>
-          </a:p>
-          <a:p>
-            <a:r>
-              <a:rPr lang="en-US" dirty="0">
-                <a:latin typeface="Arial" pitchFamily="-109" charset="0"/>
-                <a:ea typeface="ＭＳ Ｐゴシック" pitchFamily="-109" charset="-128"/>
-                <a:cs typeface="ＭＳ Ｐゴシック" pitchFamily="-109" charset="-128"/>
-              </a:rPr>
-              <a:t>unless that access right would exist even if the original grant from A had never</a:t>
-            </a:r>
-          </a:p>
-          <a:p>
-            <a:r>
-              <a:rPr lang="en-US" dirty="0">
-                <a:latin typeface="Arial" pitchFamily="-109" charset="0"/>
-                <a:ea typeface="ＭＳ Ｐゴシック" pitchFamily="-109" charset="-128"/>
-                <a:cs typeface="ＭＳ Ｐゴシック" pitchFamily="-109" charset="-128"/>
-              </a:rPr>
-              <a:t>occurred. This convention was first proposed in [GRIF76].</a:t>
-            </a:r>
-          </a:p>
-          <a:p>
-            <a:endParaRPr lang="en-US" dirty="0">
-              <a:latin typeface="Times New Roman" pitchFamily="-109" charset="0"/>
-              <a:ea typeface="ＭＳ Ｐゴシック" pitchFamily="-109" charset="-128"/>
-              <a:cs typeface="ＭＳ Ｐゴシック" pitchFamily="-109" charset="-128"/>
-            </a:endParaRPr>
+            <a:endParaRPr lang="en-AU" dirty="0"/>
           </a:p>
         </p:txBody>
       </p:sp>
     </p:spTree>
     <p:extLst>
       <p:ext uri="{BB962C8B-B14F-4D97-AF65-F5344CB8AC3E}">
-        <p14:creationId xmlns:p14="http://schemas.microsoft.com/office/powerpoint/2010/main" val="3460204238"/>
+        <p14:creationId xmlns:p14="http://schemas.microsoft.com/office/powerpoint/2010/main" val="3150481150"/>
       </p:ext>
     </p:extLst>
   </p:cSld>
@@ -12108,7 +12102,7 @@
                 <a:latin typeface="Arial" pitchFamily="-109" charset="0"/>
               </a:rPr>
               <a:pPr/>
-              <a:t>19</a:t>
+              <a:t>20</a:t>
             </a:fld>
             <a:endParaRPr lang="en-AU">
               <a:latin typeface="Arial" pitchFamily="-109" charset="0"/>
@@ -12567,7 +12561,7 @@
                 <a:latin typeface="Arial" pitchFamily="-109" charset="0"/>
               </a:rPr>
               <a:pPr/>
-              <a:t>21</a:t>
+              <a:t>22</a:t>
             </a:fld>
             <a:endParaRPr lang="en-AU">
               <a:latin typeface="Arial" pitchFamily="-109" charset="0"/>
@@ -12789,7 +12783,7 @@
                 <a:latin typeface="Arial" pitchFamily="-109" charset="0"/>
               </a:rPr>
               <a:pPr/>
-              <a:t>23</a:t>
+              <a:t>24</a:t>
             </a:fld>
             <a:endParaRPr lang="en-AU">
               <a:latin typeface="Arial" pitchFamily="-109" charset="0"/>
@@ -13537,7 +13531,7 @@
               <a:pPr>
                 <a:defRPr/>
               </a:pPr>
-              <a:t>24</a:t>
+              <a:t>25</a:t>
             </a:fld>
             <a:endParaRPr lang="en-AU"/>
           </a:p>
@@ -13925,7 +13919,7 @@
             <a:fld id="{F8560DBF-F109-8946-ADF0-EE66B221E988}" type="slidenum">
               <a:rPr lang="en-AU" smtClean="0"/>
               <a:pPr/>
-              <a:t>26</a:t>
+              <a:t>27</a:t>
             </a:fld>
             <a:endParaRPr lang="en-AU" dirty="0"/>
           </a:p>
@@ -14413,7 +14407,7 @@
             <a:fld id="{F8560DBF-F109-8946-ADF0-EE66B221E988}" type="slidenum">
               <a:rPr lang="en-AU" smtClean="0"/>
               <a:pPr/>
-              <a:t>27</a:t>
+              <a:t>28</a:t>
             </a:fld>
             <a:endParaRPr lang="en-AU" dirty="0"/>
           </a:p>
@@ -14471,7 +14465,7 @@
                 <a:latin typeface="Arial" pitchFamily="-109" charset="0"/>
               </a:rPr>
               <a:pPr/>
-              <a:t>28</a:t>
+              <a:t>29</a:t>
             </a:fld>
             <a:endParaRPr lang="en-AU">
               <a:latin typeface="Arial" pitchFamily="-109" charset="0"/>
@@ -16338,7 +16332,7 @@
             <a:fld id="{F8560DBF-F109-8946-ADF0-EE66B221E988}" type="slidenum">
               <a:rPr lang="en-AU" smtClean="0"/>
               <a:pPr/>
-              <a:t>29</a:t>
+              <a:t>30</a:t>
             </a:fld>
             <a:endParaRPr lang="en-AU" dirty="0"/>
           </a:p>
@@ -17020,7 +17014,7 @@
             <a:fld id="{F8560DBF-F109-8946-ADF0-EE66B221E988}" type="slidenum">
               <a:rPr lang="en-AU" smtClean="0"/>
               <a:pPr/>
-              <a:t>30</a:t>
+              <a:t>31</a:t>
             </a:fld>
             <a:endParaRPr lang="en-AU" dirty="0"/>
           </a:p>
@@ -17195,7 +17189,7 @@
             <a:fld id="{F8560DBF-F109-8946-ADF0-EE66B221E988}" type="slidenum">
               <a:rPr lang="en-AU" smtClean="0"/>
               <a:pPr/>
-              <a:t>31</a:t>
+              <a:t>32</a:t>
             </a:fld>
             <a:endParaRPr lang="en-AU" dirty="0"/>
           </a:p>
@@ -17417,7 +17411,7 @@
               <a:pPr>
                 <a:defRPr/>
               </a:pPr>
-              <a:t>32</a:t>
+              <a:t>33</a:t>
             </a:fld>
             <a:endParaRPr lang="en-US" dirty="0"/>
           </a:p>
@@ -18128,7 +18122,7 @@
               <a:pPr>
                 <a:defRPr/>
               </a:pPr>
-              <a:t>33</a:t>
+              <a:t>34</a:t>
             </a:fld>
             <a:endParaRPr lang="en-US" dirty="0"/>
           </a:p>
@@ -18262,7 +18256,7 @@
               <a:pPr>
                 <a:defRPr/>
               </a:pPr>
-              <a:t>34</a:t>
+              <a:t>35</a:t>
             </a:fld>
             <a:endParaRPr lang="en-US" dirty="0"/>
           </a:p>
@@ -18635,7 +18629,7 @@
             <a:fld id="{F8560DBF-F109-8946-ADF0-EE66B221E988}" type="slidenum">
               <a:rPr lang="en-AU" smtClean="0"/>
               <a:pPr/>
-              <a:t>36</a:t>
+              <a:t>37</a:t>
             </a:fld>
             <a:endParaRPr lang="en-AU" dirty="0"/>
           </a:p>
@@ -18752,7 +18746,7 @@
               <a:pPr>
                 <a:defRPr/>
               </a:pPr>
-              <a:t>37</a:t>
+              <a:t>38</a:t>
             </a:fld>
             <a:endParaRPr lang="en-US" dirty="0"/>
           </a:p>
@@ -19035,7 +19029,7 @@
               <a:pPr>
                 <a:defRPr/>
               </a:pPr>
-              <a:t>38</a:t>
+              <a:t>39</a:t>
             </a:fld>
             <a:endParaRPr lang="en-US" dirty="0"/>
           </a:p>
@@ -20271,7 +20265,7 @@
               <a:pPr>
                 <a:defRPr/>
               </a:pPr>
-              <a:t>39</a:t>
+              <a:t>40</a:t>
             </a:fld>
             <a:endParaRPr lang="en-US" dirty="0"/>
           </a:p>
@@ -21006,7 +21000,7 @@
               <a:pPr>
                 <a:defRPr/>
               </a:pPr>
-              <a:t>40</a:t>
+              <a:t>41</a:t>
             </a:fld>
             <a:endParaRPr lang="en-US" dirty="0"/>
           </a:p>
@@ -21787,7 +21781,7 @@
             <a:fld id="{B8656240-BF3D-F441-92C4-A9FA2AA5FE77}" type="slidenum">
               <a:rPr lang="en-AU" smtClean="0"/>
               <a:pPr/>
-              <a:t>41</a:t>
+              <a:t>42</a:t>
             </a:fld>
             <a:endParaRPr lang="en-AU"/>
           </a:p>
@@ -22561,7 +22555,7 @@
             <a:fld id="{B8656240-BF3D-F441-92C4-A9FA2AA5FE77}" type="slidenum">
               <a:rPr lang="en-AU" smtClean="0"/>
               <a:pPr/>
-              <a:t>42</a:t>
+              <a:t>43</a:t>
             </a:fld>
             <a:endParaRPr lang="en-AU"/>
           </a:p>
@@ -23047,7 +23041,7 @@
             <a:fld id="{B8656240-BF3D-F441-92C4-A9FA2AA5FE77}" type="slidenum">
               <a:rPr lang="en-AU" smtClean="0"/>
               <a:pPr/>
-              <a:t>43</a:t>
+              <a:t>44</a:t>
             </a:fld>
             <a:endParaRPr lang="en-AU"/>
           </a:p>
@@ -23620,7 +23614,7 @@
             <a:fld id="{B8656240-BF3D-F441-92C4-A9FA2AA5FE77}" type="slidenum">
               <a:rPr lang="en-AU" smtClean="0"/>
               <a:pPr/>
-              <a:t>44</a:t>
+              <a:t>45</a:t>
             </a:fld>
             <a:endParaRPr lang="en-AU"/>
           </a:p>
@@ -24018,7 +24012,7 @@
             <a:fld id="{B8656240-BF3D-F441-92C4-A9FA2AA5FE77}" type="slidenum">
               <a:rPr lang="en-AU" smtClean="0"/>
               <a:pPr/>
-              <a:t>45</a:t>
+              <a:t>46</a:t>
             </a:fld>
             <a:endParaRPr lang="en-AU"/>
           </a:p>
@@ -24274,7 +24268,7 @@
             <a:fld id="{B8656240-BF3D-F441-92C4-A9FA2AA5FE77}" type="slidenum">
               <a:rPr lang="en-AU" smtClean="0"/>
               <a:pPr/>
-              <a:t>46</a:t>
+              <a:t>47</a:t>
             </a:fld>
             <a:endParaRPr lang="en-AU"/>
           </a:p>
@@ -24664,7 +24658,7 @@
             <a:fld id="{B8656240-BF3D-F441-92C4-A9FA2AA5FE77}" type="slidenum">
               <a:rPr lang="en-AU" smtClean="0"/>
               <a:pPr/>
-              <a:t>47</a:t>
+              <a:t>48</a:t>
             </a:fld>
             <a:endParaRPr lang="en-AU"/>
           </a:p>
@@ -25274,7 +25268,7 @@
             <a:fld id="{B8656240-BF3D-F441-92C4-A9FA2AA5FE77}" type="slidenum">
               <a:rPr lang="en-AU" smtClean="0"/>
               <a:pPr/>
-              <a:t>48</a:t>
+              <a:t>49</a:t>
             </a:fld>
             <a:endParaRPr lang="en-AU"/>
           </a:p>
@@ -32635,39 +32629,69 @@
           <a:chExt cx="0" cy="0"/>
         </a:xfrm>
       </p:grpSpPr>
-      <p:pic>
-        <p:nvPicPr>
-          <p:cNvPr id="6" name="Picture 5">
+      <p:sp>
+        <p:nvSpPr>
+          <p:cNvPr id="2" name="Title 1">
             <a:extLst>
               <a:ext uri="{FF2B5EF4-FFF2-40B4-BE49-F238E27FC236}">
-                <a16:creationId xmlns:a16="http://schemas.microsoft.com/office/drawing/2014/main" id="{7798E60E-0D94-4F71-8053-CF47635D78C2}"/>
+                <a16:creationId xmlns:a16="http://schemas.microsoft.com/office/drawing/2014/main" id="{1D06396E-0C1B-4DA0-B2AA-4A97DEFE8401}"/>
               </a:ext>
             </a:extLst>
           </p:cNvPr>
-          <p:cNvPicPr>
-            <a:picLocks noChangeAspect="1"/>
-          </p:cNvPicPr>
-          <p:nvPr/>
-        </p:nvPicPr>
-        <p:blipFill>
-          <a:blip r:embed="rId3"/>
-          <a:stretch>
-            <a:fillRect/>
-          </a:stretch>
-        </p:blipFill>
-        <p:spPr>
-          <a:xfrm>
-            <a:off x="611560" y="467621"/>
-            <a:ext cx="6598591" cy="5922758"/>
-          </a:xfrm>
-          <a:prstGeom prst="rect">
-            <a:avLst/>
-          </a:prstGeom>
-        </p:spPr>
-      </p:pic>
+          <p:cNvSpPr>
+            <a:spLocks noGrp="1"/>
+          </p:cNvSpPr>
+          <p:nvPr>
+            <p:ph type="title"/>
+          </p:nvPr>
+        </p:nvSpPr>
+        <p:spPr/>
+        <p:txBody>
+          <a:bodyPr/>
+          <a:lstStyle/>
+          <a:p>
+            <a:r>
+              <a:rPr lang="en-US" altLang="zh-CN" dirty="0"/>
+              <a:t>Cascaded Grants</a:t>
+            </a:r>
+            <a:endParaRPr lang="en-SE" dirty="0"/>
+          </a:p>
+        </p:txBody>
+      </p:sp>
       <p:sp>
         <p:nvSpPr>
-          <p:cNvPr id="2" name="灯片编号占位符 1"/>
+          <p:cNvPr id="3" name="Content Placeholder 2">
+            <a:extLst>
+              <a:ext uri="{FF2B5EF4-FFF2-40B4-BE49-F238E27FC236}">
+                <a16:creationId xmlns:a16="http://schemas.microsoft.com/office/drawing/2014/main" id="{5DDDC9DA-DC81-4F1A-AF6E-A1E2BB3D8DFE}"/>
+              </a:ext>
+            </a:extLst>
+          </p:cNvPr>
+          <p:cNvSpPr>
+            <a:spLocks noGrp="1"/>
+          </p:cNvSpPr>
+          <p:nvPr>
+            <p:ph idx="1"/>
+          </p:nvPr>
+        </p:nvSpPr>
+        <p:spPr/>
+        <p:txBody>
+          <a:bodyPr/>
+          <a:lstStyle/>
+          <a:p>
+            <a:endParaRPr lang="en-SE"/>
+          </a:p>
+        </p:txBody>
+      </p:sp>
+      <p:sp>
+        <p:nvSpPr>
+          <p:cNvPr id="4" name="Slide Number Placeholder 3">
+            <a:extLst>
+              <a:ext uri="{FF2B5EF4-FFF2-40B4-BE49-F238E27FC236}">
+                <a16:creationId xmlns:a16="http://schemas.microsoft.com/office/drawing/2014/main" id="{949249AD-7AC9-439F-A5B8-721F1973D1E5}"/>
+              </a:ext>
+            </a:extLst>
+          </p:cNvPr>
           <p:cNvSpPr>
             <a:spLocks noGrp="1"/>
           </p:cNvSpPr>
@@ -32680,161 +32704,278 @@
           <a:bodyPr/>
           <a:lstStyle/>
           <a:p>
-            <a:fld id="{5F36C9FC-DA22-1F47-8722-58727A1D436E}" type="slidenum">
-              <a:rPr lang="en-US" smtClean="0">
-                <a:solidFill>
-                  <a:prstClr val="white">
-                    <a:lumMod val="65000"/>
-                    <a:lumOff val="35000"/>
-                  </a:prstClr>
-                </a:solidFill>
-              </a:rPr>
-              <a:pPr/>
+            <a:pPr>
+              <a:defRPr/>
+            </a:pPr>
+            <a:fld id="{F57F456A-00AF-44E6-8D70-638C0D0130FF}" type="slidenum">
+              <a:rPr lang="en-US" altLang="zh-CN" smtClean="0"/>
+              <a:pPr>
+                <a:defRPr/>
+              </a:pPr>
               <a:t>17</a:t>
             </a:fld>
-            <a:endParaRPr lang="en-US" dirty="0">
-              <a:solidFill>
-                <a:prstClr val="white">
-                  <a:lumMod val="65000"/>
-                  <a:lumOff val="35000"/>
-                </a:prstClr>
-              </a:solidFill>
-            </a:endParaRPr>
+            <a:endParaRPr lang="en-US" altLang="zh-CN" dirty="0"/>
           </a:p>
         </p:txBody>
       </p:sp>
-      <p:sp>
-        <p:nvSpPr>
-          <p:cNvPr id="5" name="横卷形 4"/>
-          <p:cNvSpPr/>
+      <p:pic>
+        <p:nvPicPr>
+          <p:cNvPr id="5" name="Picture 4">
+            <a:extLst>
+              <a:ext uri="{FF2B5EF4-FFF2-40B4-BE49-F238E27FC236}">
+                <a16:creationId xmlns:a16="http://schemas.microsoft.com/office/drawing/2014/main" id="{D15D23E8-7A49-4DDF-A02A-FAF865599542}"/>
+              </a:ext>
+            </a:extLst>
+          </p:cNvPr>
+          <p:cNvPicPr>
+            <a:picLocks noChangeAspect="1"/>
+          </p:cNvPicPr>
           <p:nvPr/>
-        </p:nvSpPr>
+        </p:nvPicPr>
+        <p:blipFill>
+          <a:blip r:embed="rId2"/>
+          <a:stretch>
+            <a:fillRect/>
+          </a:stretch>
+        </p:blipFill>
         <p:spPr>
           <a:xfrm>
-            <a:off x="467544" y="4509120"/>
-            <a:ext cx="5904656" cy="1584176"/>
-          </a:xfrm>
-          <a:prstGeom prst="horizontalScroll">
-            <a:avLst/>
-          </a:prstGeom>
-        </p:spPr>
-        <p:style>
-          <a:lnRef idx="2">
-            <a:schemeClr val="dk1"/>
-          </a:lnRef>
-          <a:fillRef idx="1">
-            <a:schemeClr val="lt1"/>
-          </a:fillRef>
-          <a:effectRef idx="0">
-            <a:schemeClr val="dk1"/>
-          </a:effectRef>
-          <a:fontRef idx="minor">
-            <a:schemeClr val="dk1"/>
-          </a:fontRef>
-        </p:style>
-        <p:txBody>
-          <a:bodyPr rtlCol="0" anchor="ctr"/>
-          <a:lstStyle/>
-          <a:p>
-            <a:r>
-              <a:rPr lang="en-US" altLang="zh-CN" dirty="0">
-                <a:latin typeface="Arial" pitchFamily="-109" charset="0"/>
-                <a:ea typeface="ＭＳ Ｐゴシック" pitchFamily="-109" charset="-128"/>
-                <a:cs typeface="ＭＳ Ｐゴシック" pitchFamily="-109" charset="-128"/>
-              </a:rPr>
-              <a:t>When user A revokes an access right, any cascaded access right is also revoked, unless that access right would exist even if the original grant from A had never</a:t>
-            </a:r>
-          </a:p>
-          <a:p>
-            <a:r>
-              <a:rPr lang="en-US" altLang="zh-CN" dirty="0">
-                <a:latin typeface="Arial" pitchFamily="-109" charset="0"/>
-                <a:ea typeface="ＭＳ Ｐゴシック" pitchFamily="-109" charset="-128"/>
-                <a:cs typeface="ＭＳ Ｐゴシック" pitchFamily="-109" charset="-128"/>
-              </a:rPr>
-              <a:t>occurred. </a:t>
-            </a:r>
-            <a:endParaRPr lang="zh-CN" altLang="en-US" dirty="0"/>
-          </a:p>
-        </p:txBody>
-      </p:sp>
-      <p:sp>
-        <p:nvSpPr>
-          <p:cNvPr id="4" name="文本框 3"/>
-          <p:cNvSpPr txBox="1"/>
-          <p:nvPr/>
-        </p:nvSpPr>
-        <p:spPr>
-          <a:xfrm>
-            <a:off x="6435094" y="1340768"/>
-            <a:ext cx="2570543" cy="4539704"/>
+            <a:off x="1416720" y="1059062"/>
+            <a:ext cx="6382567" cy="5728859"/>
           </a:xfrm>
           <a:prstGeom prst="rect">
             <a:avLst/>
           </a:prstGeom>
         </p:spPr>
-        <p:style>
-          <a:lnRef idx="2">
-            <a:schemeClr val="dk1"/>
-          </a:lnRef>
-          <a:fillRef idx="1">
-            <a:schemeClr val="lt1"/>
-          </a:fillRef>
-          <a:effectRef idx="0">
-            <a:schemeClr val="dk1"/>
-          </a:effectRef>
-          <a:fontRef idx="minor">
-            <a:schemeClr val="dk1"/>
-          </a:fontRef>
-        </p:style>
-        <p:txBody>
-          <a:bodyPr wrap="square" rtlCol="0">
-            <a:spAutoFit/>
-          </a:bodyPr>
-          <a:lstStyle/>
-          <a:p>
-            <a:pPr algn="just"/>
-            <a:r>
-              <a:rPr lang="en-US" altLang="zh-CN" sz="1700" dirty="0"/>
-              <a:t>If the grant from Bob to</a:t>
-            </a:r>
-          </a:p>
-          <a:p>
-            <a:pPr algn="just"/>
-            <a:r>
-              <a:rPr lang="en-US" altLang="zh-CN" sz="1700" dirty="0"/>
-              <a:t>David at t=30 is revoked, the grant from David to Ellen at time t=40, and from Ellen to Jim at t=70, should also be revoked, since they depend on the grant from Bob to</a:t>
-            </a:r>
-          </a:p>
-          <a:p>
-            <a:pPr algn="just"/>
-            <a:r>
-              <a:rPr lang="en-US" altLang="zh-CN" sz="1700" dirty="0"/>
-              <a:t>David at t=30. </a:t>
-            </a:r>
-          </a:p>
-          <a:p>
-            <a:pPr algn="just"/>
-            <a:r>
-              <a:rPr lang="en-US" altLang="zh-CN" sz="1700" dirty="0"/>
-              <a:t>But the grant from David to Frank at t=60 should not be revoked, since it depends on the grant from Chris to David at t=50, not on the grant from Bob to David at t=30</a:t>
-            </a:r>
-            <a:endParaRPr lang="zh-CN" altLang="en-US" sz="1700" dirty="0"/>
-          </a:p>
-        </p:txBody>
-      </p:sp>
+      </p:pic>
     </p:spTree>
+    <p:extLst>
+      <p:ext uri="{BB962C8B-B14F-4D97-AF65-F5344CB8AC3E}">
+        <p14:creationId xmlns:p14="http://schemas.microsoft.com/office/powerpoint/2010/main" val="3101225291"/>
+      </p:ext>
+    </p:extLst>
   </p:cSld>
   <p:clrMapOvr>
     <a:masterClrMapping/>
   </p:clrMapOvr>
-  <p:transition spd="slow">
-    <p:strips/>
-  </p:transition>
 </p:sld>
 </file>
 
 <file path=ppt/slides/slide18.xml><?xml version="1.0" encoding="utf-8"?>
+<p:sld xmlns:a="http://schemas.openxmlformats.org/drawingml/2006/main" xmlns:r="http://schemas.openxmlformats.org/officeDocument/2006/relationships" xmlns:p="http://schemas.openxmlformats.org/presentationml/2006/main">
+  <p:cSld>
+    <p:spTree>
+      <p:nvGrpSpPr>
+        <p:cNvPr id="1" name=""/>
+        <p:cNvGrpSpPr/>
+        <p:nvPr/>
+      </p:nvGrpSpPr>
+      <p:grpSpPr>
+        <a:xfrm>
+          <a:off x="0" y="0"/>
+          <a:ext cx="0" cy="0"/>
+          <a:chOff x="0" y="0"/>
+          <a:chExt cx="0" cy="0"/>
+        </a:xfrm>
+      </p:grpSpPr>
+      <p:sp>
+        <p:nvSpPr>
+          <p:cNvPr id="2" name="Title 1">
+            <a:extLst>
+              <a:ext uri="{FF2B5EF4-FFF2-40B4-BE49-F238E27FC236}">
+                <a16:creationId xmlns:a16="http://schemas.microsoft.com/office/drawing/2014/main" id="{7B57197A-7751-4666-B18E-B0FC6C7F56F3}"/>
+              </a:ext>
+            </a:extLst>
+          </p:cNvPr>
+          <p:cNvSpPr>
+            <a:spLocks noGrp="1"/>
+          </p:cNvSpPr>
+          <p:nvPr>
+            <p:ph type="title"/>
+          </p:nvPr>
+        </p:nvSpPr>
+        <p:spPr/>
+        <p:txBody>
+          <a:bodyPr/>
+          <a:lstStyle/>
+          <a:p>
+            <a:r>
+              <a:rPr lang="en-US" altLang="zh-CN" dirty="0"/>
+              <a:t>Cascaded Grants Explanations</a:t>
+            </a:r>
+            <a:endParaRPr lang="en-SE" dirty="0"/>
+          </a:p>
+        </p:txBody>
+      </p:sp>
+      <p:sp>
+        <p:nvSpPr>
+          <p:cNvPr id="3" name="Content Placeholder 2">
+            <a:extLst>
+              <a:ext uri="{FF2B5EF4-FFF2-40B4-BE49-F238E27FC236}">
+                <a16:creationId xmlns:a16="http://schemas.microsoft.com/office/drawing/2014/main" id="{93F4DECA-3E00-43C7-8BB7-9CADF1EB0F68}"/>
+              </a:ext>
+            </a:extLst>
+          </p:cNvPr>
+          <p:cNvSpPr>
+            <a:spLocks noGrp="1"/>
+          </p:cNvSpPr>
+          <p:nvPr>
+            <p:ph idx="1"/>
+          </p:nvPr>
+        </p:nvSpPr>
+        <p:spPr>
+          <a:xfrm>
+            <a:off x="323528" y="1196752"/>
+            <a:ext cx="8568952" cy="5760639"/>
+          </a:xfrm>
+        </p:spPr>
+        <p:txBody>
+          <a:bodyPr>
+            <a:normAutofit fontScale="55000" lnSpcReduction="20000"/>
+          </a:bodyPr>
+          <a:lstStyle/>
+          <a:p>
+            <a:r>
+              <a:rPr lang="en-US" dirty="0">
+                <a:latin typeface="Arial" pitchFamily="-109" charset="0"/>
+                <a:ea typeface="ＭＳ Ｐゴシック" pitchFamily="-109" charset="-128"/>
+                <a:cs typeface="ＭＳ Ｐゴシック" pitchFamily="-109" charset="-128"/>
+              </a:rPr>
+              <a:t>The revocation of privileges is cascaded: </a:t>
+            </a:r>
+            <a:r>
+              <a:rPr lang="en-US" altLang="zh-CN" dirty="0">
+                <a:latin typeface="Arial" pitchFamily="-109" charset="0"/>
+                <a:ea typeface="ＭＳ Ｐゴシック" pitchFamily="-109" charset="-128"/>
+                <a:cs typeface="ＭＳ Ｐゴシック" pitchFamily="-109" charset="-128"/>
+              </a:rPr>
+              <a:t>when user A revokes an access right, any cascaded access right is also revoked, unless that access right would exist even if the original grant from A had never occurred. 	</a:t>
+            </a:r>
+          </a:p>
+          <a:p>
+            <a:r>
+              <a:rPr lang="en-US" altLang="zh-CN" dirty="0">
+                <a:latin typeface="Arial" pitchFamily="-109" charset="0"/>
+                <a:ea typeface="ＭＳ Ｐゴシック" pitchFamily="-109" charset="-128"/>
+                <a:cs typeface="ＭＳ Ｐゴシック" pitchFamily="-109" charset="-128"/>
+              </a:rPr>
+              <a:t>The figure indicates that Ann grants the access right to Bob at time t = 10 and to Chris at time t = 20. Assume that the </a:t>
+            </a:r>
+            <a:r>
+              <a:rPr lang="en-US" altLang="zh-CN" i="1" dirty="0">
+                <a:latin typeface="Arial" pitchFamily="-109" charset="0"/>
+                <a:ea typeface="ＭＳ Ｐゴシック" pitchFamily="-109" charset="-128"/>
+                <a:cs typeface="ＭＳ Ｐゴシック" pitchFamily="-109" charset="-128"/>
+              </a:rPr>
+              <a:t>grant option </a:t>
+            </a:r>
+            <a:r>
+              <a:rPr lang="en-US" altLang="zh-CN" dirty="0">
+                <a:latin typeface="Arial" pitchFamily="-109" charset="0"/>
+                <a:ea typeface="ＭＳ Ｐゴシック" pitchFamily="-109" charset="-128"/>
+                <a:cs typeface="ＭＳ Ｐゴシック" pitchFamily="-109" charset="-128"/>
+              </a:rPr>
+              <a:t>is always used. Thus, Bob is able to grant the access right to David at t = 30. Chris redundantly grants the access right to David at t = 50. Meanwhile, David grants the right to Ellen, who in turn grants it to Jim; and subsequently David grants the right to Frank.</a:t>
+            </a:r>
+          </a:p>
+          <a:p>
+            <a:pPr lvl="1"/>
+            <a:r>
+              <a:rPr lang="en-US" altLang="zh-CN" dirty="0">
+                <a:latin typeface="Arial" pitchFamily="-109" charset="0"/>
+                <a:ea typeface="ＭＳ Ｐゴシック" pitchFamily="-109" charset="-128"/>
+                <a:cs typeface="ＭＳ Ｐゴシック" pitchFamily="-109" charset="-128"/>
+              </a:rPr>
+              <a:t>if Ann revokes the access right to Bob and Chris, then the access right is also revoked to David, Ellen, Jim, and Frank.</a:t>
+            </a:r>
+          </a:p>
+          <a:p>
+            <a:r>
+              <a:rPr lang="en-US" dirty="0">
+                <a:latin typeface="Arial" pitchFamily="-109" charset="0"/>
+                <a:ea typeface="ＭＳ Ｐゴシック" pitchFamily="-109" charset="-128"/>
+                <a:cs typeface="ＭＳ Ｐゴシック" pitchFamily="-109" charset="-128"/>
+              </a:rPr>
+              <a:t>A complication arises when a user (David) receives the same access right multiple times.</a:t>
+            </a:r>
+            <a:endParaRPr lang="en-US" altLang="zh-CN" dirty="0">
+              <a:latin typeface="Arial" pitchFamily="-109" charset="0"/>
+              <a:ea typeface="ＭＳ Ｐゴシック" pitchFamily="-109" charset="-128"/>
+              <a:cs typeface="ＭＳ Ｐゴシック" pitchFamily="-109" charset="-128"/>
+            </a:endParaRPr>
+          </a:p>
+          <a:p>
+            <a:pPr lvl="1"/>
+            <a:r>
+              <a:rPr lang="en-US" altLang="zh-CN" dirty="0"/>
+              <a:t>If the grant from Bob to David at t=30 is revoked, the grants from David to Ellen at time t=40, and from Ellen to Jim at t=70, are also revoked, since they depend on the grant from Bob to David at t=30. </a:t>
+            </a:r>
+          </a:p>
+          <a:p>
+            <a:pPr lvl="1"/>
+            <a:r>
+              <a:rPr lang="en-US" altLang="zh-CN" dirty="0"/>
+              <a:t>But the grant from David to Frank at t=60 remains, since it depends on the grant from Chris to David at t=50.</a:t>
+            </a:r>
+          </a:p>
+          <a:p>
+            <a:pPr lvl="1"/>
+            <a:endParaRPr lang="zh-CN" altLang="en-US" dirty="0"/>
+          </a:p>
+          <a:p>
+            <a:endParaRPr lang="en-SE" dirty="0"/>
+          </a:p>
+        </p:txBody>
+      </p:sp>
+      <p:sp>
+        <p:nvSpPr>
+          <p:cNvPr id="4" name="Slide Number Placeholder 3">
+            <a:extLst>
+              <a:ext uri="{FF2B5EF4-FFF2-40B4-BE49-F238E27FC236}">
+                <a16:creationId xmlns:a16="http://schemas.microsoft.com/office/drawing/2014/main" id="{5FB056AC-3704-4148-BAFE-D48FF01320D3}"/>
+              </a:ext>
+            </a:extLst>
+          </p:cNvPr>
+          <p:cNvSpPr>
+            <a:spLocks noGrp="1"/>
+          </p:cNvSpPr>
+          <p:nvPr>
+            <p:ph type="sldNum" sz="quarter" idx="12"/>
+          </p:nvPr>
+        </p:nvSpPr>
+        <p:spPr/>
+        <p:txBody>
+          <a:bodyPr/>
+          <a:lstStyle/>
+          <a:p>
+            <a:pPr>
+              <a:defRPr/>
+            </a:pPr>
+            <a:fld id="{F57F456A-00AF-44E6-8D70-638C0D0130FF}" type="slidenum">
+              <a:rPr lang="en-US" altLang="zh-CN" smtClean="0"/>
+              <a:pPr>
+                <a:defRPr/>
+              </a:pPr>
+              <a:t>18</a:t>
+            </a:fld>
+            <a:endParaRPr lang="en-US" altLang="zh-CN" dirty="0"/>
+          </a:p>
+        </p:txBody>
+      </p:sp>
+    </p:spTree>
+    <p:extLst>
+      <p:ext uri="{BB962C8B-B14F-4D97-AF65-F5344CB8AC3E}">
+        <p14:creationId xmlns:p14="http://schemas.microsoft.com/office/powerpoint/2010/main" val="3513480392"/>
+      </p:ext>
+    </p:extLst>
+  </p:cSld>
+  <p:clrMapOvr>
+    <a:masterClrMapping/>
+  </p:clrMapOvr>
+</p:sld>
+</file>
+
+<file path=ppt/slides/slide19.xml><?xml version="1.0" encoding="utf-8"?>
 <p:sld xmlns:a="http://schemas.openxmlformats.org/drawingml/2006/main" xmlns:r="http://schemas.openxmlformats.org/officeDocument/2006/relationships" xmlns:p="http://schemas.openxmlformats.org/presentationml/2006/main">
   <p:cSld>
     <p:spTree>
@@ -32874,7 +33015,7 @@
           <a:p>
             <a:r>
               <a:rPr lang="en-US" altLang="zh-CN" dirty="0"/>
-              <a:t>Quiz </a:t>
+              <a:t>Cascaded Grants Quiz </a:t>
             </a:r>
             <a:endParaRPr lang="zh-CN" altLang="en-US" dirty="0"/>
           </a:p>
@@ -32918,7 +33059,7 @@
             <a:pPr algn="just"/>
             <a:r>
               <a:rPr lang="en-US" altLang="zh-CN" dirty="0"/>
-              <a:t>A: None of the downstream grants will be revoked, since they now depend on the grant from Bob to David at t=10, not the grant from Chris to David at t=30 </a:t>
+              <a:t>ANS: None of the downstream grants will be revoked, since they now depend on the grant from Bob to David at t=10, not the grant from Chris to David at t=30 </a:t>
             </a:r>
           </a:p>
           <a:p>
@@ -32987,7 +33128,7 @@
                 </a:solidFill>
               </a:rPr>
               <a:pPr/>
-              <a:t>18</a:t>
+              <a:t>19</a:t>
             </a:fld>
             <a:endParaRPr lang="en-US" dirty="0">
               <a:solidFill>
@@ -33341,7 +33482,305 @@
 </p:sld>
 </file>
 
-<file path=ppt/slides/slide19.xml><?xml version="1.0" encoding="utf-8"?>
+<file path=ppt/slides/slide2.xml><?xml version="1.0" encoding="utf-8"?>
+<p:sld xmlns:a="http://schemas.openxmlformats.org/drawingml/2006/main" xmlns:r="http://schemas.openxmlformats.org/officeDocument/2006/relationships" xmlns:p="http://schemas.openxmlformats.org/presentationml/2006/main">
+  <p:cSld>
+    <p:spTree>
+      <p:nvGrpSpPr>
+        <p:cNvPr id="1" name=""/>
+        <p:cNvGrpSpPr/>
+        <p:nvPr/>
+      </p:nvGrpSpPr>
+      <p:grpSpPr>
+        <a:xfrm>
+          <a:off x="0" y="0"/>
+          <a:ext cx="0" cy="0"/>
+          <a:chOff x="0" y="0"/>
+          <a:chExt cx="0" cy="0"/>
+        </a:xfrm>
+      </p:grpSpPr>
+      <p:sp>
+        <p:nvSpPr>
+          <p:cNvPr id="2" name="Title 1"/>
+          <p:cNvSpPr>
+            <a:spLocks noGrp="1"/>
+          </p:cNvSpPr>
+          <p:nvPr>
+            <p:ph type="title"/>
+          </p:nvPr>
+        </p:nvSpPr>
+        <p:spPr/>
+        <p:txBody>
+          <a:bodyPr/>
+          <a:lstStyle/>
+          <a:p>
+            <a:pPr eaLnBrk="1" fontAlgn="auto" hangingPunct="1">
+              <a:spcAft>
+                <a:spcPts val="0"/>
+              </a:spcAft>
+              <a:defRPr/>
+            </a:pPr>
+            <a:r>
+              <a:rPr lang="en-US" dirty="0">
+                <a:ln w="10160">
+                  <a:solidFill>
+                    <a:schemeClr val="accent1"/>
+                  </a:solidFill>
+                  <a:prstDash val="solid"/>
+                </a:ln>
+                <a:solidFill>
+                  <a:srgbClr val="FFFFFF"/>
+                </a:solidFill>
+                <a:effectLst>
+                  <a:outerShdw blurRad="38100" dist="32000" dir="5400000" algn="tl">
+                    <a:srgbClr val="000000">
+                      <a:alpha val="30000"/>
+                    </a:srgbClr>
+                  </a:outerShdw>
+                </a:effectLst>
+                <a:ea typeface="+mj-ea"/>
+                <a:cs typeface="+mj-cs"/>
+              </a:rPr>
+              <a:t>Databases</a:t>
+            </a:r>
+          </a:p>
+        </p:txBody>
+      </p:sp>
+      <p:sp>
+        <p:nvSpPr>
+          <p:cNvPr id="3" name="Content Placeholder 2"/>
+          <p:cNvSpPr>
+            <a:spLocks noGrp="1"/>
+          </p:cNvSpPr>
+          <p:nvPr>
+            <p:ph idx="1"/>
+          </p:nvPr>
+        </p:nvSpPr>
+        <p:spPr>
+          <a:xfrm>
+            <a:off x="152400" y="1412776"/>
+            <a:ext cx="4648200" cy="5184576"/>
+          </a:xfrm>
+        </p:spPr>
+        <p:txBody>
+          <a:bodyPr>
+            <a:normAutofit fontScale="77500" lnSpcReduction="20000"/>
+          </a:bodyPr>
+          <a:lstStyle/>
+          <a:p>
+            <a:pPr eaLnBrk="1" fontAlgn="auto" hangingPunct="1">
+              <a:spcAft>
+                <a:spcPts val="0"/>
+              </a:spcAft>
+              <a:buClr>
+                <a:schemeClr val="accent1"/>
+              </a:buClr>
+              <a:buSzPct val="70000"/>
+              <a:buFont typeface="Wingdings" pitchFamily="2" charset="2"/>
+              <a:buChar char=""/>
+              <a:defRPr/>
+            </a:pPr>
+            <a:r>
+              <a:rPr lang="en-US" dirty="0"/>
+              <a:t>S</a:t>
+            </a:r>
+            <a:r>
+              <a:rPr lang="en-US" dirty="0">
+                <a:ea typeface="+mn-ea"/>
+                <a:cs typeface="+mn-cs"/>
+              </a:rPr>
+              <a:t>tructured collection of data stored for use by one or more applications</a:t>
+            </a:r>
+          </a:p>
+          <a:p>
+            <a:pPr eaLnBrk="1" fontAlgn="auto" hangingPunct="1">
+              <a:spcAft>
+                <a:spcPts val="0"/>
+              </a:spcAft>
+              <a:buClr>
+                <a:schemeClr val="accent1"/>
+              </a:buClr>
+              <a:buSzPct val="70000"/>
+              <a:buFont typeface="Wingdings" pitchFamily="2" charset="2"/>
+              <a:buChar char=""/>
+              <a:defRPr/>
+            </a:pPr>
+            <a:endParaRPr lang="en-US" dirty="0">
+              <a:ea typeface="+mn-ea"/>
+              <a:cs typeface="+mn-cs"/>
+            </a:endParaRPr>
+          </a:p>
+          <a:p>
+            <a:pPr eaLnBrk="1" fontAlgn="auto" hangingPunct="1">
+              <a:spcAft>
+                <a:spcPts val="0"/>
+              </a:spcAft>
+              <a:buClr>
+                <a:schemeClr val="accent1"/>
+              </a:buClr>
+              <a:buSzPct val="70000"/>
+              <a:buFont typeface="Wingdings" pitchFamily="2" charset="2"/>
+              <a:buChar char=""/>
+              <a:defRPr/>
+            </a:pPr>
+            <a:r>
+              <a:rPr lang="en-US" dirty="0"/>
+              <a:t>C</a:t>
+            </a:r>
+            <a:r>
+              <a:rPr lang="en-US" dirty="0">
+                <a:ea typeface="+mn-ea"/>
+                <a:cs typeface="+mn-cs"/>
+              </a:rPr>
+              <a:t>ontains the relationships between data items and groups of data items</a:t>
+            </a:r>
+          </a:p>
+          <a:p>
+            <a:pPr eaLnBrk="1" fontAlgn="auto" hangingPunct="1">
+              <a:spcAft>
+                <a:spcPts val="0"/>
+              </a:spcAft>
+              <a:buClr>
+                <a:schemeClr val="accent1"/>
+              </a:buClr>
+              <a:buSzPct val="70000"/>
+              <a:buFont typeface="Wingdings" pitchFamily="2" charset="2"/>
+              <a:buChar char=""/>
+              <a:defRPr/>
+            </a:pPr>
+            <a:endParaRPr lang="en-US" dirty="0">
+              <a:ea typeface="+mn-ea"/>
+              <a:cs typeface="+mn-cs"/>
+            </a:endParaRPr>
+          </a:p>
+          <a:p>
+            <a:pPr eaLnBrk="1" fontAlgn="auto" hangingPunct="1">
+              <a:spcAft>
+                <a:spcPts val="0"/>
+              </a:spcAft>
+              <a:buClr>
+                <a:schemeClr val="accent1"/>
+              </a:buClr>
+              <a:buSzPct val="70000"/>
+              <a:buFont typeface="Wingdings" pitchFamily="2" charset="2"/>
+              <a:buChar char=""/>
+              <a:defRPr/>
+            </a:pPr>
+            <a:r>
+              <a:rPr lang="en-US" dirty="0"/>
+              <a:t>C</a:t>
+            </a:r>
+            <a:r>
+              <a:rPr lang="en-US" dirty="0">
+                <a:ea typeface="+mn-ea"/>
+                <a:cs typeface="+mn-cs"/>
+              </a:rPr>
+              <a:t>an contain sensitive data that needs to be secured</a:t>
+            </a:r>
+          </a:p>
+          <a:p>
+            <a:pPr eaLnBrk="1" fontAlgn="auto" hangingPunct="1">
+              <a:spcAft>
+                <a:spcPts val="0"/>
+              </a:spcAft>
+              <a:buClr>
+                <a:schemeClr val="accent1"/>
+              </a:buClr>
+              <a:buSzPct val="70000"/>
+              <a:buFont typeface="Wingdings" pitchFamily="2" charset="2"/>
+              <a:buChar char=""/>
+              <a:defRPr/>
+            </a:pPr>
+            <a:endParaRPr lang="en-US" dirty="0">
+              <a:ea typeface="+mn-ea"/>
+              <a:cs typeface="+mn-cs"/>
+            </a:endParaRPr>
+          </a:p>
+          <a:p>
+            <a:pPr lvl="2" eaLnBrk="1" fontAlgn="auto" hangingPunct="1">
+              <a:spcBef>
+                <a:spcPts val="0"/>
+              </a:spcBef>
+              <a:spcAft>
+                <a:spcPts val="0"/>
+              </a:spcAft>
+              <a:buClr>
+                <a:schemeClr val="accent2"/>
+              </a:buClr>
+              <a:buFont typeface="Wingdings" pitchFamily="2" charset="2"/>
+              <a:buChar char=""/>
+              <a:defRPr/>
+            </a:pPr>
+            <a:endParaRPr lang="en-US" dirty="0">
+              <a:ea typeface="+mn-ea"/>
+            </a:endParaRPr>
+          </a:p>
+        </p:txBody>
+      </p:sp>
+      <p:graphicFrame>
+        <p:nvGraphicFramePr>
+          <p:cNvPr id="5" name="Diagram 4"/>
+          <p:cNvGraphicFramePr/>
+          <p:nvPr/>
+        </p:nvGraphicFramePr>
+        <p:xfrm>
+          <a:off x="5105400" y="2438400"/>
+          <a:ext cx="3581400" cy="3048000"/>
+        </p:xfrm>
+        <a:graphic>
+          <a:graphicData uri="http://schemas.openxmlformats.org/drawingml/2006/diagram">
+            <dgm:relIds xmlns:dgm="http://schemas.openxmlformats.org/drawingml/2006/diagram" xmlns:r="http://schemas.openxmlformats.org/officeDocument/2006/relationships" r:dm="rId3" r:lo="rId4" r:qs="rId5" r:cs="rId6"/>
+          </a:graphicData>
+        </a:graphic>
+      </p:graphicFrame>
+      <p:sp>
+        <p:nvSpPr>
+          <p:cNvPr id="4" name="灯片编号占位符 3"/>
+          <p:cNvSpPr>
+            <a:spLocks noGrp="1"/>
+          </p:cNvSpPr>
+          <p:nvPr>
+            <p:ph type="sldNum" sz="quarter" idx="12"/>
+          </p:nvPr>
+        </p:nvSpPr>
+        <p:spPr/>
+        <p:txBody>
+          <a:bodyPr/>
+          <a:lstStyle/>
+          <a:p>
+            <a:fld id="{5F36C9FC-DA22-1F47-8722-58727A1D436E}" type="slidenum">
+              <a:rPr lang="en-US" smtClean="0">
+                <a:solidFill>
+                  <a:prstClr val="white">
+                    <a:lumMod val="65000"/>
+                    <a:lumOff val="35000"/>
+                  </a:prstClr>
+                </a:solidFill>
+              </a:rPr>
+              <a:pPr/>
+              <a:t>2</a:t>
+            </a:fld>
+            <a:endParaRPr lang="en-US" dirty="0">
+              <a:solidFill>
+                <a:prstClr val="white">
+                  <a:lumMod val="65000"/>
+                  <a:lumOff val="35000"/>
+                </a:prstClr>
+              </a:solidFill>
+            </a:endParaRPr>
+          </a:p>
+        </p:txBody>
+      </p:sp>
+    </p:spTree>
+  </p:cSld>
+  <p:clrMapOvr>
+    <a:masterClrMapping/>
+  </p:clrMapOvr>
+  <p:transition spd="slow"/>
+</p:sld>
+</file>
+
+<file path=ppt/slides/slide20.xml><?xml version="1.0" encoding="utf-8"?>
 <p:sld xmlns:a="http://schemas.openxmlformats.org/drawingml/2006/main" xmlns:r="http://schemas.openxmlformats.org/officeDocument/2006/relationships" xmlns:p="http://schemas.openxmlformats.org/presentationml/2006/main">
   <p:cSld>
     <p:spTree>
@@ -33656,7 +34095,7 @@
                 </a:solidFill>
               </a:rPr>
               <a:pPr/>
-              <a:t>19</a:t>
+              <a:t>20</a:t>
             </a:fld>
             <a:endParaRPr lang="en-US" dirty="0">
               <a:solidFill>
@@ -33678,305 +34117,7 @@
 </p:sld>
 </file>
 
-<file path=ppt/slides/slide2.xml><?xml version="1.0" encoding="utf-8"?>
-<p:sld xmlns:a="http://schemas.openxmlformats.org/drawingml/2006/main" xmlns:r="http://schemas.openxmlformats.org/officeDocument/2006/relationships" xmlns:p="http://schemas.openxmlformats.org/presentationml/2006/main">
-  <p:cSld>
-    <p:spTree>
-      <p:nvGrpSpPr>
-        <p:cNvPr id="1" name=""/>
-        <p:cNvGrpSpPr/>
-        <p:nvPr/>
-      </p:nvGrpSpPr>
-      <p:grpSpPr>
-        <a:xfrm>
-          <a:off x="0" y="0"/>
-          <a:ext cx="0" cy="0"/>
-          <a:chOff x="0" y="0"/>
-          <a:chExt cx="0" cy="0"/>
-        </a:xfrm>
-      </p:grpSpPr>
-      <p:sp>
-        <p:nvSpPr>
-          <p:cNvPr id="2" name="Title 1"/>
-          <p:cNvSpPr>
-            <a:spLocks noGrp="1"/>
-          </p:cNvSpPr>
-          <p:nvPr>
-            <p:ph type="title"/>
-          </p:nvPr>
-        </p:nvSpPr>
-        <p:spPr/>
-        <p:txBody>
-          <a:bodyPr/>
-          <a:lstStyle/>
-          <a:p>
-            <a:pPr eaLnBrk="1" fontAlgn="auto" hangingPunct="1">
-              <a:spcAft>
-                <a:spcPts val="0"/>
-              </a:spcAft>
-              <a:defRPr/>
-            </a:pPr>
-            <a:r>
-              <a:rPr lang="en-US" dirty="0">
-                <a:ln w="10160">
-                  <a:solidFill>
-                    <a:schemeClr val="accent1"/>
-                  </a:solidFill>
-                  <a:prstDash val="solid"/>
-                </a:ln>
-                <a:solidFill>
-                  <a:srgbClr val="FFFFFF"/>
-                </a:solidFill>
-                <a:effectLst>
-                  <a:outerShdw blurRad="38100" dist="32000" dir="5400000" algn="tl">
-                    <a:srgbClr val="000000">
-                      <a:alpha val="30000"/>
-                    </a:srgbClr>
-                  </a:outerShdw>
-                </a:effectLst>
-                <a:ea typeface="+mj-ea"/>
-                <a:cs typeface="+mj-cs"/>
-              </a:rPr>
-              <a:t>Databases</a:t>
-            </a:r>
-          </a:p>
-        </p:txBody>
-      </p:sp>
-      <p:sp>
-        <p:nvSpPr>
-          <p:cNvPr id="3" name="Content Placeholder 2"/>
-          <p:cNvSpPr>
-            <a:spLocks noGrp="1"/>
-          </p:cNvSpPr>
-          <p:nvPr>
-            <p:ph idx="1"/>
-          </p:nvPr>
-        </p:nvSpPr>
-        <p:spPr>
-          <a:xfrm>
-            <a:off x="152400" y="1412776"/>
-            <a:ext cx="4648200" cy="5184576"/>
-          </a:xfrm>
-        </p:spPr>
-        <p:txBody>
-          <a:bodyPr>
-            <a:normAutofit fontScale="77500" lnSpcReduction="20000"/>
-          </a:bodyPr>
-          <a:lstStyle/>
-          <a:p>
-            <a:pPr eaLnBrk="1" fontAlgn="auto" hangingPunct="1">
-              <a:spcAft>
-                <a:spcPts val="0"/>
-              </a:spcAft>
-              <a:buClr>
-                <a:schemeClr val="accent1"/>
-              </a:buClr>
-              <a:buSzPct val="70000"/>
-              <a:buFont typeface="Wingdings" pitchFamily="2" charset="2"/>
-              <a:buChar char=""/>
-              <a:defRPr/>
-            </a:pPr>
-            <a:r>
-              <a:rPr lang="en-US" dirty="0"/>
-              <a:t>S</a:t>
-            </a:r>
-            <a:r>
-              <a:rPr lang="en-US" dirty="0">
-                <a:ea typeface="+mn-ea"/>
-                <a:cs typeface="+mn-cs"/>
-              </a:rPr>
-              <a:t>tructured collection of data stored for use by one or more applications</a:t>
-            </a:r>
-          </a:p>
-          <a:p>
-            <a:pPr eaLnBrk="1" fontAlgn="auto" hangingPunct="1">
-              <a:spcAft>
-                <a:spcPts val="0"/>
-              </a:spcAft>
-              <a:buClr>
-                <a:schemeClr val="accent1"/>
-              </a:buClr>
-              <a:buSzPct val="70000"/>
-              <a:buFont typeface="Wingdings" pitchFamily="2" charset="2"/>
-              <a:buChar char=""/>
-              <a:defRPr/>
-            </a:pPr>
-            <a:endParaRPr lang="en-US" dirty="0">
-              <a:ea typeface="+mn-ea"/>
-              <a:cs typeface="+mn-cs"/>
-            </a:endParaRPr>
-          </a:p>
-          <a:p>
-            <a:pPr eaLnBrk="1" fontAlgn="auto" hangingPunct="1">
-              <a:spcAft>
-                <a:spcPts val="0"/>
-              </a:spcAft>
-              <a:buClr>
-                <a:schemeClr val="accent1"/>
-              </a:buClr>
-              <a:buSzPct val="70000"/>
-              <a:buFont typeface="Wingdings" pitchFamily="2" charset="2"/>
-              <a:buChar char=""/>
-              <a:defRPr/>
-            </a:pPr>
-            <a:r>
-              <a:rPr lang="en-US" dirty="0"/>
-              <a:t>C</a:t>
-            </a:r>
-            <a:r>
-              <a:rPr lang="en-US" dirty="0">
-                <a:ea typeface="+mn-ea"/>
-                <a:cs typeface="+mn-cs"/>
-              </a:rPr>
-              <a:t>ontains the relationships between data items and groups of data items</a:t>
-            </a:r>
-          </a:p>
-          <a:p>
-            <a:pPr eaLnBrk="1" fontAlgn="auto" hangingPunct="1">
-              <a:spcAft>
-                <a:spcPts val="0"/>
-              </a:spcAft>
-              <a:buClr>
-                <a:schemeClr val="accent1"/>
-              </a:buClr>
-              <a:buSzPct val="70000"/>
-              <a:buFont typeface="Wingdings" pitchFamily="2" charset="2"/>
-              <a:buChar char=""/>
-              <a:defRPr/>
-            </a:pPr>
-            <a:endParaRPr lang="en-US" dirty="0">
-              <a:ea typeface="+mn-ea"/>
-              <a:cs typeface="+mn-cs"/>
-            </a:endParaRPr>
-          </a:p>
-          <a:p>
-            <a:pPr eaLnBrk="1" fontAlgn="auto" hangingPunct="1">
-              <a:spcAft>
-                <a:spcPts val="0"/>
-              </a:spcAft>
-              <a:buClr>
-                <a:schemeClr val="accent1"/>
-              </a:buClr>
-              <a:buSzPct val="70000"/>
-              <a:buFont typeface="Wingdings" pitchFamily="2" charset="2"/>
-              <a:buChar char=""/>
-              <a:defRPr/>
-            </a:pPr>
-            <a:r>
-              <a:rPr lang="en-US" dirty="0"/>
-              <a:t>C</a:t>
-            </a:r>
-            <a:r>
-              <a:rPr lang="en-US" dirty="0">
-                <a:ea typeface="+mn-ea"/>
-                <a:cs typeface="+mn-cs"/>
-              </a:rPr>
-              <a:t>an contain sensitive data that needs to be secured</a:t>
-            </a:r>
-          </a:p>
-          <a:p>
-            <a:pPr eaLnBrk="1" fontAlgn="auto" hangingPunct="1">
-              <a:spcAft>
-                <a:spcPts val="0"/>
-              </a:spcAft>
-              <a:buClr>
-                <a:schemeClr val="accent1"/>
-              </a:buClr>
-              <a:buSzPct val="70000"/>
-              <a:buFont typeface="Wingdings" pitchFamily="2" charset="2"/>
-              <a:buChar char=""/>
-              <a:defRPr/>
-            </a:pPr>
-            <a:endParaRPr lang="en-US" dirty="0">
-              <a:ea typeface="+mn-ea"/>
-              <a:cs typeface="+mn-cs"/>
-            </a:endParaRPr>
-          </a:p>
-          <a:p>
-            <a:pPr lvl="2" eaLnBrk="1" fontAlgn="auto" hangingPunct="1">
-              <a:spcBef>
-                <a:spcPts val="0"/>
-              </a:spcBef>
-              <a:spcAft>
-                <a:spcPts val="0"/>
-              </a:spcAft>
-              <a:buClr>
-                <a:schemeClr val="accent2"/>
-              </a:buClr>
-              <a:buFont typeface="Wingdings" pitchFamily="2" charset="2"/>
-              <a:buChar char=""/>
-              <a:defRPr/>
-            </a:pPr>
-            <a:endParaRPr lang="en-US" dirty="0">
-              <a:ea typeface="+mn-ea"/>
-            </a:endParaRPr>
-          </a:p>
-        </p:txBody>
-      </p:sp>
-      <p:graphicFrame>
-        <p:nvGraphicFramePr>
-          <p:cNvPr id="5" name="Diagram 4"/>
-          <p:cNvGraphicFramePr/>
-          <p:nvPr/>
-        </p:nvGraphicFramePr>
-        <p:xfrm>
-          <a:off x="5105400" y="2438400"/>
-          <a:ext cx="3581400" cy="3048000"/>
-        </p:xfrm>
-        <a:graphic>
-          <a:graphicData uri="http://schemas.openxmlformats.org/drawingml/2006/diagram">
-            <dgm:relIds xmlns:dgm="http://schemas.openxmlformats.org/drawingml/2006/diagram" xmlns:r="http://schemas.openxmlformats.org/officeDocument/2006/relationships" r:dm="rId3" r:lo="rId4" r:qs="rId5" r:cs="rId6"/>
-          </a:graphicData>
-        </a:graphic>
-      </p:graphicFrame>
-      <p:sp>
-        <p:nvSpPr>
-          <p:cNvPr id="4" name="灯片编号占位符 3"/>
-          <p:cNvSpPr>
-            <a:spLocks noGrp="1"/>
-          </p:cNvSpPr>
-          <p:nvPr>
-            <p:ph type="sldNum" sz="quarter" idx="12"/>
-          </p:nvPr>
-        </p:nvSpPr>
-        <p:spPr/>
-        <p:txBody>
-          <a:bodyPr/>
-          <a:lstStyle/>
-          <a:p>
-            <a:fld id="{5F36C9FC-DA22-1F47-8722-58727A1D436E}" type="slidenum">
-              <a:rPr lang="en-US" smtClean="0">
-                <a:solidFill>
-                  <a:prstClr val="white">
-                    <a:lumMod val="65000"/>
-                    <a:lumOff val="35000"/>
-                  </a:prstClr>
-                </a:solidFill>
-              </a:rPr>
-              <a:pPr/>
-              <a:t>2</a:t>
-            </a:fld>
-            <a:endParaRPr lang="en-US" dirty="0">
-              <a:solidFill>
-                <a:prstClr val="white">
-                  <a:lumMod val="65000"/>
-                  <a:lumOff val="35000"/>
-                </a:prstClr>
-              </a:solidFill>
-            </a:endParaRPr>
-          </a:p>
-        </p:txBody>
-      </p:sp>
-    </p:spTree>
-  </p:cSld>
-  <p:clrMapOvr>
-    <a:masterClrMapping/>
-  </p:clrMapOvr>
-  <p:transition spd="slow"/>
-</p:sld>
-</file>
-
-<file path=ppt/slides/slide20.xml><?xml version="1.0" encoding="utf-8"?>
+<file path=ppt/slides/slide21.xml><?xml version="1.0" encoding="utf-8"?>
 <p:sld xmlns:a="http://schemas.openxmlformats.org/drawingml/2006/main" xmlns:r="http://schemas.openxmlformats.org/officeDocument/2006/relationships" xmlns:p="http://schemas.openxmlformats.org/presentationml/2006/main">
   <p:cSld>
     <p:spTree>
@@ -34088,7 +34229,7 @@
               <a:pPr>
                 <a:defRPr/>
               </a:pPr>
-              <a:t>20</a:t>
+              <a:t>21</a:t>
             </a:fld>
             <a:endParaRPr lang="en-US" altLang="zh-CN" dirty="0"/>
           </a:p>
@@ -34137,7 +34278,7 @@
 </p:sld>
 </file>
 
-<file path=ppt/slides/slide21.xml><?xml version="1.0" encoding="utf-8"?>
+<file path=ppt/slides/slide22.xml><?xml version="1.0" encoding="utf-8"?>
 <p:sld xmlns:a="http://schemas.openxmlformats.org/drawingml/2006/main" xmlns:r="http://schemas.openxmlformats.org/officeDocument/2006/relationships" xmlns:p="http://schemas.openxmlformats.org/presentationml/2006/main">
   <p:cSld>
     <p:spTree>
@@ -34179,7 +34320,7 @@
                 </a:solidFill>
               </a:rPr>
               <a:pPr/>
-              <a:t>21</a:t>
+              <a:t>22</a:t>
             </a:fld>
             <a:endParaRPr lang="en-US" dirty="0">
               <a:solidFill>
@@ -34302,7 +34443,7 @@
 </p:sld>
 </file>
 
-<file path=ppt/slides/slide22.xml><?xml version="1.0" encoding="utf-8"?>
+<file path=ppt/slides/slide23.xml><?xml version="1.0" encoding="utf-8"?>
 <p:sld xmlns:a="http://schemas.openxmlformats.org/drawingml/2006/main" xmlns:r="http://schemas.openxmlformats.org/officeDocument/2006/relationships" xmlns:p="http://schemas.openxmlformats.org/presentationml/2006/main">
   <p:cSld>
     <p:spTree>
@@ -34463,7 +34604,7 @@
                 </a:solidFill>
               </a:rPr>
               <a:pPr/>
-              <a:t>22</a:t>
+              <a:t>23</a:t>
             </a:fld>
             <a:endParaRPr lang="en-US" dirty="0">
               <a:solidFill>
@@ -34490,7 +34631,7 @@
 </p:sld>
 </file>
 
-<file path=ppt/slides/slide23.xml><?xml version="1.0" encoding="utf-8"?>
+<file path=ppt/slides/slide24.xml><?xml version="1.0" encoding="utf-8"?>
 <p:sld xmlns:a="http://schemas.openxmlformats.org/drawingml/2006/main" xmlns:r="http://schemas.openxmlformats.org/officeDocument/2006/relationships" xmlns:p="http://schemas.openxmlformats.org/presentationml/2006/main">
   <p:cSld>
     <p:spTree>
@@ -34532,7 +34673,7 @@
                 </a:solidFill>
               </a:rPr>
               <a:pPr/>
-              <a:t>23</a:t>
+              <a:t>24</a:t>
             </a:fld>
             <a:endParaRPr lang="en-US" dirty="0">
               <a:solidFill>
@@ -34732,367 +34873,6 @@
 </p:sld>
 </file>
 
-<file path=ppt/slides/slide24.xml><?xml version="1.0" encoding="utf-8"?>
-<p:sld xmlns:a="http://schemas.openxmlformats.org/drawingml/2006/main" xmlns:r="http://schemas.openxmlformats.org/officeDocument/2006/relationships" xmlns:p="http://schemas.openxmlformats.org/presentationml/2006/main">
-  <p:cSld>
-    <p:spTree>
-      <p:nvGrpSpPr>
-        <p:cNvPr id="1" name=""/>
-        <p:cNvGrpSpPr/>
-        <p:nvPr/>
-      </p:nvGrpSpPr>
-      <p:grpSpPr>
-        <a:xfrm>
-          <a:off x="0" y="0"/>
-          <a:ext cx="0" cy="0"/>
-          <a:chOff x="0" y="0"/>
-          <a:chExt cx="0" cy="0"/>
-        </a:xfrm>
-      </p:grpSpPr>
-      <p:sp>
-        <p:nvSpPr>
-          <p:cNvPr id="2" name="标题 1"/>
-          <p:cNvSpPr>
-            <a:spLocks noGrp="1"/>
-          </p:cNvSpPr>
-          <p:nvPr>
-            <p:ph type="title"/>
-          </p:nvPr>
-        </p:nvSpPr>
-        <p:spPr/>
-        <p:txBody>
-          <a:bodyPr/>
-          <a:lstStyle/>
-          <a:p>
-            <a:r>
-              <a:rPr lang="en-US" altLang="zh-CN" dirty="0"/>
-              <a:t>Solution</a:t>
-            </a:r>
-            <a:endParaRPr lang="zh-CN" altLang="en-US" dirty="0"/>
-          </a:p>
-        </p:txBody>
-      </p:sp>
-      <p:sp>
-        <p:nvSpPr>
-          <p:cNvPr id="3" name="内容占位符 2"/>
-          <p:cNvSpPr>
-            <a:spLocks noGrp="1"/>
-          </p:cNvSpPr>
-          <p:nvPr>
-            <p:ph idx="1"/>
-          </p:nvPr>
-        </p:nvSpPr>
-        <p:spPr>
-          <a:xfrm>
-            <a:off x="457200" y="980728"/>
-            <a:ext cx="8229600" cy="5544616"/>
-          </a:xfrm>
-        </p:spPr>
-        <p:txBody>
-          <a:bodyPr>
-            <a:normAutofit fontScale="47500" lnSpcReduction="20000"/>
-          </a:bodyPr>
-          <a:lstStyle/>
-          <a:p>
-            <a:r>
-              <a:rPr lang="en-US" altLang="zh-CN" dirty="0">
-                <a:latin typeface="Arial" pitchFamily="-109" charset="0"/>
-                <a:ea typeface="ＭＳ Ｐゴシック" pitchFamily="-109" charset="-128"/>
-                <a:cs typeface="ＭＳ Ｐゴシック" pitchFamily="-109" charset="-128"/>
-              </a:rPr>
-              <a:t>Construct three tables, which include the following information:</a:t>
-            </a:r>
-          </a:p>
-          <a:p>
-            <a:pPr lvl="1"/>
-            <a:r>
-              <a:rPr lang="en-US" altLang="zh-CN" sz="2500" dirty="0">
-                <a:latin typeface="Arial" pitchFamily="-109" charset="0"/>
-                <a:ea typeface="ＭＳ Ｐゴシック" pitchFamily="-109" charset="-128"/>
-                <a:cs typeface="ＭＳ Ｐゴシック" pitchFamily="-109" charset="-128"/>
-              </a:rPr>
-              <a:t>Employees (</a:t>
-            </a:r>
-            <a:r>
-              <a:rPr lang="en-US" altLang="zh-CN" sz="2500" dirty="0" err="1">
-                <a:latin typeface="Arial" pitchFamily="-109" charset="0"/>
-                <a:ea typeface="ＭＳ Ｐゴシック" pitchFamily="-109" charset="-128"/>
-                <a:cs typeface="ＭＳ Ｐゴシック" pitchFamily="-109" charset="-128"/>
-              </a:rPr>
-              <a:t>Emp</a:t>
-            </a:r>
-            <a:r>
-              <a:rPr lang="en-US" altLang="zh-CN" sz="2500" dirty="0">
-                <a:latin typeface="Arial" pitchFamily="-109" charset="0"/>
-                <a:ea typeface="ＭＳ Ｐゴシック" pitchFamily="-109" charset="-128"/>
-                <a:cs typeface="ＭＳ Ｐゴシック" pitchFamily="-109" charset="-128"/>
-              </a:rPr>
-              <a:t>#, Name, Address)</a:t>
-            </a:r>
-          </a:p>
-          <a:p>
-            <a:pPr lvl="1"/>
-            <a:r>
-              <a:rPr lang="en-US" altLang="zh-CN" sz="2500" dirty="0">
-                <a:latin typeface="Arial" pitchFamily="-109" charset="0"/>
-                <a:ea typeface="ＭＳ Ｐゴシック" pitchFamily="-109" charset="-128"/>
-                <a:cs typeface="ＭＳ Ｐゴシック" pitchFamily="-109" charset="-128"/>
-              </a:rPr>
-              <a:t>Salaries (S#, Salary)</a:t>
-            </a:r>
-          </a:p>
-          <a:p>
-            <a:pPr lvl="1"/>
-            <a:r>
-              <a:rPr lang="en-US" altLang="zh-CN" sz="2500" dirty="0" err="1">
-                <a:latin typeface="Arial" pitchFamily="-109" charset="0"/>
-                <a:ea typeface="ＭＳ Ｐゴシック" pitchFamily="-109" charset="-128"/>
-                <a:cs typeface="ＭＳ Ｐゴシック" pitchFamily="-109" charset="-128"/>
-              </a:rPr>
-              <a:t>Emp</a:t>
-            </a:r>
-            <a:r>
-              <a:rPr lang="en-US" altLang="zh-CN" sz="2500" dirty="0">
-                <a:latin typeface="Arial" pitchFamily="-109" charset="0"/>
-                <a:ea typeface="ＭＳ Ｐゴシック" pitchFamily="-109" charset="-128"/>
-                <a:cs typeface="ＭＳ Ｐゴシック" pitchFamily="-109" charset="-128"/>
-              </a:rPr>
-              <a:t>-Salary (</a:t>
-            </a:r>
-            <a:r>
-              <a:rPr lang="en-US" altLang="zh-CN" sz="2500" dirty="0" err="1">
-                <a:latin typeface="Arial" pitchFamily="-109" charset="0"/>
-                <a:ea typeface="ＭＳ Ｐゴシック" pitchFamily="-109" charset="-128"/>
-                <a:cs typeface="ＭＳ Ｐゴシック" pitchFamily="-109" charset="-128"/>
-              </a:rPr>
-              <a:t>Emp</a:t>
-            </a:r>
-            <a:r>
-              <a:rPr lang="en-US" altLang="zh-CN" sz="2500" dirty="0">
-                <a:latin typeface="Arial" pitchFamily="-109" charset="0"/>
-                <a:ea typeface="ＭＳ Ｐゴシック" pitchFamily="-109" charset="-128"/>
-                <a:cs typeface="ＭＳ Ｐゴシック" pitchFamily="-109" charset="-128"/>
-              </a:rPr>
-              <a:t>#, S#)</a:t>
-            </a:r>
-          </a:p>
-          <a:p>
-            <a:r>
-              <a:rPr lang="en-US" altLang="zh-CN" dirty="0">
-                <a:latin typeface="Arial" pitchFamily="-109" charset="0"/>
-                <a:ea typeface="ＭＳ Ｐゴシック" pitchFamily="-109" charset="-128"/>
-                <a:cs typeface="ＭＳ Ｐゴシック" pitchFamily="-109" charset="-128"/>
-              </a:rPr>
-              <a:t>Each line consists of the table name followed by a list of column names for that table. In this case, each employee is assigned a unique employee number (</a:t>
-            </a:r>
-            <a:r>
-              <a:rPr lang="en-US" altLang="zh-CN" dirty="0" err="1">
-                <a:latin typeface="Arial" pitchFamily="-109" charset="0"/>
-                <a:ea typeface="ＭＳ Ｐゴシック" pitchFamily="-109" charset="-128"/>
-                <a:cs typeface="ＭＳ Ｐゴシック" pitchFamily="-109" charset="-128"/>
-              </a:rPr>
-              <a:t>Emp</a:t>
-            </a:r>
-            <a:r>
-              <a:rPr lang="en-US" altLang="zh-CN" dirty="0">
-                <a:latin typeface="Arial" pitchFamily="-109" charset="0"/>
-                <a:ea typeface="ＭＳ Ｐゴシック" pitchFamily="-109" charset="-128"/>
-                <a:cs typeface="ＭＳ Ｐゴシック" pitchFamily="-109" charset="-128"/>
-              </a:rPr>
-              <a:t>#) and a unique salary number (S#). The Employees table and the Salaries table are accessible to the Clerk role, but the </a:t>
-            </a:r>
-            <a:r>
-              <a:rPr lang="en-US" altLang="zh-CN" dirty="0" err="1">
-                <a:latin typeface="Arial" pitchFamily="-109" charset="0"/>
-                <a:ea typeface="ＭＳ Ｐゴシック" pitchFamily="-109" charset="-128"/>
-                <a:cs typeface="ＭＳ Ｐゴシック" pitchFamily="-109" charset="-128"/>
-              </a:rPr>
-              <a:t>Emp</a:t>
-            </a:r>
-            <a:r>
-              <a:rPr lang="en-US" altLang="zh-CN" dirty="0">
-                <a:latin typeface="Arial" pitchFamily="-109" charset="0"/>
-                <a:ea typeface="ＭＳ Ｐゴシック" pitchFamily="-109" charset="-128"/>
-                <a:cs typeface="ＭＳ Ｐゴシック" pitchFamily="-109" charset="-128"/>
-              </a:rPr>
-              <a:t>-Salary table is only available to the Administrator role. In this structure, the sensitive relationship between employees and salaries is protected from users assigned the Clerk role.</a:t>
-            </a:r>
-          </a:p>
-          <a:p>
-            <a:r>
-              <a:rPr lang="en-US" altLang="zh-CN" b="1" dirty="0">
-                <a:latin typeface="Arial" pitchFamily="-109" charset="0"/>
-                <a:ea typeface="ＭＳ Ｐゴシック" pitchFamily="-109" charset="-128"/>
-                <a:cs typeface="ＭＳ Ｐゴシック" pitchFamily="-109" charset="-128"/>
-              </a:rPr>
-              <a:t>Another inference channel</a:t>
-            </a:r>
-            <a:r>
-              <a:rPr lang="en-US" altLang="zh-CN" dirty="0">
-                <a:latin typeface="Arial" pitchFamily="-109" charset="0"/>
-                <a:ea typeface="ＭＳ Ｐゴシック" pitchFamily="-109" charset="-128"/>
-                <a:cs typeface="ＭＳ Ｐゴシック" pitchFamily="-109" charset="-128"/>
-              </a:rPr>
-              <a:t>: suppose that we want to add a new attribute, employee start date, which is not sensitive. This could be added to the Salaries table as follows:</a:t>
-            </a:r>
-          </a:p>
-          <a:p>
-            <a:pPr lvl="1"/>
-            <a:r>
-              <a:rPr lang="en-US" altLang="zh-CN" sz="2500" dirty="0">
-                <a:latin typeface="Arial" pitchFamily="-109" charset="0"/>
-                <a:ea typeface="ＭＳ Ｐゴシック" pitchFamily="-109" charset="-128"/>
-                <a:cs typeface="ＭＳ Ｐゴシック" pitchFamily="-109" charset="-128"/>
-              </a:rPr>
-              <a:t>Employees (</a:t>
-            </a:r>
-            <a:r>
-              <a:rPr lang="en-US" altLang="zh-CN" sz="2500" dirty="0" err="1">
-                <a:latin typeface="Arial" pitchFamily="-109" charset="0"/>
-                <a:ea typeface="ＭＳ Ｐゴシック" pitchFamily="-109" charset="-128"/>
-                <a:cs typeface="ＭＳ Ｐゴシック" pitchFamily="-109" charset="-128"/>
-              </a:rPr>
-              <a:t>Emp</a:t>
-            </a:r>
-            <a:r>
-              <a:rPr lang="en-US" altLang="zh-CN" sz="2500" dirty="0">
-                <a:latin typeface="Arial" pitchFamily="-109" charset="0"/>
-                <a:ea typeface="ＭＳ Ｐゴシック" pitchFamily="-109" charset="-128"/>
-                <a:cs typeface="ＭＳ Ｐゴシック" pitchFamily="-109" charset="-128"/>
-              </a:rPr>
-              <a:t>#, Name, Address)</a:t>
-            </a:r>
-          </a:p>
-          <a:p>
-            <a:pPr lvl="1"/>
-            <a:r>
-              <a:rPr lang="en-US" altLang="zh-CN" sz="2500" dirty="0">
-                <a:latin typeface="Arial" pitchFamily="-109" charset="0"/>
-                <a:ea typeface="ＭＳ Ｐゴシック" pitchFamily="-109" charset="-128"/>
-                <a:cs typeface="ＭＳ Ｐゴシック" pitchFamily="-109" charset="-128"/>
-              </a:rPr>
-              <a:t>Salaries (S#, Salary, Start-Date)</a:t>
-            </a:r>
-          </a:p>
-          <a:p>
-            <a:pPr lvl="1"/>
-            <a:r>
-              <a:rPr lang="en-US" altLang="zh-CN" sz="2500" dirty="0" err="1">
-                <a:latin typeface="Arial" pitchFamily="-109" charset="0"/>
-                <a:ea typeface="ＭＳ Ｐゴシック" pitchFamily="-109" charset="-128"/>
-                <a:cs typeface="ＭＳ Ｐゴシック" pitchFamily="-109" charset="-128"/>
-              </a:rPr>
-              <a:t>Emp</a:t>
-            </a:r>
-            <a:r>
-              <a:rPr lang="en-US" altLang="zh-CN" sz="2500" dirty="0">
-                <a:latin typeface="Arial" pitchFamily="-109" charset="0"/>
-                <a:ea typeface="ＭＳ Ｐゴシック" pitchFamily="-109" charset="-128"/>
-                <a:cs typeface="ＭＳ Ｐゴシック" pitchFamily="-109" charset="-128"/>
-              </a:rPr>
-              <a:t>-Salary (</a:t>
-            </a:r>
-            <a:r>
-              <a:rPr lang="en-US" altLang="zh-CN" sz="2500" dirty="0" err="1">
-                <a:latin typeface="Arial" pitchFamily="-109" charset="0"/>
-                <a:ea typeface="ＭＳ Ｐゴシック" pitchFamily="-109" charset="-128"/>
-                <a:cs typeface="ＭＳ Ｐゴシック" pitchFamily="-109" charset="-128"/>
-              </a:rPr>
-              <a:t>Emp</a:t>
-            </a:r>
-            <a:r>
-              <a:rPr lang="en-US" altLang="zh-CN" sz="2500" dirty="0">
-                <a:latin typeface="Arial" pitchFamily="-109" charset="0"/>
-                <a:ea typeface="ＭＳ Ｐゴシック" pitchFamily="-109" charset="-128"/>
-                <a:cs typeface="ＭＳ Ｐゴシック" pitchFamily="-109" charset="-128"/>
-              </a:rPr>
-              <a:t>#, S#)</a:t>
-            </a:r>
-          </a:p>
-          <a:p>
-            <a:r>
-              <a:rPr lang="en-US" altLang="zh-CN" dirty="0">
-                <a:latin typeface="Arial" pitchFamily="-109" charset="0"/>
-                <a:ea typeface="ＭＳ Ｐゴシック" pitchFamily="-109" charset="-128"/>
-                <a:cs typeface="ＭＳ Ｐゴシック" pitchFamily="-109" charset="-128"/>
-              </a:rPr>
-              <a:t>However, an employee’s start date is an easily observable or discoverable attribute of an employee. Thus a user in the Clerk role may be able to infer the employee’s name. This would compromise the relationship between employee and salary. </a:t>
-            </a:r>
-          </a:p>
-          <a:p>
-            <a:r>
-              <a:rPr lang="en-US" altLang="zh-CN" dirty="0">
-                <a:latin typeface="Arial" pitchFamily="-109" charset="0"/>
-                <a:ea typeface="ＭＳ Ｐゴシック" pitchFamily="-109" charset="-128"/>
-                <a:cs typeface="ＭＳ Ｐゴシック" pitchFamily="-109" charset="-128"/>
-              </a:rPr>
-              <a:t>A straightforward way to remove the inference channel is to add the start-date column to the Employees table instead of the Salaries table.</a:t>
-            </a:r>
-          </a:p>
-          <a:p>
-            <a:endParaRPr lang="en-US" altLang="zh-CN" dirty="0">
-              <a:latin typeface="Arial" pitchFamily="-109" charset="0"/>
-              <a:ea typeface="ＭＳ Ｐゴシック" pitchFamily="-109" charset="-128"/>
-              <a:cs typeface="ＭＳ Ｐゴシック" pitchFamily="-109" charset="-128"/>
-            </a:endParaRPr>
-          </a:p>
-          <a:p>
-            <a:endParaRPr lang="zh-CN" altLang="en-US" dirty="0"/>
-          </a:p>
-        </p:txBody>
-      </p:sp>
-      <p:sp>
-        <p:nvSpPr>
-          <p:cNvPr id="4" name="灯片编号占位符 3"/>
-          <p:cNvSpPr>
-            <a:spLocks noGrp="1"/>
-          </p:cNvSpPr>
-          <p:nvPr>
-            <p:ph type="sldNum" sz="quarter" idx="12"/>
-          </p:nvPr>
-        </p:nvSpPr>
-        <p:spPr/>
-        <p:txBody>
-          <a:bodyPr/>
-          <a:lstStyle/>
-          <a:p>
-            <a:fld id="{5F36C9FC-DA22-1F47-8722-58727A1D436E}" type="slidenum">
-              <a:rPr lang="en-US" smtClean="0">
-                <a:solidFill>
-                  <a:prstClr val="white">
-                    <a:lumMod val="65000"/>
-                    <a:lumOff val="35000"/>
-                  </a:prstClr>
-                </a:solidFill>
-              </a:rPr>
-              <a:pPr/>
-              <a:t>24</a:t>
-            </a:fld>
-            <a:endParaRPr lang="en-US" dirty="0">
-              <a:solidFill>
-                <a:prstClr val="white">
-                  <a:lumMod val="65000"/>
-                  <a:lumOff val="35000"/>
-                </a:prstClr>
-              </a:solidFill>
-            </a:endParaRPr>
-          </a:p>
-        </p:txBody>
-      </p:sp>
-    </p:spTree>
-    <p:extLst>
-      <p:ext uri="{BB962C8B-B14F-4D97-AF65-F5344CB8AC3E}">
-        <p14:creationId xmlns:p14="http://schemas.microsoft.com/office/powerpoint/2010/main" val="3421265506"/>
-      </p:ext>
-    </p:extLst>
-  </p:cSld>
-  <p:clrMapOvr>
-    <a:masterClrMapping/>
-  </p:clrMapOvr>
-  <p:transition spd="slow"/>
-</p:sld>
-</file>
-
 <file path=ppt/slides/slide25.xml><?xml version="1.0" encoding="utf-8"?>
 <p:sld xmlns:a="http://schemas.openxmlformats.org/drawingml/2006/main" xmlns:r="http://schemas.openxmlformats.org/officeDocument/2006/relationships" xmlns:p="http://schemas.openxmlformats.org/presentationml/2006/main">
   <p:cSld>
@@ -35127,6 +34907,367 @@
           <a:p>
             <a:r>
               <a:rPr lang="en-US" altLang="zh-CN" dirty="0"/>
+              <a:t>Solution</a:t>
+            </a:r>
+            <a:endParaRPr lang="zh-CN" altLang="en-US" dirty="0"/>
+          </a:p>
+        </p:txBody>
+      </p:sp>
+      <p:sp>
+        <p:nvSpPr>
+          <p:cNvPr id="3" name="内容占位符 2"/>
+          <p:cNvSpPr>
+            <a:spLocks noGrp="1"/>
+          </p:cNvSpPr>
+          <p:nvPr>
+            <p:ph idx="1"/>
+          </p:nvPr>
+        </p:nvSpPr>
+        <p:spPr>
+          <a:xfrm>
+            <a:off x="457200" y="980728"/>
+            <a:ext cx="8229600" cy="5544616"/>
+          </a:xfrm>
+        </p:spPr>
+        <p:txBody>
+          <a:bodyPr>
+            <a:normAutofit fontScale="47500" lnSpcReduction="20000"/>
+          </a:bodyPr>
+          <a:lstStyle/>
+          <a:p>
+            <a:r>
+              <a:rPr lang="en-US" altLang="zh-CN" dirty="0">
+                <a:latin typeface="Arial" pitchFamily="-109" charset="0"/>
+                <a:ea typeface="ＭＳ Ｐゴシック" pitchFamily="-109" charset="-128"/>
+                <a:cs typeface="ＭＳ Ｐゴシック" pitchFamily="-109" charset="-128"/>
+              </a:rPr>
+              <a:t>Construct three tables, which include the following information:</a:t>
+            </a:r>
+          </a:p>
+          <a:p>
+            <a:pPr lvl="1"/>
+            <a:r>
+              <a:rPr lang="en-US" altLang="zh-CN" sz="2500" dirty="0">
+                <a:latin typeface="Arial" pitchFamily="-109" charset="0"/>
+                <a:ea typeface="ＭＳ Ｐゴシック" pitchFamily="-109" charset="-128"/>
+                <a:cs typeface="ＭＳ Ｐゴシック" pitchFamily="-109" charset="-128"/>
+              </a:rPr>
+              <a:t>Employees (</a:t>
+            </a:r>
+            <a:r>
+              <a:rPr lang="en-US" altLang="zh-CN" sz="2500" dirty="0" err="1">
+                <a:latin typeface="Arial" pitchFamily="-109" charset="0"/>
+                <a:ea typeface="ＭＳ Ｐゴシック" pitchFamily="-109" charset="-128"/>
+                <a:cs typeface="ＭＳ Ｐゴシック" pitchFamily="-109" charset="-128"/>
+              </a:rPr>
+              <a:t>Emp</a:t>
+            </a:r>
+            <a:r>
+              <a:rPr lang="en-US" altLang="zh-CN" sz="2500" dirty="0">
+                <a:latin typeface="Arial" pitchFamily="-109" charset="0"/>
+                <a:ea typeface="ＭＳ Ｐゴシック" pitchFamily="-109" charset="-128"/>
+                <a:cs typeface="ＭＳ Ｐゴシック" pitchFamily="-109" charset="-128"/>
+              </a:rPr>
+              <a:t>#, Name, Address)</a:t>
+            </a:r>
+          </a:p>
+          <a:p>
+            <a:pPr lvl="1"/>
+            <a:r>
+              <a:rPr lang="en-US" altLang="zh-CN" sz="2500" dirty="0">
+                <a:latin typeface="Arial" pitchFamily="-109" charset="0"/>
+                <a:ea typeface="ＭＳ Ｐゴシック" pitchFamily="-109" charset="-128"/>
+                <a:cs typeface="ＭＳ Ｐゴシック" pitchFamily="-109" charset="-128"/>
+              </a:rPr>
+              <a:t>Salaries (S#, Salary)</a:t>
+            </a:r>
+          </a:p>
+          <a:p>
+            <a:pPr lvl="1"/>
+            <a:r>
+              <a:rPr lang="en-US" altLang="zh-CN" sz="2500" dirty="0" err="1">
+                <a:latin typeface="Arial" pitchFamily="-109" charset="0"/>
+                <a:ea typeface="ＭＳ Ｐゴシック" pitchFamily="-109" charset="-128"/>
+                <a:cs typeface="ＭＳ Ｐゴシック" pitchFamily="-109" charset="-128"/>
+              </a:rPr>
+              <a:t>Emp</a:t>
+            </a:r>
+            <a:r>
+              <a:rPr lang="en-US" altLang="zh-CN" sz="2500" dirty="0">
+                <a:latin typeface="Arial" pitchFamily="-109" charset="0"/>
+                <a:ea typeface="ＭＳ Ｐゴシック" pitchFamily="-109" charset="-128"/>
+                <a:cs typeface="ＭＳ Ｐゴシック" pitchFamily="-109" charset="-128"/>
+              </a:rPr>
+              <a:t>-Salary (</a:t>
+            </a:r>
+            <a:r>
+              <a:rPr lang="en-US" altLang="zh-CN" sz="2500" dirty="0" err="1">
+                <a:latin typeface="Arial" pitchFamily="-109" charset="0"/>
+                <a:ea typeface="ＭＳ Ｐゴシック" pitchFamily="-109" charset="-128"/>
+                <a:cs typeface="ＭＳ Ｐゴシック" pitchFamily="-109" charset="-128"/>
+              </a:rPr>
+              <a:t>Emp</a:t>
+            </a:r>
+            <a:r>
+              <a:rPr lang="en-US" altLang="zh-CN" sz="2500" dirty="0">
+                <a:latin typeface="Arial" pitchFamily="-109" charset="0"/>
+                <a:ea typeface="ＭＳ Ｐゴシック" pitchFamily="-109" charset="-128"/>
+                <a:cs typeface="ＭＳ Ｐゴシック" pitchFamily="-109" charset="-128"/>
+              </a:rPr>
+              <a:t>#, S#)</a:t>
+            </a:r>
+          </a:p>
+          <a:p>
+            <a:r>
+              <a:rPr lang="en-US" altLang="zh-CN" dirty="0">
+                <a:latin typeface="Arial" pitchFamily="-109" charset="0"/>
+                <a:ea typeface="ＭＳ Ｐゴシック" pitchFamily="-109" charset="-128"/>
+                <a:cs typeface="ＭＳ Ｐゴシック" pitchFamily="-109" charset="-128"/>
+              </a:rPr>
+              <a:t>Each line consists of the table name followed by a list of column names for that table. In this case, each employee is assigned a unique employee number (</a:t>
+            </a:r>
+            <a:r>
+              <a:rPr lang="en-US" altLang="zh-CN" dirty="0" err="1">
+                <a:latin typeface="Arial" pitchFamily="-109" charset="0"/>
+                <a:ea typeface="ＭＳ Ｐゴシック" pitchFamily="-109" charset="-128"/>
+                <a:cs typeface="ＭＳ Ｐゴシック" pitchFamily="-109" charset="-128"/>
+              </a:rPr>
+              <a:t>Emp</a:t>
+            </a:r>
+            <a:r>
+              <a:rPr lang="en-US" altLang="zh-CN" dirty="0">
+                <a:latin typeface="Arial" pitchFamily="-109" charset="0"/>
+                <a:ea typeface="ＭＳ Ｐゴシック" pitchFamily="-109" charset="-128"/>
+                <a:cs typeface="ＭＳ Ｐゴシック" pitchFamily="-109" charset="-128"/>
+              </a:rPr>
+              <a:t>#) and a unique salary number (S#). The Employees table and the Salaries table are accessible to the Clerk role, but the </a:t>
+            </a:r>
+            <a:r>
+              <a:rPr lang="en-US" altLang="zh-CN" dirty="0" err="1">
+                <a:latin typeface="Arial" pitchFamily="-109" charset="0"/>
+                <a:ea typeface="ＭＳ Ｐゴシック" pitchFamily="-109" charset="-128"/>
+                <a:cs typeface="ＭＳ Ｐゴシック" pitchFamily="-109" charset="-128"/>
+              </a:rPr>
+              <a:t>Emp</a:t>
+            </a:r>
+            <a:r>
+              <a:rPr lang="en-US" altLang="zh-CN" dirty="0">
+                <a:latin typeface="Arial" pitchFamily="-109" charset="0"/>
+                <a:ea typeface="ＭＳ Ｐゴシック" pitchFamily="-109" charset="-128"/>
+                <a:cs typeface="ＭＳ Ｐゴシック" pitchFamily="-109" charset="-128"/>
+              </a:rPr>
+              <a:t>-Salary table is only available to the Administrator role. In this structure, the sensitive relationship between employees and salaries is protected from users assigned the Clerk role.</a:t>
+            </a:r>
+          </a:p>
+          <a:p>
+            <a:r>
+              <a:rPr lang="en-US" altLang="zh-CN" b="1" dirty="0">
+                <a:latin typeface="Arial" pitchFamily="-109" charset="0"/>
+                <a:ea typeface="ＭＳ Ｐゴシック" pitchFamily="-109" charset="-128"/>
+                <a:cs typeface="ＭＳ Ｐゴシック" pitchFamily="-109" charset="-128"/>
+              </a:rPr>
+              <a:t>Another inference channel</a:t>
+            </a:r>
+            <a:r>
+              <a:rPr lang="en-US" altLang="zh-CN" dirty="0">
+                <a:latin typeface="Arial" pitchFamily="-109" charset="0"/>
+                <a:ea typeface="ＭＳ Ｐゴシック" pitchFamily="-109" charset="-128"/>
+                <a:cs typeface="ＭＳ Ｐゴシック" pitchFamily="-109" charset="-128"/>
+              </a:rPr>
+              <a:t>: suppose that we want to add a new attribute, employee start date, which is not sensitive. This could be added to the Salaries table as follows:</a:t>
+            </a:r>
+          </a:p>
+          <a:p>
+            <a:pPr lvl="1"/>
+            <a:r>
+              <a:rPr lang="en-US" altLang="zh-CN" sz="2500" dirty="0">
+                <a:latin typeface="Arial" pitchFamily="-109" charset="0"/>
+                <a:ea typeface="ＭＳ Ｐゴシック" pitchFamily="-109" charset="-128"/>
+                <a:cs typeface="ＭＳ Ｐゴシック" pitchFamily="-109" charset="-128"/>
+              </a:rPr>
+              <a:t>Employees (</a:t>
+            </a:r>
+            <a:r>
+              <a:rPr lang="en-US" altLang="zh-CN" sz="2500" dirty="0" err="1">
+                <a:latin typeface="Arial" pitchFamily="-109" charset="0"/>
+                <a:ea typeface="ＭＳ Ｐゴシック" pitchFamily="-109" charset="-128"/>
+                <a:cs typeface="ＭＳ Ｐゴシック" pitchFamily="-109" charset="-128"/>
+              </a:rPr>
+              <a:t>Emp</a:t>
+            </a:r>
+            <a:r>
+              <a:rPr lang="en-US" altLang="zh-CN" sz="2500" dirty="0">
+                <a:latin typeface="Arial" pitchFamily="-109" charset="0"/>
+                <a:ea typeface="ＭＳ Ｐゴシック" pitchFamily="-109" charset="-128"/>
+                <a:cs typeface="ＭＳ Ｐゴシック" pitchFamily="-109" charset="-128"/>
+              </a:rPr>
+              <a:t>#, Name, Address)</a:t>
+            </a:r>
+          </a:p>
+          <a:p>
+            <a:pPr lvl="1"/>
+            <a:r>
+              <a:rPr lang="en-US" altLang="zh-CN" sz="2500" dirty="0">
+                <a:latin typeface="Arial" pitchFamily="-109" charset="0"/>
+                <a:ea typeface="ＭＳ Ｐゴシック" pitchFamily="-109" charset="-128"/>
+                <a:cs typeface="ＭＳ Ｐゴシック" pitchFamily="-109" charset="-128"/>
+              </a:rPr>
+              <a:t>Salaries (S#, Salary, Start-Date)</a:t>
+            </a:r>
+          </a:p>
+          <a:p>
+            <a:pPr lvl="1"/>
+            <a:r>
+              <a:rPr lang="en-US" altLang="zh-CN" sz="2500" dirty="0" err="1">
+                <a:latin typeface="Arial" pitchFamily="-109" charset="0"/>
+                <a:ea typeface="ＭＳ Ｐゴシック" pitchFamily="-109" charset="-128"/>
+                <a:cs typeface="ＭＳ Ｐゴシック" pitchFamily="-109" charset="-128"/>
+              </a:rPr>
+              <a:t>Emp</a:t>
+            </a:r>
+            <a:r>
+              <a:rPr lang="en-US" altLang="zh-CN" sz="2500" dirty="0">
+                <a:latin typeface="Arial" pitchFamily="-109" charset="0"/>
+                <a:ea typeface="ＭＳ Ｐゴシック" pitchFamily="-109" charset="-128"/>
+                <a:cs typeface="ＭＳ Ｐゴシック" pitchFamily="-109" charset="-128"/>
+              </a:rPr>
+              <a:t>-Salary (</a:t>
+            </a:r>
+            <a:r>
+              <a:rPr lang="en-US" altLang="zh-CN" sz="2500" dirty="0" err="1">
+                <a:latin typeface="Arial" pitchFamily="-109" charset="0"/>
+                <a:ea typeface="ＭＳ Ｐゴシック" pitchFamily="-109" charset="-128"/>
+                <a:cs typeface="ＭＳ Ｐゴシック" pitchFamily="-109" charset="-128"/>
+              </a:rPr>
+              <a:t>Emp</a:t>
+            </a:r>
+            <a:r>
+              <a:rPr lang="en-US" altLang="zh-CN" sz="2500" dirty="0">
+                <a:latin typeface="Arial" pitchFamily="-109" charset="0"/>
+                <a:ea typeface="ＭＳ Ｐゴシック" pitchFamily="-109" charset="-128"/>
+                <a:cs typeface="ＭＳ Ｐゴシック" pitchFamily="-109" charset="-128"/>
+              </a:rPr>
+              <a:t>#, S#)</a:t>
+            </a:r>
+          </a:p>
+          <a:p>
+            <a:r>
+              <a:rPr lang="en-US" altLang="zh-CN" dirty="0">
+                <a:latin typeface="Arial" pitchFamily="-109" charset="0"/>
+                <a:ea typeface="ＭＳ Ｐゴシック" pitchFamily="-109" charset="-128"/>
+                <a:cs typeface="ＭＳ Ｐゴシック" pitchFamily="-109" charset="-128"/>
+              </a:rPr>
+              <a:t>However, an employee’s start date is an easily observable or discoverable attribute of an employee. Thus a user in the Clerk role may be able to infer the employee’s name. This would compromise the relationship between employee and salary. </a:t>
+            </a:r>
+          </a:p>
+          <a:p>
+            <a:r>
+              <a:rPr lang="en-US" altLang="zh-CN" dirty="0">
+                <a:latin typeface="Arial" pitchFamily="-109" charset="0"/>
+                <a:ea typeface="ＭＳ Ｐゴシック" pitchFamily="-109" charset="-128"/>
+                <a:cs typeface="ＭＳ Ｐゴシック" pitchFamily="-109" charset="-128"/>
+              </a:rPr>
+              <a:t>A straightforward way to remove the inference channel is to add the start-date column to the Employees table instead of the Salaries table.</a:t>
+            </a:r>
+          </a:p>
+          <a:p>
+            <a:endParaRPr lang="en-US" altLang="zh-CN" dirty="0">
+              <a:latin typeface="Arial" pitchFamily="-109" charset="0"/>
+              <a:ea typeface="ＭＳ Ｐゴシック" pitchFamily="-109" charset="-128"/>
+              <a:cs typeface="ＭＳ Ｐゴシック" pitchFamily="-109" charset="-128"/>
+            </a:endParaRPr>
+          </a:p>
+          <a:p>
+            <a:endParaRPr lang="zh-CN" altLang="en-US" dirty="0"/>
+          </a:p>
+        </p:txBody>
+      </p:sp>
+      <p:sp>
+        <p:nvSpPr>
+          <p:cNvPr id="4" name="灯片编号占位符 3"/>
+          <p:cNvSpPr>
+            <a:spLocks noGrp="1"/>
+          </p:cNvSpPr>
+          <p:nvPr>
+            <p:ph type="sldNum" sz="quarter" idx="12"/>
+          </p:nvPr>
+        </p:nvSpPr>
+        <p:spPr/>
+        <p:txBody>
+          <a:bodyPr/>
+          <a:lstStyle/>
+          <a:p>
+            <a:fld id="{5F36C9FC-DA22-1F47-8722-58727A1D436E}" type="slidenum">
+              <a:rPr lang="en-US" smtClean="0">
+                <a:solidFill>
+                  <a:prstClr val="white">
+                    <a:lumMod val="65000"/>
+                    <a:lumOff val="35000"/>
+                  </a:prstClr>
+                </a:solidFill>
+              </a:rPr>
+              <a:pPr/>
+              <a:t>25</a:t>
+            </a:fld>
+            <a:endParaRPr lang="en-US" dirty="0">
+              <a:solidFill>
+                <a:prstClr val="white">
+                  <a:lumMod val="65000"/>
+                  <a:lumOff val="35000"/>
+                </a:prstClr>
+              </a:solidFill>
+            </a:endParaRPr>
+          </a:p>
+        </p:txBody>
+      </p:sp>
+    </p:spTree>
+    <p:extLst>
+      <p:ext uri="{BB962C8B-B14F-4D97-AF65-F5344CB8AC3E}">
+        <p14:creationId xmlns:p14="http://schemas.microsoft.com/office/powerpoint/2010/main" val="3421265506"/>
+      </p:ext>
+    </p:extLst>
+  </p:cSld>
+  <p:clrMapOvr>
+    <a:masterClrMapping/>
+  </p:clrMapOvr>
+  <p:transition spd="slow"/>
+</p:sld>
+</file>
+
+<file path=ppt/slides/slide26.xml><?xml version="1.0" encoding="utf-8"?>
+<p:sld xmlns:a="http://schemas.openxmlformats.org/drawingml/2006/main" xmlns:r="http://schemas.openxmlformats.org/officeDocument/2006/relationships" xmlns:p="http://schemas.openxmlformats.org/presentationml/2006/main">
+  <p:cSld>
+    <p:spTree>
+      <p:nvGrpSpPr>
+        <p:cNvPr id="1" name=""/>
+        <p:cNvGrpSpPr/>
+        <p:nvPr/>
+      </p:nvGrpSpPr>
+      <p:grpSpPr>
+        <a:xfrm>
+          <a:off x="0" y="0"/>
+          <a:ext cx="0" cy="0"/>
+          <a:chOff x="0" y="0"/>
+          <a:chExt cx="0" cy="0"/>
+        </a:xfrm>
+      </p:grpSpPr>
+      <p:sp>
+        <p:nvSpPr>
+          <p:cNvPr id="2" name="标题 1"/>
+          <p:cNvSpPr>
+            <a:spLocks noGrp="1"/>
+          </p:cNvSpPr>
+          <p:nvPr>
+            <p:ph type="title"/>
+          </p:nvPr>
+        </p:nvSpPr>
+        <p:spPr/>
+        <p:txBody>
+          <a:bodyPr/>
+          <a:lstStyle/>
+          <a:p>
+            <a:r>
+              <a:rPr lang="en-US" altLang="zh-CN" dirty="0"/>
               <a:t>Inference Detection</a:t>
             </a:r>
             <a:endParaRPr lang="zh-CN" altLang="en-US" dirty="0"/>
@@ -35204,7 +35345,7 @@
                 </a:solidFill>
               </a:rPr>
               <a:pPr/>
-              <a:t>25</a:t>
+              <a:t>26</a:t>
             </a:fld>
             <a:endParaRPr lang="en-US" dirty="0">
               <a:solidFill>
@@ -35231,7 +35372,7 @@
 </p:sld>
 </file>
 
-<file path=ppt/slides/slide26.xml><?xml version="1.0" encoding="utf-8"?>
+<file path=ppt/slides/slide27.xml><?xml version="1.0" encoding="utf-8"?>
 <p:sld xmlns:a="http://schemas.openxmlformats.org/drawingml/2006/main" xmlns:r="http://schemas.openxmlformats.org/officeDocument/2006/relationships" xmlns:p="http://schemas.openxmlformats.org/presentationml/2006/main">
   <p:cSld>
     <p:spTree>
@@ -35373,7 +35514,7 @@
               <a:pPr>
                 <a:defRPr/>
               </a:pPr>
-              <a:t>26</a:t>
+              <a:t>27</a:t>
             </a:fld>
             <a:endParaRPr lang="en-US" altLang="zh-CN" dirty="0"/>
           </a:p>
@@ -35392,7 +35533,7 @@
 </p:sld>
 </file>
 
-<file path=ppt/slides/slide27.xml><?xml version="1.0" encoding="utf-8"?>
+<file path=ppt/slides/slide28.xml><?xml version="1.0" encoding="utf-8"?>
 <p:sld xmlns:a="http://schemas.openxmlformats.org/drawingml/2006/main" xmlns:r="http://schemas.openxmlformats.org/officeDocument/2006/relationships" xmlns:p="http://schemas.openxmlformats.org/presentationml/2006/main">
   <p:cSld>
     <p:spTree>
@@ -35548,7 +35689,7 @@
               <a:pPr>
                 <a:defRPr/>
               </a:pPr>
-              <a:t>27</a:t>
+              <a:t>28</a:t>
             </a:fld>
             <a:endParaRPr lang="en-US" altLang="zh-CN" dirty="0"/>
           </a:p>
@@ -35567,7 +35708,7 @@
 </p:sld>
 </file>
 
-<file path=ppt/slides/slide28.xml><?xml version="1.0" encoding="utf-8"?>
+<file path=ppt/slides/slide29.xml><?xml version="1.0" encoding="utf-8"?>
 <p:sld xmlns:a="http://schemas.openxmlformats.org/drawingml/2006/main" xmlns:r="http://schemas.openxmlformats.org/officeDocument/2006/relationships" xmlns:p="http://schemas.openxmlformats.org/presentationml/2006/main">
   <p:cSld>
     <p:spTree>
@@ -35710,7 +35851,7 @@
                 </a:solidFill>
               </a:rPr>
               <a:pPr/>
-              <a:t>28</a:t>
+              <a:t>29</a:t>
             </a:fld>
             <a:endParaRPr lang="en-US" dirty="0">
               <a:solidFill>
@@ -35764,7 +35905,152 @@
 </p:sld>
 </file>
 
-<file path=ppt/slides/slide29.xml><?xml version="1.0" encoding="utf-8"?>
+<file path=ppt/slides/slide3.xml><?xml version="1.0" encoding="utf-8"?>
+<p:sld xmlns:a="http://schemas.openxmlformats.org/drawingml/2006/main" xmlns:r="http://schemas.openxmlformats.org/officeDocument/2006/relationships" xmlns:p="http://schemas.openxmlformats.org/presentationml/2006/main">
+  <p:cSld>
+    <p:spTree>
+      <p:nvGrpSpPr>
+        <p:cNvPr id="1" name=""/>
+        <p:cNvGrpSpPr/>
+        <p:nvPr/>
+      </p:nvGrpSpPr>
+      <p:grpSpPr>
+        <a:xfrm>
+          <a:off x="0" y="0"/>
+          <a:ext cx="0" cy="0"/>
+          <a:chOff x="0" y="0"/>
+          <a:chExt cx="0" cy="0"/>
+        </a:xfrm>
+      </p:grpSpPr>
+      <p:sp>
+        <p:nvSpPr>
+          <p:cNvPr id="2" name="Title 1">
+            <a:extLst>
+              <a:ext uri="{FF2B5EF4-FFF2-40B4-BE49-F238E27FC236}">
+                <a16:creationId xmlns:a16="http://schemas.microsoft.com/office/drawing/2014/main" id="{3D65BA48-AE78-48E5-B642-F79141717956}"/>
+              </a:ext>
+            </a:extLst>
+          </p:cNvPr>
+          <p:cNvSpPr>
+            <a:spLocks noGrp="1"/>
+          </p:cNvSpPr>
+          <p:nvPr>
+            <p:ph type="title"/>
+          </p:nvPr>
+        </p:nvSpPr>
+        <p:spPr/>
+        <p:txBody>
+          <a:bodyPr/>
+          <a:lstStyle/>
+          <a:p>
+            <a:endParaRPr lang="en-SE"/>
+          </a:p>
+        </p:txBody>
+      </p:sp>
+      <p:sp>
+        <p:nvSpPr>
+          <p:cNvPr id="3" name="Content Placeholder 2">
+            <a:extLst>
+              <a:ext uri="{FF2B5EF4-FFF2-40B4-BE49-F238E27FC236}">
+                <a16:creationId xmlns:a16="http://schemas.microsoft.com/office/drawing/2014/main" id="{C6009A45-1597-4956-9ADF-42DC166113FA}"/>
+              </a:ext>
+            </a:extLst>
+          </p:cNvPr>
+          <p:cNvSpPr>
+            <a:spLocks noGrp="1"/>
+          </p:cNvSpPr>
+          <p:nvPr>
+            <p:ph idx="1"/>
+          </p:nvPr>
+        </p:nvSpPr>
+        <p:spPr/>
+        <p:txBody>
+          <a:bodyPr/>
+          <a:lstStyle/>
+          <a:p>
+            <a:endParaRPr lang="en-SE"/>
+          </a:p>
+        </p:txBody>
+      </p:sp>
+      <p:sp>
+        <p:nvSpPr>
+          <p:cNvPr id="4" name="Slide Number Placeholder 3">
+            <a:extLst>
+              <a:ext uri="{FF2B5EF4-FFF2-40B4-BE49-F238E27FC236}">
+                <a16:creationId xmlns:a16="http://schemas.microsoft.com/office/drawing/2014/main" id="{6E91C309-2B58-49BB-9AA5-C8A7E0A51184}"/>
+              </a:ext>
+            </a:extLst>
+          </p:cNvPr>
+          <p:cNvSpPr>
+            <a:spLocks noGrp="1"/>
+          </p:cNvSpPr>
+          <p:nvPr>
+            <p:ph type="sldNum" sz="quarter" idx="12"/>
+          </p:nvPr>
+        </p:nvSpPr>
+        <p:spPr/>
+        <p:txBody>
+          <a:bodyPr/>
+          <a:lstStyle/>
+          <a:p>
+            <a:pPr>
+              <a:defRPr/>
+            </a:pPr>
+            <a:fld id="{F57F456A-00AF-44E6-8D70-638C0D0130FF}" type="slidenum">
+              <a:rPr lang="en-US" altLang="zh-CN" smtClean="0"/>
+              <a:pPr>
+                <a:defRPr/>
+              </a:pPr>
+              <a:t>3</a:t>
+            </a:fld>
+            <a:endParaRPr lang="en-US" altLang="zh-CN" dirty="0"/>
+          </a:p>
+        </p:txBody>
+      </p:sp>
+      <p:pic>
+        <p:nvPicPr>
+          <p:cNvPr id="5" name="Picture 4">
+            <a:extLst>
+              <a:ext uri="{FF2B5EF4-FFF2-40B4-BE49-F238E27FC236}">
+                <a16:creationId xmlns:a16="http://schemas.microsoft.com/office/drawing/2014/main" id="{9A681CFF-FB4B-4532-AF48-0CC919D3CB00}"/>
+              </a:ext>
+            </a:extLst>
+          </p:cNvPr>
+          <p:cNvPicPr>
+            <a:picLocks noChangeAspect="1"/>
+          </p:cNvPicPr>
+          <p:nvPr/>
+        </p:nvPicPr>
+        <p:blipFill>
+          <a:blip r:embed="rId2"/>
+          <a:stretch>
+            <a:fillRect/>
+          </a:stretch>
+        </p:blipFill>
+        <p:spPr>
+          <a:xfrm>
+            <a:off x="2339752" y="1170596"/>
+            <a:ext cx="5391902" cy="5372850"/>
+          </a:xfrm>
+          <a:prstGeom prst="rect">
+            <a:avLst/>
+          </a:prstGeom>
+        </p:spPr>
+      </p:pic>
+    </p:spTree>
+    <p:extLst>
+      <p:ext uri="{BB962C8B-B14F-4D97-AF65-F5344CB8AC3E}">
+        <p14:creationId xmlns:p14="http://schemas.microsoft.com/office/powerpoint/2010/main" val="2762345875"/>
+      </p:ext>
+    </p:extLst>
+  </p:cSld>
+  <p:clrMapOvr>
+    <a:masterClrMapping/>
+  </p:clrMapOvr>
+</p:sld>
+</file>
+
+<file path=ppt/slides/slide30.xml><?xml version="1.0" encoding="utf-8"?>
 <p:sld xmlns:a="http://schemas.openxmlformats.org/drawingml/2006/main" xmlns:r="http://schemas.openxmlformats.org/officeDocument/2006/relationships" xmlns:p="http://schemas.openxmlformats.org/presentationml/2006/main">
   <p:cSld>
     <p:spTree>
@@ -35806,8 +36092,8 @@
           </a:p>
         </p:txBody>
       </p:sp>
-      <mc:AlternateContent xmlns:mc="http://schemas.openxmlformats.org/markup-compatibility/2006">
-        <mc:Choice xmlns:a14="http://schemas.microsoft.com/office/drawing/2010/main" Requires="a14">
+      <mc:AlternateContent xmlns:mc="http://schemas.openxmlformats.org/markup-compatibility/2006" xmlns:a14="http://schemas.microsoft.com/office/drawing/2010/main">
+        <mc:Choice Requires="a14">
           <p:sp>
             <p:nvSpPr>
               <p:cNvPr id="3" name="Content Placeholder 2">
@@ -36365,15 +36651,7 @@
                                 <a:ea typeface="ＭＳ Ｐゴシック" pitchFamily="-110" charset="-128"/>
                                 <a:cs typeface="ＭＳ Ｐゴシック" pitchFamily="-110" charset="-128"/>
                               </a:rPr>
-                              <m:t>𝑖</m:t>
-                            </m:r>
-                            <m:r>
-                              <a:rPr lang="en-US" i="1" kern="1200">
-                                <a:latin typeface="Cambria Math" panose="02040503050406030204" pitchFamily="18" charset="0"/>
-                                <a:ea typeface="ＭＳ Ｐゴシック" pitchFamily="-110" charset="-128"/>
-                                <a:cs typeface="ＭＳ Ｐゴシック" pitchFamily="-110" charset="-128"/>
-                              </a:rPr>
-                              <m:t>𝑀</m:t>
+                              <m:t>𝑖𝑀</m:t>
                             </m:r>
                           </m:sub>
                         </m:sSub>
@@ -36630,7 +36908,7 @@
             </p:txBody>
           </p:sp>
         </mc:Choice>
-        <mc:Fallback>
+        <mc:Fallback xmlns="">
           <p:sp>
             <p:nvSpPr>
               <p:cNvPr id="3" name="Content Placeholder 2">
@@ -36703,7 +36981,7 @@
               <a:pPr>
                 <a:defRPr/>
               </a:pPr>
-              <a:t>29</a:t>
+              <a:t>30</a:t>
             </a:fld>
             <a:endParaRPr lang="en-US" altLang="zh-CN" dirty="0"/>
           </a:p>
@@ -36790,152 +37068,7 @@
 </p:sld>
 </file>
 
-<file path=ppt/slides/slide3.xml><?xml version="1.0" encoding="utf-8"?>
-<p:sld xmlns:a="http://schemas.openxmlformats.org/drawingml/2006/main" xmlns:r="http://schemas.openxmlformats.org/officeDocument/2006/relationships" xmlns:p="http://schemas.openxmlformats.org/presentationml/2006/main">
-  <p:cSld>
-    <p:spTree>
-      <p:nvGrpSpPr>
-        <p:cNvPr id="1" name=""/>
-        <p:cNvGrpSpPr/>
-        <p:nvPr/>
-      </p:nvGrpSpPr>
-      <p:grpSpPr>
-        <a:xfrm>
-          <a:off x="0" y="0"/>
-          <a:ext cx="0" cy="0"/>
-          <a:chOff x="0" y="0"/>
-          <a:chExt cx="0" cy="0"/>
-        </a:xfrm>
-      </p:grpSpPr>
-      <p:sp>
-        <p:nvSpPr>
-          <p:cNvPr id="2" name="Title 1">
-            <a:extLst>
-              <a:ext uri="{FF2B5EF4-FFF2-40B4-BE49-F238E27FC236}">
-                <a16:creationId xmlns:a16="http://schemas.microsoft.com/office/drawing/2014/main" id="{3D65BA48-AE78-48E5-B642-F79141717956}"/>
-              </a:ext>
-            </a:extLst>
-          </p:cNvPr>
-          <p:cNvSpPr>
-            <a:spLocks noGrp="1"/>
-          </p:cNvSpPr>
-          <p:nvPr>
-            <p:ph type="title"/>
-          </p:nvPr>
-        </p:nvSpPr>
-        <p:spPr/>
-        <p:txBody>
-          <a:bodyPr/>
-          <a:lstStyle/>
-          <a:p>
-            <a:endParaRPr lang="en-SE"/>
-          </a:p>
-        </p:txBody>
-      </p:sp>
-      <p:sp>
-        <p:nvSpPr>
-          <p:cNvPr id="3" name="Content Placeholder 2">
-            <a:extLst>
-              <a:ext uri="{FF2B5EF4-FFF2-40B4-BE49-F238E27FC236}">
-                <a16:creationId xmlns:a16="http://schemas.microsoft.com/office/drawing/2014/main" id="{C6009A45-1597-4956-9ADF-42DC166113FA}"/>
-              </a:ext>
-            </a:extLst>
-          </p:cNvPr>
-          <p:cNvSpPr>
-            <a:spLocks noGrp="1"/>
-          </p:cNvSpPr>
-          <p:nvPr>
-            <p:ph idx="1"/>
-          </p:nvPr>
-        </p:nvSpPr>
-        <p:spPr/>
-        <p:txBody>
-          <a:bodyPr/>
-          <a:lstStyle/>
-          <a:p>
-            <a:endParaRPr lang="en-SE"/>
-          </a:p>
-        </p:txBody>
-      </p:sp>
-      <p:sp>
-        <p:nvSpPr>
-          <p:cNvPr id="4" name="Slide Number Placeholder 3">
-            <a:extLst>
-              <a:ext uri="{FF2B5EF4-FFF2-40B4-BE49-F238E27FC236}">
-                <a16:creationId xmlns:a16="http://schemas.microsoft.com/office/drawing/2014/main" id="{6E91C309-2B58-49BB-9AA5-C8A7E0A51184}"/>
-              </a:ext>
-            </a:extLst>
-          </p:cNvPr>
-          <p:cNvSpPr>
-            <a:spLocks noGrp="1"/>
-          </p:cNvSpPr>
-          <p:nvPr>
-            <p:ph type="sldNum" sz="quarter" idx="12"/>
-          </p:nvPr>
-        </p:nvSpPr>
-        <p:spPr/>
-        <p:txBody>
-          <a:bodyPr/>
-          <a:lstStyle/>
-          <a:p>
-            <a:pPr>
-              <a:defRPr/>
-            </a:pPr>
-            <a:fld id="{F57F456A-00AF-44E6-8D70-638C0D0130FF}" type="slidenum">
-              <a:rPr lang="en-US" altLang="zh-CN" smtClean="0"/>
-              <a:pPr>
-                <a:defRPr/>
-              </a:pPr>
-              <a:t>3</a:t>
-            </a:fld>
-            <a:endParaRPr lang="en-US" altLang="zh-CN" dirty="0"/>
-          </a:p>
-        </p:txBody>
-      </p:sp>
-      <p:pic>
-        <p:nvPicPr>
-          <p:cNvPr id="5" name="Picture 4">
-            <a:extLst>
-              <a:ext uri="{FF2B5EF4-FFF2-40B4-BE49-F238E27FC236}">
-                <a16:creationId xmlns:a16="http://schemas.microsoft.com/office/drawing/2014/main" id="{9A681CFF-FB4B-4532-AF48-0CC919D3CB00}"/>
-              </a:ext>
-            </a:extLst>
-          </p:cNvPr>
-          <p:cNvPicPr>
-            <a:picLocks noChangeAspect="1"/>
-          </p:cNvPicPr>
-          <p:nvPr/>
-        </p:nvPicPr>
-        <p:blipFill>
-          <a:blip r:embed="rId2"/>
-          <a:stretch>
-            <a:fillRect/>
-          </a:stretch>
-        </p:blipFill>
-        <p:spPr>
-          <a:xfrm>
-            <a:off x="2339752" y="1170596"/>
-            <a:ext cx="5391902" cy="5372850"/>
-          </a:xfrm>
-          <a:prstGeom prst="rect">
-            <a:avLst/>
-          </a:prstGeom>
-        </p:spPr>
-      </p:pic>
-    </p:spTree>
-    <p:extLst>
-      <p:ext uri="{BB962C8B-B14F-4D97-AF65-F5344CB8AC3E}">
-        <p14:creationId xmlns:p14="http://schemas.microsoft.com/office/powerpoint/2010/main" val="2762345875"/>
-      </p:ext>
-    </p:extLst>
-  </p:cSld>
-  <p:clrMapOvr>
-    <a:masterClrMapping/>
-  </p:clrMapOvr>
-</p:sld>
-</file>
-
-<file path=ppt/slides/slide30.xml><?xml version="1.0" encoding="utf-8"?>
+<file path=ppt/slides/slide31.xml><?xml version="1.0" encoding="utf-8"?>
 <p:sld xmlns:a="http://schemas.openxmlformats.org/drawingml/2006/main" xmlns:r="http://schemas.openxmlformats.org/officeDocument/2006/relationships" xmlns:p="http://schemas.openxmlformats.org/presentationml/2006/main">
   <p:cSld>
     <p:spTree>
@@ -37031,7 +37164,7 @@
               <a:pPr>
                 <a:defRPr/>
               </a:pPr>
-              <a:t>30</a:t>
+              <a:t>31</a:t>
             </a:fld>
             <a:endParaRPr lang="en-US" altLang="zh-CN" dirty="0"/>
           </a:p>
@@ -37080,7 +37213,7 @@
 </p:sld>
 </file>
 
-<file path=ppt/slides/slide31.xml><?xml version="1.0" encoding="utf-8"?>
+<file path=ppt/slides/slide32.xml><?xml version="1.0" encoding="utf-8"?>
 <p:sld xmlns:a="http://schemas.openxmlformats.org/drawingml/2006/main" xmlns:r="http://schemas.openxmlformats.org/officeDocument/2006/relationships" xmlns:p="http://schemas.openxmlformats.org/presentationml/2006/main">
   <p:cSld>
     <p:spTree>
@@ -37303,7 +37436,7 @@
               <a:pPr>
                 <a:defRPr/>
               </a:pPr>
-              <a:t>31</a:t>
+              <a:t>32</a:t>
             </a:fld>
             <a:endParaRPr lang="en-US" altLang="zh-CN" dirty="0"/>
           </a:p>
@@ -37322,7 +37455,7 @@
 </p:sld>
 </file>
 
-<file path=ppt/slides/slide32.xml><?xml version="1.0" encoding="utf-8"?>
+<file path=ppt/slides/slide33.xml><?xml version="1.0" encoding="utf-8"?>
 <p:sld xmlns:a="http://schemas.openxmlformats.org/drawingml/2006/main" xmlns:r="http://schemas.openxmlformats.org/officeDocument/2006/relationships" xmlns:p="http://schemas.openxmlformats.org/presentationml/2006/main">
   <p:cSld>
     <p:spTree>
@@ -37502,7 +37635,7 @@
 </p:sld>
 </file>
 
-<file path=ppt/slides/slide33.xml><?xml version="1.0" encoding="utf-8"?>
+<file path=ppt/slides/slide34.xml><?xml version="1.0" encoding="utf-8"?>
 <p:sld xmlns:a="http://schemas.openxmlformats.org/drawingml/2006/main" xmlns:r="http://schemas.openxmlformats.org/officeDocument/2006/relationships" xmlns:p="http://schemas.openxmlformats.org/presentationml/2006/main">
   <p:cSld>
     <p:spTree>
@@ -37618,7 +37751,7 @@
 </p:sld>
 </file>
 
-<file path=ppt/slides/slide34.xml><?xml version="1.0" encoding="utf-8"?>
+<file path=ppt/slides/slide35.xml><?xml version="1.0" encoding="utf-8"?>
 <p:sld xmlns:a="http://schemas.openxmlformats.org/drawingml/2006/main" xmlns:r="http://schemas.openxmlformats.org/officeDocument/2006/relationships" xmlns:p="http://schemas.openxmlformats.org/presentationml/2006/main">
   <p:cSld>
     <p:spTree>
@@ -37749,7 +37882,7 @@
 </p:sld>
 </file>
 
-<file path=ppt/slides/slide35.xml><?xml version="1.0" encoding="utf-8"?>
+<file path=ppt/slides/slide36.xml><?xml version="1.0" encoding="utf-8"?>
 <p:sld xmlns:a="http://schemas.openxmlformats.org/drawingml/2006/main" xmlns:r="http://schemas.openxmlformats.org/officeDocument/2006/relationships" xmlns:p="http://schemas.openxmlformats.org/presentationml/2006/main">
   <p:cSld>
     <p:spTree>
@@ -37903,7 +38036,7 @@
               <a:pPr>
                 <a:defRPr/>
               </a:pPr>
-              <a:t>35</a:t>
+              <a:t>36</a:t>
             </a:fld>
             <a:endParaRPr lang="en-US" altLang="zh-CN" dirty="0"/>
           </a:p>
@@ -37952,7 +38085,7 @@
 </p:sld>
 </file>
 
-<file path=ppt/slides/slide36.xml><?xml version="1.0" encoding="utf-8"?>
+<file path=ppt/slides/slide37.xml><?xml version="1.0" encoding="utf-8"?>
 <p:sld xmlns:a="http://schemas.openxmlformats.org/drawingml/2006/main" xmlns:r="http://schemas.openxmlformats.org/officeDocument/2006/relationships" xmlns:p="http://schemas.openxmlformats.org/presentationml/2006/main">
   <p:cSld>
     <p:spTree>
@@ -38134,7 +38267,7 @@
               <a:pPr>
                 <a:defRPr/>
               </a:pPr>
-              <a:t>36</a:t>
+              <a:t>37</a:t>
             </a:fld>
             <a:endParaRPr lang="en-US" altLang="zh-CN" dirty="0"/>
           </a:p>
@@ -38153,7 +38286,7 @@
 </p:sld>
 </file>
 
-<file path=ppt/slides/slide37.xml><?xml version="1.0" encoding="utf-8"?>
+<file path=ppt/slides/slide38.xml><?xml version="1.0" encoding="utf-8"?>
 <p:sld xmlns:a="http://schemas.openxmlformats.org/drawingml/2006/main" xmlns:r="http://schemas.openxmlformats.org/officeDocument/2006/relationships" xmlns:p="http://schemas.openxmlformats.org/presentationml/2006/main">
   <p:cSld>
     <p:spTree>
@@ -40642,7 +40775,7 @@
 </p:sld>
 </file>
 
-<file path=ppt/slides/slide38.xml><?xml version="1.0" encoding="utf-8"?>
+<file path=ppt/slides/slide39.xml><?xml version="1.0" encoding="utf-8"?>
 <p:sld xmlns:a="http://schemas.openxmlformats.org/drawingml/2006/main" xmlns:r="http://schemas.openxmlformats.org/officeDocument/2006/relationships" xmlns:p="http://schemas.openxmlformats.org/presentationml/2006/main">
   <p:cSld>
     <p:spTree>
@@ -40767,185 +40900,6 @@
     <p:extLst>
       <p:ext uri="{BB962C8B-B14F-4D97-AF65-F5344CB8AC3E}">
         <p14:creationId xmlns:p14="http://schemas.microsoft.com/office/powerpoint/2010/main" val="2089256777"/>
-      </p:ext>
-    </p:extLst>
-  </p:cSld>
-  <p:clrMapOvr>
-    <a:masterClrMapping/>
-  </p:clrMapOvr>
-</p:sld>
-</file>
-
-<file path=ppt/slides/slide39.xml><?xml version="1.0" encoding="utf-8"?>
-<p:sld xmlns:a="http://schemas.openxmlformats.org/drawingml/2006/main" xmlns:r="http://schemas.openxmlformats.org/officeDocument/2006/relationships" xmlns:p="http://schemas.openxmlformats.org/presentationml/2006/main">
-  <p:cSld>
-    <p:spTree>
-      <p:nvGrpSpPr>
-        <p:cNvPr id="1" name=""/>
-        <p:cNvGrpSpPr/>
-        <p:nvPr/>
-      </p:nvGrpSpPr>
-      <p:grpSpPr>
-        <a:xfrm>
-          <a:off x="0" y="0"/>
-          <a:ext cx="0" cy="0"/>
-          <a:chOff x="0" y="0"/>
-          <a:chExt cx="0" cy="0"/>
-        </a:xfrm>
-      </p:grpSpPr>
-      <p:sp>
-        <p:nvSpPr>
-          <p:cNvPr id="5" name="Title 4">
-            <a:extLst>
-              <a:ext uri="{FF2B5EF4-FFF2-40B4-BE49-F238E27FC236}">
-                <a16:creationId xmlns:a16="http://schemas.microsoft.com/office/drawing/2014/main" id="{1E4FAF87-8D82-4D07-B3D1-0906EE7BA5E0}"/>
-              </a:ext>
-            </a:extLst>
-          </p:cNvPr>
-          <p:cNvSpPr>
-            <a:spLocks noGrp="1"/>
-          </p:cNvSpPr>
-          <p:nvPr>
-            <p:ph type="title"/>
-          </p:nvPr>
-        </p:nvSpPr>
-        <p:spPr/>
-        <p:txBody>
-          <a:bodyPr/>
-          <a:lstStyle/>
-          <a:p>
-            <a:r>
-              <a:rPr lang="en-US" dirty="0"/>
-              <a:t>Actors in the Ref Architecture</a:t>
-            </a:r>
-            <a:endParaRPr lang="en-SE" dirty="0"/>
-          </a:p>
-        </p:txBody>
-      </p:sp>
-      <p:sp>
-        <p:nvSpPr>
-          <p:cNvPr id="6" name="Content Placeholder 5">
-            <a:extLst>
-              <a:ext uri="{FF2B5EF4-FFF2-40B4-BE49-F238E27FC236}">
-                <a16:creationId xmlns:a16="http://schemas.microsoft.com/office/drawing/2014/main" id="{63B60065-6343-470F-A141-DDECBE70F3A7}"/>
-              </a:ext>
-            </a:extLst>
-          </p:cNvPr>
-          <p:cNvSpPr>
-            <a:spLocks noGrp="1"/>
-          </p:cNvSpPr>
-          <p:nvPr>
-            <p:ph idx="1"/>
-          </p:nvPr>
-        </p:nvSpPr>
-        <p:spPr>
-          <a:xfrm>
-            <a:off x="353130" y="1069847"/>
-            <a:ext cx="8568952" cy="2664295"/>
-          </a:xfrm>
-        </p:spPr>
-        <p:txBody>
-          <a:bodyPr>
-            <a:normAutofit fontScale="47500" lnSpcReduction="20000"/>
-          </a:bodyPr>
-          <a:lstStyle/>
-          <a:p>
-            <a:r>
-              <a:rPr lang="en-US" kern="1200" dirty="0"/>
-              <a:t>Five major actors in terms of the roles and responsibilities:</a:t>
-            </a:r>
-          </a:p>
-          <a:p>
-            <a:pPr lvl="1"/>
-            <a:r>
-              <a:rPr lang="en-US" b="1" kern="1200" dirty="0"/>
-              <a:t>Cloud service consumer</a:t>
-            </a:r>
-            <a:r>
-              <a:rPr lang="en-US" kern="1200" dirty="0"/>
-              <a:t> (CSC):  A person or organization that maintains a business relationship with, and uses service from, cloud providers.</a:t>
-            </a:r>
-          </a:p>
-          <a:p>
-            <a:pPr lvl="1"/>
-            <a:r>
-              <a:rPr lang="en-US" b="1" kern="1200" dirty="0"/>
-              <a:t>Cloud service provider </a:t>
-            </a:r>
-            <a:r>
-              <a:rPr lang="en-US" kern="1200" dirty="0"/>
-              <a:t>(CSP):  A person, organization, or entity responsible for making a service available to interested parties.</a:t>
-            </a:r>
-          </a:p>
-          <a:p>
-            <a:pPr lvl="1"/>
-            <a:r>
-              <a:rPr lang="en-US" b="1" kern="1200" dirty="0"/>
-              <a:t>Cloud auditor</a:t>
-            </a:r>
-            <a:r>
-              <a:rPr lang="en-US" kern="1200" dirty="0"/>
-              <a:t>:  A party that can conduct independent assessment of cloud services, information system operations, performance, and security of the cloud implementation.</a:t>
-            </a:r>
-          </a:p>
-          <a:p>
-            <a:pPr lvl="1"/>
-            <a:r>
-              <a:rPr lang="en-US" b="1" kern="1200" dirty="0"/>
-              <a:t>Cloud broker</a:t>
-            </a:r>
-            <a:r>
-              <a:rPr lang="en-US" kern="1200" dirty="0"/>
-              <a:t>:  An entity that manages the use, performance, and delivery of cloud services, and negotiates relationships between CSPs and cloud consumers.</a:t>
-            </a:r>
-          </a:p>
-          <a:p>
-            <a:pPr lvl="1"/>
-            <a:r>
-              <a:rPr lang="en-US" b="1" kern="1200" dirty="0"/>
-              <a:t>Cloud carrier:</a:t>
-            </a:r>
-            <a:r>
-              <a:rPr lang="en-US" kern="1200" dirty="0"/>
-              <a:t>  An intermediary that provides connectivity and transport of cloud services from CSPs to cloud consumers.</a:t>
-            </a:r>
-          </a:p>
-        </p:txBody>
-      </p:sp>
-      <p:pic>
-        <p:nvPicPr>
-          <p:cNvPr id="3" name="Picture 2">
-            <a:extLst>
-              <a:ext uri="{FF2B5EF4-FFF2-40B4-BE49-F238E27FC236}">
-                <a16:creationId xmlns:a16="http://schemas.microsoft.com/office/drawing/2014/main" id="{FBDDE70D-A0BC-4FB0-8623-856442BCFBAA}"/>
-              </a:ext>
-            </a:extLst>
-          </p:cNvPr>
-          <p:cNvPicPr>
-            <a:picLocks noChangeAspect="1"/>
-          </p:cNvPicPr>
-          <p:nvPr/>
-        </p:nvPicPr>
-        <p:blipFill>
-          <a:blip r:embed="rId3"/>
-          <a:stretch>
-            <a:fillRect/>
-          </a:stretch>
-        </p:blipFill>
-        <p:spPr>
-          <a:xfrm>
-            <a:off x="1695048" y="3455201"/>
-            <a:ext cx="5753903" cy="3362794"/>
-          </a:xfrm>
-          <a:prstGeom prst="rect">
-            <a:avLst/>
-          </a:prstGeom>
-        </p:spPr>
-      </p:pic>
-    </p:spTree>
-    <p:extLst>
-      <p:ext uri="{BB962C8B-B14F-4D97-AF65-F5344CB8AC3E}">
-        <p14:creationId xmlns:p14="http://schemas.microsoft.com/office/powerpoint/2010/main" val="525719244"/>
       </p:ext>
     </p:extLst>
   </p:cSld>
@@ -41128,6 +41082,185 @@
 </file>
 
 <file path=ppt/slides/slide40.xml><?xml version="1.0" encoding="utf-8"?>
+<p:sld xmlns:a="http://schemas.openxmlformats.org/drawingml/2006/main" xmlns:r="http://schemas.openxmlformats.org/officeDocument/2006/relationships" xmlns:p="http://schemas.openxmlformats.org/presentationml/2006/main">
+  <p:cSld>
+    <p:spTree>
+      <p:nvGrpSpPr>
+        <p:cNvPr id="1" name=""/>
+        <p:cNvGrpSpPr/>
+        <p:nvPr/>
+      </p:nvGrpSpPr>
+      <p:grpSpPr>
+        <a:xfrm>
+          <a:off x="0" y="0"/>
+          <a:ext cx="0" cy="0"/>
+          <a:chOff x="0" y="0"/>
+          <a:chExt cx="0" cy="0"/>
+        </a:xfrm>
+      </p:grpSpPr>
+      <p:sp>
+        <p:nvSpPr>
+          <p:cNvPr id="5" name="Title 4">
+            <a:extLst>
+              <a:ext uri="{FF2B5EF4-FFF2-40B4-BE49-F238E27FC236}">
+                <a16:creationId xmlns:a16="http://schemas.microsoft.com/office/drawing/2014/main" id="{1E4FAF87-8D82-4D07-B3D1-0906EE7BA5E0}"/>
+              </a:ext>
+            </a:extLst>
+          </p:cNvPr>
+          <p:cNvSpPr>
+            <a:spLocks noGrp="1"/>
+          </p:cNvSpPr>
+          <p:nvPr>
+            <p:ph type="title"/>
+          </p:nvPr>
+        </p:nvSpPr>
+        <p:spPr/>
+        <p:txBody>
+          <a:bodyPr/>
+          <a:lstStyle/>
+          <a:p>
+            <a:r>
+              <a:rPr lang="en-US" dirty="0"/>
+              <a:t>Actors in the Ref Architecture</a:t>
+            </a:r>
+            <a:endParaRPr lang="en-SE" dirty="0"/>
+          </a:p>
+        </p:txBody>
+      </p:sp>
+      <p:sp>
+        <p:nvSpPr>
+          <p:cNvPr id="6" name="Content Placeholder 5">
+            <a:extLst>
+              <a:ext uri="{FF2B5EF4-FFF2-40B4-BE49-F238E27FC236}">
+                <a16:creationId xmlns:a16="http://schemas.microsoft.com/office/drawing/2014/main" id="{63B60065-6343-470F-A141-DDECBE70F3A7}"/>
+              </a:ext>
+            </a:extLst>
+          </p:cNvPr>
+          <p:cNvSpPr>
+            <a:spLocks noGrp="1"/>
+          </p:cNvSpPr>
+          <p:nvPr>
+            <p:ph idx="1"/>
+          </p:nvPr>
+        </p:nvSpPr>
+        <p:spPr>
+          <a:xfrm>
+            <a:off x="353130" y="1069847"/>
+            <a:ext cx="8568952" cy="2664295"/>
+          </a:xfrm>
+        </p:spPr>
+        <p:txBody>
+          <a:bodyPr>
+            <a:normAutofit fontScale="47500" lnSpcReduction="20000"/>
+          </a:bodyPr>
+          <a:lstStyle/>
+          <a:p>
+            <a:r>
+              <a:rPr lang="en-US" kern="1200" dirty="0"/>
+              <a:t>Five major actors in terms of the roles and responsibilities:</a:t>
+            </a:r>
+          </a:p>
+          <a:p>
+            <a:pPr lvl="1"/>
+            <a:r>
+              <a:rPr lang="en-US" b="1" kern="1200" dirty="0"/>
+              <a:t>Cloud service consumer</a:t>
+            </a:r>
+            <a:r>
+              <a:rPr lang="en-US" kern="1200" dirty="0"/>
+              <a:t> (CSC):  A person or organization that maintains a business relationship with, and uses service from, cloud providers.</a:t>
+            </a:r>
+          </a:p>
+          <a:p>
+            <a:pPr lvl="1"/>
+            <a:r>
+              <a:rPr lang="en-US" b="1" kern="1200" dirty="0"/>
+              <a:t>Cloud service provider </a:t>
+            </a:r>
+            <a:r>
+              <a:rPr lang="en-US" kern="1200" dirty="0"/>
+              <a:t>(CSP):  A person, organization, or entity responsible for making a service available to interested parties.</a:t>
+            </a:r>
+          </a:p>
+          <a:p>
+            <a:pPr lvl="1"/>
+            <a:r>
+              <a:rPr lang="en-US" b="1" kern="1200" dirty="0"/>
+              <a:t>Cloud auditor</a:t>
+            </a:r>
+            <a:r>
+              <a:rPr lang="en-US" kern="1200" dirty="0"/>
+              <a:t>:  A party that can conduct independent assessment of cloud services, information system operations, performance, and security of the cloud implementation.</a:t>
+            </a:r>
+          </a:p>
+          <a:p>
+            <a:pPr lvl="1"/>
+            <a:r>
+              <a:rPr lang="en-US" b="1" kern="1200" dirty="0"/>
+              <a:t>Cloud broker</a:t>
+            </a:r>
+            <a:r>
+              <a:rPr lang="en-US" kern="1200" dirty="0"/>
+              <a:t>:  An entity that manages the use, performance, and delivery of cloud services, and negotiates relationships between CSPs and cloud consumers.</a:t>
+            </a:r>
+          </a:p>
+          <a:p>
+            <a:pPr lvl="1"/>
+            <a:r>
+              <a:rPr lang="en-US" b="1" kern="1200" dirty="0"/>
+              <a:t>Cloud carrier:</a:t>
+            </a:r>
+            <a:r>
+              <a:rPr lang="en-US" kern="1200" dirty="0"/>
+              <a:t>  An intermediary that provides connectivity and transport of cloud services from CSPs to cloud consumers.</a:t>
+            </a:r>
+          </a:p>
+        </p:txBody>
+      </p:sp>
+      <p:pic>
+        <p:nvPicPr>
+          <p:cNvPr id="3" name="Picture 2">
+            <a:extLst>
+              <a:ext uri="{FF2B5EF4-FFF2-40B4-BE49-F238E27FC236}">
+                <a16:creationId xmlns:a16="http://schemas.microsoft.com/office/drawing/2014/main" id="{FBDDE70D-A0BC-4FB0-8623-856442BCFBAA}"/>
+              </a:ext>
+            </a:extLst>
+          </p:cNvPr>
+          <p:cNvPicPr>
+            <a:picLocks noChangeAspect="1"/>
+          </p:cNvPicPr>
+          <p:nvPr/>
+        </p:nvPicPr>
+        <p:blipFill>
+          <a:blip r:embed="rId3"/>
+          <a:stretch>
+            <a:fillRect/>
+          </a:stretch>
+        </p:blipFill>
+        <p:spPr>
+          <a:xfrm>
+            <a:off x="1695048" y="3455201"/>
+            <a:ext cx="5753903" cy="3362794"/>
+          </a:xfrm>
+          <a:prstGeom prst="rect">
+            <a:avLst/>
+          </a:prstGeom>
+        </p:spPr>
+      </p:pic>
+    </p:spTree>
+    <p:extLst>
+      <p:ext uri="{BB962C8B-B14F-4D97-AF65-F5344CB8AC3E}">
+        <p14:creationId xmlns:p14="http://schemas.microsoft.com/office/powerpoint/2010/main" val="525719244"/>
+      </p:ext>
+    </p:extLst>
+  </p:cSld>
+  <p:clrMapOvr>
+    <a:masterClrMapping/>
+  </p:clrMapOvr>
+</p:sld>
+</file>
+
+<file path=ppt/slides/slide41.xml><?xml version="1.0" encoding="utf-8"?>
 <p:sld xmlns:a="http://schemas.openxmlformats.org/drawingml/2006/main" xmlns:r="http://schemas.openxmlformats.org/officeDocument/2006/relationships" xmlns:p="http://schemas.openxmlformats.org/presentationml/2006/main">
   <p:cSld>
     <p:spTree>
@@ -41281,285 +41414,6 @@
 </p:sld>
 </file>
 
-<file path=ppt/slides/slide41.xml><?xml version="1.0" encoding="utf-8"?>
-<p:sld xmlns:a="http://schemas.openxmlformats.org/drawingml/2006/main" xmlns:r="http://schemas.openxmlformats.org/officeDocument/2006/relationships" xmlns:p="http://schemas.openxmlformats.org/presentationml/2006/main">
-  <p:cSld>
-    <p:spTree>
-      <p:nvGrpSpPr>
-        <p:cNvPr id="1" name=""/>
-        <p:cNvGrpSpPr/>
-        <p:nvPr/>
-      </p:nvGrpSpPr>
-      <p:grpSpPr>
-        <a:xfrm>
-          <a:off x="0" y="0"/>
-          <a:ext cx="0" cy="0"/>
-          <a:chOff x="0" y="0"/>
-          <a:chExt cx="0" cy="0"/>
-        </a:xfrm>
-      </p:grpSpPr>
-      <p:sp>
-        <p:nvSpPr>
-          <p:cNvPr id="2" name="Title 1"/>
-          <p:cNvSpPr>
-            <a:spLocks noGrp="1"/>
-          </p:cNvSpPr>
-          <p:nvPr>
-            <p:ph type="title"/>
-          </p:nvPr>
-        </p:nvSpPr>
-        <p:spPr/>
-        <p:txBody>
-          <a:bodyPr/>
-          <a:lstStyle/>
-          <a:p>
-            <a:r>
-              <a:rPr lang="en-US" dirty="0">
-                <a:solidFill>
-                  <a:schemeClr val="accent6">
-                    <a:lumMod val="40000"/>
-                    <a:lumOff val="60000"/>
-                  </a:schemeClr>
-                </a:solidFill>
-              </a:rPr>
-              <a:t>Security Issues for Cloud Computing</a:t>
-            </a:r>
-          </a:p>
-        </p:txBody>
-      </p:sp>
-      <p:sp>
-        <p:nvSpPr>
-          <p:cNvPr id="3" name="Content Placeholder 2"/>
-          <p:cNvSpPr>
-            <a:spLocks noGrp="1"/>
-          </p:cNvSpPr>
-          <p:nvPr>
-            <p:ph idx="1"/>
-          </p:nvPr>
-        </p:nvSpPr>
-        <p:spPr/>
-        <p:txBody>
-          <a:bodyPr>
-            <a:normAutofit fontScale="55000" lnSpcReduction="20000"/>
-          </a:bodyPr>
-          <a:lstStyle/>
-          <a:p>
-            <a:pPr>
-              <a:spcAft>
-                <a:spcPts val="1200"/>
-              </a:spcAft>
-              <a:buClr>
-                <a:schemeClr val="accent6">
-                  <a:lumMod val="60000"/>
-                  <a:lumOff val="40000"/>
-                </a:schemeClr>
-              </a:buClr>
-              <a:buSzPct val="140000"/>
-            </a:pPr>
-            <a:r>
-              <a:rPr lang="en-US" dirty="0">
-                <a:latin typeface="+mn-lt"/>
-              </a:rPr>
-              <a:t>Security is a major consideration when augmenting or replacing on-premises systems with cloud services</a:t>
-            </a:r>
-          </a:p>
-          <a:p>
-            <a:pPr>
-              <a:spcAft>
-                <a:spcPts val="1200"/>
-              </a:spcAft>
-              <a:buClr>
-                <a:schemeClr val="accent6">
-                  <a:lumMod val="60000"/>
-                  <a:lumOff val="40000"/>
-                </a:schemeClr>
-              </a:buClr>
-              <a:buSzPct val="140000"/>
-            </a:pPr>
-            <a:r>
-              <a:rPr lang="en-US" dirty="0">
-                <a:latin typeface="+mn-lt"/>
-              </a:rPr>
-              <a:t>Allaying security concerns is frequently a prerequisite for further discussions about migrating part or all of an organization’s computing architecture to the cloud</a:t>
-            </a:r>
-          </a:p>
-          <a:p>
-            <a:pPr>
-              <a:spcAft>
-                <a:spcPts val="1200"/>
-              </a:spcAft>
-              <a:buClr>
-                <a:schemeClr val="accent6">
-                  <a:lumMod val="60000"/>
-                  <a:lumOff val="40000"/>
-                </a:schemeClr>
-              </a:buClr>
-              <a:buSzPct val="140000"/>
-            </a:pPr>
-            <a:r>
-              <a:rPr lang="en-US" dirty="0">
-                <a:latin typeface="+mn-lt"/>
-              </a:rPr>
-              <a:t>Availability is another major concern</a:t>
-            </a:r>
-          </a:p>
-          <a:p>
-            <a:pPr>
-              <a:spcAft>
-                <a:spcPts val="1200"/>
-              </a:spcAft>
-              <a:buClr>
-                <a:schemeClr val="accent6">
-                  <a:lumMod val="60000"/>
-                  <a:lumOff val="40000"/>
-                </a:schemeClr>
-              </a:buClr>
-              <a:buSzPct val="140000"/>
-            </a:pPr>
-            <a:r>
-              <a:rPr lang="en-US" dirty="0">
-                <a:latin typeface="+mn-lt"/>
-              </a:rPr>
-              <a:t>Auditability of data must be ensured</a:t>
-            </a:r>
-          </a:p>
-          <a:p>
-            <a:pPr>
-              <a:buClr>
-                <a:schemeClr val="accent6">
-                  <a:lumMod val="60000"/>
-                  <a:lumOff val="40000"/>
-                </a:schemeClr>
-              </a:buClr>
-              <a:buSzPct val="140000"/>
-            </a:pPr>
-            <a:r>
-              <a:rPr lang="en-US" dirty="0">
-                <a:latin typeface="+mn-lt"/>
-              </a:rPr>
-              <a:t>Businesses should perform due diligence on security threats both from outside and inside the cloud</a:t>
-            </a:r>
-          </a:p>
-          <a:p>
-            <a:pPr lvl="2">
-              <a:buClr>
-                <a:schemeClr val="accent6">
-                  <a:lumMod val="60000"/>
-                  <a:lumOff val="40000"/>
-                </a:schemeClr>
-              </a:buClr>
-              <a:buSzPct val="140000"/>
-            </a:pPr>
-            <a:r>
-              <a:rPr lang="en-US" sz="1900" dirty="0">
-                <a:latin typeface="+mn-lt"/>
-              </a:rPr>
-              <a:t>Cloud users are responsible for application-level security</a:t>
-            </a:r>
-          </a:p>
-          <a:p>
-            <a:pPr lvl="2">
-              <a:buClr>
-                <a:schemeClr val="accent6">
-                  <a:lumMod val="60000"/>
-                  <a:lumOff val="40000"/>
-                </a:schemeClr>
-              </a:buClr>
-              <a:buSzPct val="140000"/>
-            </a:pPr>
-            <a:r>
-              <a:rPr lang="en-US" sz="1900" dirty="0">
-                <a:latin typeface="+mn-lt"/>
-              </a:rPr>
-              <a:t>Cloud vendors are responsible for physical security and some software security</a:t>
-            </a:r>
-          </a:p>
-          <a:p>
-            <a:pPr lvl="2">
-              <a:spcAft>
-                <a:spcPts val="1200"/>
-              </a:spcAft>
-              <a:buClr>
-                <a:schemeClr val="accent6">
-                  <a:lumMod val="60000"/>
-                  <a:lumOff val="40000"/>
-                </a:schemeClr>
-              </a:buClr>
-              <a:buSzPct val="140000"/>
-            </a:pPr>
-            <a:r>
-              <a:rPr lang="en-US" sz="1900" dirty="0">
-                <a:latin typeface="+mn-lt"/>
-              </a:rPr>
-              <a:t>Security for intermediate layers of the software stack is shared between users and vendors</a:t>
-            </a:r>
-          </a:p>
-          <a:p>
-            <a:pPr>
-              <a:spcAft>
-                <a:spcPts val="1200"/>
-              </a:spcAft>
-              <a:buClr>
-                <a:schemeClr val="accent6">
-                  <a:lumMod val="60000"/>
-                  <a:lumOff val="40000"/>
-                </a:schemeClr>
-              </a:buClr>
-              <a:buSzPct val="140000"/>
-            </a:pPr>
-            <a:r>
-              <a:rPr lang="en-US" dirty="0">
-                <a:latin typeface="+mn-lt"/>
-              </a:rPr>
-              <a:t>Cloud providers must guard against theft or denial-of-service attacks by their users and users need to be protected from one another</a:t>
-            </a:r>
-          </a:p>
-          <a:p>
-            <a:pPr>
-              <a:buClr>
-                <a:schemeClr val="accent6">
-                  <a:lumMod val="60000"/>
-                  <a:lumOff val="40000"/>
-                </a:schemeClr>
-              </a:buClr>
-              <a:buSzPct val="140000"/>
-            </a:pPr>
-            <a:r>
-              <a:rPr lang="en-US" dirty="0">
-                <a:latin typeface="+mn-lt"/>
-              </a:rPr>
-              <a:t>Businesses should consider the extent to which subscribers are protected against the provider, especially in the area of inadvertent data loss</a:t>
-            </a:r>
-          </a:p>
-          <a:p>
-            <a:pPr>
-              <a:buClr>
-                <a:schemeClr val="accent6">
-                  <a:lumMod val="60000"/>
-                  <a:lumOff val="40000"/>
-                </a:schemeClr>
-              </a:buClr>
-              <a:buSzPct val="140000"/>
-            </a:pPr>
-            <a:endParaRPr lang="en-US" dirty="0">
-              <a:latin typeface="+mn-lt"/>
-            </a:endParaRPr>
-          </a:p>
-        </p:txBody>
-      </p:sp>
-    </p:spTree>
-    <p:extLst>
-      <p:ext uri="{BB962C8B-B14F-4D97-AF65-F5344CB8AC3E}">
-        <p14:creationId xmlns:p14="http://schemas.microsoft.com/office/powerpoint/2010/main" val="1042304758"/>
-      </p:ext>
-    </p:extLst>
-  </p:cSld>
-  <p:clrMapOvr>
-    <a:masterClrMapping/>
-  </p:clrMapOvr>
-</p:sld>
-</file>
-
 <file path=ppt/slides/slide42.xml><?xml version="1.0" encoding="utf-8"?>
 <p:sld xmlns:a="http://schemas.openxmlformats.org/drawingml/2006/main" xmlns:r="http://schemas.openxmlformats.org/officeDocument/2006/relationships" xmlns:p="http://schemas.openxmlformats.org/presentationml/2006/main">
   <p:cSld>
@@ -41601,6 +41455,285 @@
                   </a:schemeClr>
                 </a:solidFill>
               </a:rPr>
+              <a:t>Security Issues for Cloud Computing</a:t>
+            </a:r>
+          </a:p>
+        </p:txBody>
+      </p:sp>
+      <p:sp>
+        <p:nvSpPr>
+          <p:cNvPr id="3" name="Content Placeholder 2"/>
+          <p:cNvSpPr>
+            <a:spLocks noGrp="1"/>
+          </p:cNvSpPr>
+          <p:nvPr>
+            <p:ph idx="1"/>
+          </p:nvPr>
+        </p:nvSpPr>
+        <p:spPr/>
+        <p:txBody>
+          <a:bodyPr>
+            <a:normAutofit fontScale="55000" lnSpcReduction="20000"/>
+          </a:bodyPr>
+          <a:lstStyle/>
+          <a:p>
+            <a:pPr>
+              <a:spcAft>
+                <a:spcPts val="1200"/>
+              </a:spcAft>
+              <a:buClr>
+                <a:schemeClr val="accent6">
+                  <a:lumMod val="60000"/>
+                  <a:lumOff val="40000"/>
+                </a:schemeClr>
+              </a:buClr>
+              <a:buSzPct val="140000"/>
+            </a:pPr>
+            <a:r>
+              <a:rPr lang="en-US" dirty="0">
+                <a:latin typeface="+mn-lt"/>
+              </a:rPr>
+              <a:t>Security is a major consideration when augmenting or replacing on-premises systems with cloud services</a:t>
+            </a:r>
+          </a:p>
+          <a:p>
+            <a:pPr>
+              <a:spcAft>
+                <a:spcPts val="1200"/>
+              </a:spcAft>
+              <a:buClr>
+                <a:schemeClr val="accent6">
+                  <a:lumMod val="60000"/>
+                  <a:lumOff val="40000"/>
+                </a:schemeClr>
+              </a:buClr>
+              <a:buSzPct val="140000"/>
+            </a:pPr>
+            <a:r>
+              <a:rPr lang="en-US" dirty="0">
+                <a:latin typeface="+mn-lt"/>
+              </a:rPr>
+              <a:t>Allaying security concerns is frequently a prerequisite for further discussions about migrating part or all of an organization’s computing architecture to the cloud</a:t>
+            </a:r>
+          </a:p>
+          <a:p>
+            <a:pPr>
+              <a:spcAft>
+                <a:spcPts val="1200"/>
+              </a:spcAft>
+              <a:buClr>
+                <a:schemeClr val="accent6">
+                  <a:lumMod val="60000"/>
+                  <a:lumOff val="40000"/>
+                </a:schemeClr>
+              </a:buClr>
+              <a:buSzPct val="140000"/>
+            </a:pPr>
+            <a:r>
+              <a:rPr lang="en-US" dirty="0">
+                <a:latin typeface="+mn-lt"/>
+              </a:rPr>
+              <a:t>Availability is another major concern</a:t>
+            </a:r>
+          </a:p>
+          <a:p>
+            <a:pPr>
+              <a:spcAft>
+                <a:spcPts val="1200"/>
+              </a:spcAft>
+              <a:buClr>
+                <a:schemeClr val="accent6">
+                  <a:lumMod val="60000"/>
+                  <a:lumOff val="40000"/>
+                </a:schemeClr>
+              </a:buClr>
+              <a:buSzPct val="140000"/>
+            </a:pPr>
+            <a:r>
+              <a:rPr lang="en-US" dirty="0">
+                <a:latin typeface="+mn-lt"/>
+              </a:rPr>
+              <a:t>Auditability of data must be ensured</a:t>
+            </a:r>
+          </a:p>
+          <a:p>
+            <a:pPr>
+              <a:buClr>
+                <a:schemeClr val="accent6">
+                  <a:lumMod val="60000"/>
+                  <a:lumOff val="40000"/>
+                </a:schemeClr>
+              </a:buClr>
+              <a:buSzPct val="140000"/>
+            </a:pPr>
+            <a:r>
+              <a:rPr lang="en-US" dirty="0">
+                <a:latin typeface="+mn-lt"/>
+              </a:rPr>
+              <a:t>Businesses should perform due diligence on security threats both from outside and inside the cloud</a:t>
+            </a:r>
+          </a:p>
+          <a:p>
+            <a:pPr lvl="2">
+              <a:buClr>
+                <a:schemeClr val="accent6">
+                  <a:lumMod val="60000"/>
+                  <a:lumOff val="40000"/>
+                </a:schemeClr>
+              </a:buClr>
+              <a:buSzPct val="140000"/>
+            </a:pPr>
+            <a:r>
+              <a:rPr lang="en-US" sz="1900" dirty="0">
+                <a:latin typeface="+mn-lt"/>
+              </a:rPr>
+              <a:t>Cloud users are responsible for application-level security</a:t>
+            </a:r>
+          </a:p>
+          <a:p>
+            <a:pPr lvl="2">
+              <a:buClr>
+                <a:schemeClr val="accent6">
+                  <a:lumMod val="60000"/>
+                  <a:lumOff val="40000"/>
+                </a:schemeClr>
+              </a:buClr>
+              <a:buSzPct val="140000"/>
+            </a:pPr>
+            <a:r>
+              <a:rPr lang="en-US" sz="1900" dirty="0">
+                <a:latin typeface="+mn-lt"/>
+              </a:rPr>
+              <a:t>Cloud vendors are responsible for physical security and some software security</a:t>
+            </a:r>
+          </a:p>
+          <a:p>
+            <a:pPr lvl="2">
+              <a:spcAft>
+                <a:spcPts val="1200"/>
+              </a:spcAft>
+              <a:buClr>
+                <a:schemeClr val="accent6">
+                  <a:lumMod val="60000"/>
+                  <a:lumOff val="40000"/>
+                </a:schemeClr>
+              </a:buClr>
+              <a:buSzPct val="140000"/>
+            </a:pPr>
+            <a:r>
+              <a:rPr lang="en-US" sz="1900" dirty="0">
+                <a:latin typeface="+mn-lt"/>
+              </a:rPr>
+              <a:t>Security for intermediate layers of the software stack is shared between users and vendors</a:t>
+            </a:r>
+          </a:p>
+          <a:p>
+            <a:pPr>
+              <a:spcAft>
+                <a:spcPts val="1200"/>
+              </a:spcAft>
+              <a:buClr>
+                <a:schemeClr val="accent6">
+                  <a:lumMod val="60000"/>
+                  <a:lumOff val="40000"/>
+                </a:schemeClr>
+              </a:buClr>
+              <a:buSzPct val="140000"/>
+            </a:pPr>
+            <a:r>
+              <a:rPr lang="en-US" dirty="0">
+                <a:latin typeface="+mn-lt"/>
+              </a:rPr>
+              <a:t>Cloud providers must guard against theft or denial-of-service attacks by their users and users need to be protected from one another</a:t>
+            </a:r>
+          </a:p>
+          <a:p>
+            <a:pPr>
+              <a:buClr>
+                <a:schemeClr val="accent6">
+                  <a:lumMod val="60000"/>
+                  <a:lumOff val="40000"/>
+                </a:schemeClr>
+              </a:buClr>
+              <a:buSzPct val="140000"/>
+            </a:pPr>
+            <a:r>
+              <a:rPr lang="en-US" dirty="0">
+                <a:latin typeface="+mn-lt"/>
+              </a:rPr>
+              <a:t>Businesses should consider the extent to which subscribers are protected against the provider, especially in the area of inadvertent data loss</a:t>
+            </a:r>
+          </a:p>
+          <a:p>
+            <a:pPr>
+              <a:buClr>
+                <a:schemeClr val="accent6">
+                  <a:lumMod val="60000"/>
+                  <a:lumOff val="40000"/>
+                </a:schemeClr>
+              </a:buClr>
+              <a:buSzPct val="140000"/>
+            </a:pPr>
+            <a:endParaRPr lang="en-US" dirty="0">
+              <a:latin typeface="+mn-lt"/>
+            </a:endParaRPr>
+          </a:p>
+        </p:txBody>
+      </p:sp>
+    </p:spTree>
+    <p:extLst>
+      <p:ext uri="{BB962C8B-B14F-4D97-AF65-F5344CB8AC3E}">
+        <p14:creationId xmlns:p14="http://schemas.microsoft.com/office/powerpoint/2010/main" val="1042304758"/>
+      </p:ext>
+    </p:extLst>
+  </p:cSld>
+  <p:clrMapOvr>
+    <a:masterClrMapping/>
+  </p:clrMapOvr>
+</p:sld>
+</file>
+
+<file path=ppt/slides/slide43.xml><?xml version="1.0" encoding="utf-8"?>
+<p:sld xmlns:a="http://schemas.openxmlformats.org/drawingml/2006/main" xmlns:r="http://schemas.openxmlformats.org/officeDocument/2006/relationships" xmlns:p="http://schemas.openxmlformats.org/presentationml/2006/main">
+  <p:cSld>
+    <p:spTree>
+      <p:nvGrpSpPr>
+        <p:cNvPr id="1" name=""/>
+        <p:cNvGrpSpPr/>
+        <p:nvPr/>
+      </p:nvGrpSpPr>
+      <p:grpSpPr>
+        <a:xfrm>
+          <a:off x="0" y="0"/>
+          <a:ext cx="0" cy="0"/>
+          <a:chOff x="0" y="0"/>
+          <a:chExt cx="0" cy="0"/>
+        </a:xfrm>
+      </p:grpSpPr>
+      <p:sp>
+        <p:nvSpPr>
+          <p:cNvPr id="2" name="Title 1"/>
+          <p:cNvSpPr>
+            <a:spLocks noGrp="1"/>
+          </p:cNvSpPr>
+          <p:nvPr>
+            <p:ph type="title"/>
+          </p:nvPr>
+        </p:nvSpPr>
+        <p:spPr/>
+        <p:txBody>
+          <a:bodyPr/>
+          <a:lstStyle/>
+          <a:p>
+            <a:r>
+              <a:rPr lang="en-US" dirty="0">
+                <a:solidFill>
+                  <a:schemeClr val="accent6">
+                    <a:lumMod val="40000"/>
+                    <a:lumOff val="60000"/>
+                  </a:schemeClr>
+                </a:solidFill>
+              </a:rPr>
               <a:t>Risks and </a:t>
             </a:r>
             <a:br>
@@ -41873,7 +42006,7 @@
 </p:sld>
 </file>
 
-<file path=ppt/slides/slide43.xml><?xml version="1.0" encoding="utf-8"?>
+<file path=ppt/slides/slide44.xml><?xml version="1.0" encoding="utf-8"?>
 <p:sld xmlns:a="http://schemas.openxmlformats.org/drawingml/2006/main" xmlns:r="http://schemas.openxmlformats.org/officeDocument/2006/relationships" xmlns:p="http://schemas.openxmlformats.org/presentationml/2006/main">
   <p:cSld>
     <p:spTree>
@@ -42196,7 +42329,7 @@
 </p:sld>
 </file>
 
-<file path=ppt/slides/slide44.xml><?xml version="1.0" encoding="utf-8"?>
+<file path=ppt/slides/slide45.xml><?xml version="1.0" encoding="utf-8"?>
 <p:sld xmlns:a="http://schemas.openxmlformats.org/drawingml/2006/main" xmlns:r="http://schemas.openxmlformats.org/officeDocument/2006/relationships" xmlns:p="http://schemas.openxmlformats.org/presentationml/2006/main">
   <p:cSld>
     <p:spTree>
@@ -42579,106 +42712,6 @@
     <p:extLst>
       <p:ext uri="{BB962C8B-B14F-4D97-AF65-F5344CB8AC3E}">
         <p14:creationId xmlns:p14="http://schemas.microsoft.com/office/powerpoint/2010/main" val="416948185"/>
-      </p:ext>
-    </p:extLst>
-  </p:cSld>
-  <p:clrMapOvr>
-    <a:masterClrMapping/>
-  </p:clrMapOvr>
-</p:sld>
-</file>
-
-<file path=ppt/slides/slide45.xml><?xml version="1.0" encoding="utf-8"?>
-<p:sld xmlns:a="http://schemas.openxmlformats.org/drawingml/2006/main" xmlns:r="http://schemas.openxmlformats.org/officeDocument/2006/relationships" xmlns:p="http://schemas.openxmlformats.org/presentationml/2006/main">
-  <p:cSld>
-    <p:spTree>
-      <p:nvGrpSpPr>
-        <p:cNvPr id="1" name=""/>
-        <p:cNvGrpSpPr/>
-        <p:nvPr/>
-      </p:nvGrpSpPr>
-      <p:grpSpPr>
-        <a:xfrm>
-          <a:off x="0" y="0"/>
-          <a:ext cx="0" cy="0"/>
-          <a:chOff x="0" y="0"/>
-          <a:chExt cx="0" cy="0"/>
-        </a:xfrm>
-      </p:grpSpPr>
-      <p:sp>
-        <p:nvSpPr>
-          <p:cNvPr id="2" name="Title 1"/>
-          <p:cNvSpPr>
-            <a:spLocks noGrp="1"/>
-          </p:cNvSpPr>
-          <p:nvPr>
-            <p:ph type="title"/>
-          </p:nvPr>
-        </p:nvSpPr>
-        <p:spPr/>
-        <p:txBody>
-          <a:bodyPr/>
-          <a:lstStyle/>
-          <a:p>
-            <a:r>
-              <a:rPr lang="en-US" dirty="0">
-                <a:solidFill>
-                  <a:schemeClr val="accent6">
-                    <a:lumMod val="40000"/>
-                    <a:lumOff val="60000"/>
-                  </a:schemeClr>
-                </a:solidFill>
-              </a:rPr>
-              <a:t>Data Protection </a:t>
-            </a:r>
-            <a:br>
-              <a:rPr lang="en-US" dirty="0">
-                <a:solidFill>
-                  <a:schemeClr val="accent6">
-                    <a:lumMod val="40000"/>
-                    <a:lumOff val="60000"/>
-                  </a:schemeClr>
-                </a:solidFill>
-              </a:rPr>
-            </a:br>
-            <a:r>
-              <a:rPr lang="en-US" dirty="0">
-                <a:solidFill>
-                  <a:schemeClr val="accent6">
-                    <a:lumMod val="40000"/>
-                    <a:lumOff val="60000"/>
-                  </a:schemeClr>
-                </a:solidFill>
-              </a:rPr>
-              <a:t>in the Cloud</a:t>
-            </a:r>
-          </a:p>
-        </p:txBody>
-      </p:sp>
-      <p:graphicFrame>
-        <p:nvGraphicFramePr>
-          <p:cNvPr id="11" name="Content Placeholder 10"/>
-          <p:cNvGraphicFramePr>
-            <a:graphicFrameLocks noGrp="1"/>
-          </p:cNvGraphicFramePr>
-          <p:nvPr>
-            <p:ph idx="1"/>
-          </p:nvPr>
-        </p:nvGraphicFramePr>
-        <p:xfrm>
-          <a:off x="323850" y="1196975"/>
-          <a:ext cx="8569325" cy="5256213"/>
-        </p:xfrm>
-        <a:graphic>
-          <a:graphicData uri="http://schemas.openxmlformats.org/drawingml/2006/diagram">
-            <dgm:relIds xmlns:dgm="http://schemas.openxmlformats.org/drawingml/2006/diagram" xmlns:r="http://schemas.openxmlformats.org/officeDocument/2006/relationships" r:dm="rId3" r:lo="rId4" r:qs="rId5" r:cs="rId6"/>
-          </a:graphicData>
-        </a:graphic>
-      </p:graphicFrame>
-    </p:spTree>
-    <p:extLst>
-      <p:ext uri="{BB962C8B-B14F-4D97-AF65-F5344CB8AC3E}">
-        <p14:creationId xmlns:p14="http://schemas.microsoft.com/office/powerpoint/2010/main" val="1060870100"/>
       </p:ext>
     </p:extLst>
   </p:cSld>
@@ -42755,6 +42788,106 @@
           </a:p>
         </p:txBody>
       </p:sp>
+      <p:graphicFrame>
+        <p:nvGraphicFramePr>
+          <p:cNvPr id="11" name="Content Placeholder 10"/>
+          <p:cNvGraphicFramePr>
+            <a:graphicFrameLocks noGrp="1"/>
+          </p:cNvGraphicFramePr>
+          <p:nvPr>
+            <p:ph idx="1"/>
+          </p:nvPr>
+        </p:nvGraphicFramePr>
+        <p:xfrm>
+          <a:off x="323850" y="1196975"/>
+          <a:ext cx="8569325" cy="5256213"/>
+        </p:xfrm>
+        <a:graphic>
+          <a:graphicData uri="http://schemas.openxmlformats.org/drawingml/2006/diagram">
+            <dgm:relIds xmlns:dgm="http://schemas.openxmlformats.org/drawingml/2006/diagram" xmlns:r="http://schemas.openxmlformats.org/officeDocument/2006/relationships" r:dm="rId3" r:lo="rId4" r:qs="rId5" r:cs="rId6"/>
+          </a:graphicData>
+        </a:graphic>
+      </p:graphicFrame>
+    </p:spTree>
+    <p:extLst>
+      <p:ext uri="{BB962C8B-B14F-4D97-AF65-F5344CB8AC3E}">
+        <p14:creationId xmlns:p14="http://schemas.microsoft.com/office/powerpoint/2010/main" val="1060870100"/>
+      </p:ext>
+    </p:extLst>
+  </p:cSld>
+  <p:clrMapOvr>
+    <a:masterClrMapping/>
+  </p:clrMapOvr>
+</p:sld>
+</file>
+
+<file path=ppt/slides/slide47.xml><?xml version="1.0" encoding="utf-8"?>
+<p:sld xmlns:a="http://schemas.openxmlformats.org/drawingml/2006/main" xmlns:r="http://schemas.openxmlformats.org/officeDocument/2006/relationships" xmlns:p="http://schemas.openxmlformats.org/presentationml/2006/main">
+  <p:cSld>
+    <p:spTree>
+      <p:nvGrpSpPr>
+        <p:cNvPr id="1" name=""/>
+        <p:cNvGrpSpPr/>
+        <p:nvPr/>
+      </p:nvGrpSpPr>
+      <p:grpSpPr>
+        <a:xfrm>
+          <a:off x="0" y="0"/>
+          <a:ext cx="0" cy="0"/>
+          <a:chOff x="0" y="0"/>
+          <a:chExt cx="0" cy="0"/>
+        </a:xfrm>
+      </p:grpSpPr>
+      <p:sp>
+        <p:nvSpPr>
+          <p:cNvPr id="2" name="Title 1"/>
+          <p:cNvSpPr>
+            <a:spLocks noGrp="1"/>
+          </p:cNvSpPr>
+          <p:nvPr>
+            <p:ph type="title"/>
+          </p:nvPr>
+        </p:nvSpPr>
+        <p:spPr/>
+        <p:txBody>
+          <a:bodyPr/>
+          <a:lstStyle/>
+          <a:p>
+            <a:r>
+              <a:rPr lang="en-US" dirty="0">
+                <a:solidFill>
+                  <a:schemeClr val="accent6">
+                    <a:lumMod val="40000"/>
+                    <a:lumOff val="60000"/>
+                  </a:schemeClr>
+                </a:solidFill>
+              </a:rPr>
+              <a:t>Data Protection </a:t>
+            </a:r>
+            <a:br>
+              <a:rPr lang="en-US" dirty="0">
+                <a:solidFill>
+                  <a:schemeClr val="accent6">
+                    <a:lumMod val="40000"/>
+                    <a:lumOff val="60000"/>
+                  </a:schemeClr>
+                </a:solidFill>
+              </a:rPr>
+            </a:br>
+            <a:r>
+              <a:rPr lang="en-US" dirty="0">
+                <a:solidFill>
+                  <a:schemeClr val="accent6">
+                    <a:lumMod val="40000"/>
+                    <a:lumOff val="60000"/>
+                  </a:schemeClr>
+                </a:solidFill>
+              </a:rPr>
+              <a:t>in the Cloud</a:t>
+            </a:r>
+          </a:p>
+        </p:txBody>
+      </p:sp>
       <p:sp>
         <p:nvSpPr>
           <p:cNvPr id="3" name="Content Placeholder 2"/>
@@ -42950,7 +43083,7 @@
 </p:sld>
 </file>
 
-<file path=ppt/slides/slide47.xml><?xml version="1.0" encoding="utf-8"?>
+<file path=ppt/slides/slide48.xml><?xml version="1.0" encoding="utf-8"?>
 <p:sld xmlns:a="http://schemas.openxmlformats.org/drawingml/2006/main" xmlns:r="http://schemas.openxmlformats.org/officeDocument/2006/relationships" xmlns:p="http://schemas.openxmlformats.org/presentationml/2006/main">
   <p:cSld>
     <p:spTree>
@@ -43073,7 +43206,7 @@
 </p:sld>
 </file>
 
-<file path=ppt/slides/slide48.xml><?xml version="1.0" encoding="utf-8"?>
+<file path=ppt/slides/slide49.xml><?xml version="1.0" encoding="utf-8"?>
 <p:sld xmlns:a="http://schemas.openxmlformats.org/drawingml/2006/main" xmlns:r="http://schemas.openxmlformats.org/officeDocument/2006/relationships" xmlns:p="http://schemas.openxmlformats.org/presentationml/2006/main">
   <p:cSld>
     <p:spTree>

--- a/InfoSec/PPTs/CH05-Database and Cloud Security NEW.pptx
+++ b/InfoSec/PPTs/CH05-Database and Cloud Security NEW.pptx
@@ -32660,31 +32660,6 @@
       </p:sp>
       <p:sp>
         <p:nvSpPr>
-          <p:cNvPr id="3" name="Content Placeholder 2">
-            <a:extLst>
-              <a:ext uri="{FF2B5EF4-FFF2-40B4-BE49-F238E27FC236}">
-                <a16:creationId xmlns:a16="http://schemas.microsoft.com/office/drawing/2014/main" id="{5DDDC9DA-DC81-4F1A-AF6E-A1E2BB3D8DFE}"/>
-              </a:ext>
-            </a:extLst>
-          </p:cNvPr>
-          <p:cNvSpPr>
-            <a:spLocks noGrp="1"/>
-          </p:cNvSpPr>
-          <p:nvPr>
-            <p:ph idx="1"/>
-          </p:nvPr>
-        </p:nvSpPr>
-        <p:spPr/>
-        <p:txBody>
-          <a:bodyPr/>
-          <a:lstStyle/>
-          <a:p>
-            <a:endParaRPr lang="en-SE"/>
-          </a:p>
-        </p:txBody>
-      </p:sp>
-      <p:sp>
-        <p:nvSpPr>
           <p:cNvPr id="4" name="Slide Number Placeholder 3">
             <a:extLst>
               <a:ext uri="{FF2B5EF4-FFF2-40B4-BE49-F238E27FC236}">
@@ -33040,12 +33015,12 @@
         <p:spPr>
           <a:xfrm>
             <a:off x="457200" y="1196752"/>
-            <a:ext cx="8229600" cy="5328592"/>
+            <a:ext cx="8229600" cy="2808312"/>
           </a:xfrm>
         </p:spPr>
         <p:txBody>
           <a:bodyPr>
-            <a:normAutofit fontScale="70000" lnSpcReduction="20000"/>
+            <a:normAutofit fontScale="47500" lnSpcReduction="20000"/>
           </a:bodyPr>
           <a:lstStyle/>
           <a:p>
@@ -33141,6 +33116,36 @@
           </a:p>
         </p:txBody>
       </p:sp>
+      <p:pic>
+        <p:nvPicPr>
+          <p:cNvPr id="5" name="Picture 4">
+            <a:extLst>
+              <a:ext uri="{FF2B5EF4-FFF2-40B4-BE49-F238E27FC236}">
+                <a16:creationId xmlns:a16="http://schemas.microsoft.com/office/drawing/2014/main" id="{3F5F5D74-BDB5-4A82-8AB4-BE739D08FBDD}"/>
+              </a:ext>
+            </a:extLst>
+          </p:cNvPr>
+          <p:cNvPicPr>
+            <a:picLocks noChangeAspect="1"/>
+          </p:cNvPicPr>
+          <p:nvPr/>
+        </p:nvPicPr>
+        <p:blipFill>
+          <a:blip r:embed="rId2"/>
+          <a:stretch>
+            <a:fillRect/>
+          </a:stretch>
+        </p:blipFill>
+        <p:spPr>
+          <a:xfrm>
+            <a:off x="2121190" y="3809569"/>
+            <a:ext cx="4901620" cy="2996952"/>
+          </a:xfrm>
+          <a:prstGeom prst="rect">
+            <a:avLst/>
+          </a:prstGeom>
+        </p:spPr>
+      </p:pic>
     </p:spTree>
     <p:extLst>
       <p:ext uri="{BB962C8B-B14F-4D97-AF65-F5344CB8AC3E}">
